--- a/99. Lecture note in ppt/13. BOM2.pptx
+++ b/99. Lecture note in ppt/13. BOM2.pptx
@@ -12,17 +12,29 @@
     <p:sldId id="528" r:id="rId6"/>
     <p:sldId id="527" r:id="rId7"/>
     <p:sldId id="525" r:id="rId8"/>
-    <p:sldId id="524" r:id="rId9"/>
-    <p:sldId id="529" r:id="rId10"/>
-    <p:sldId id="530" r:id="rId11"/>
-    <p:sldId id="531" r:id="rId12"/>
-    <p:sldId id="532" r:id="rId13"/>
-    <p:sldId id="533" r:id="rId14"/>
-    <p:sldId id="534" r:id="rId15"/>
-    <p:sldId id="535" r:id="rId16"/>
-    <p:sldId id="536" r:id="rId17"/>
-    <p:sldId id="537" r:id="rId18"/>
-    <p:sldId id="538" r:id="rId19"/>
+    <p:sldId id="539" r:id="rId9"/>
+    <p:sldId id="524" r:id="rId10"/>
+    <p:sldId id="529" r:id="rId11"/>
+    <p:sldId id="530" r:id="rId12"/>
+    <p:sldId id="531" r:id="rId13"/>
+    <p:sldId id="532" r:id="rId14"/>
+    <p:sldId id="533" r:id="rId15"/>
+    <p:sldId id="534" r:id="rId16"/>
+    <p:sldId id="540" r:id="rId17"/>
+    <p:sldId id="541" r:id="rId18"/>
+    <p:sldId id="542" r:id="rId19"/>
+    <p:sldId id="535" r:id="rId20"/>
+    <p:sldId id="543" r:id="rId21"/>
+    <p:sldId id="545" r:id="rId22"/>
+    <p:sldId id="546" r:id="rId23"/>
+    <p:sldId id="544" r:id="rId24"/>
+    <p:sldId id="536" r:id="rId25"/>
+    <p:sldId id="549" r:id="rId26"/>
+    <p:sldId id="547" r:id="rId27"/>
+    <p:sldId id="548" r:id="rId28"/>
+    <p:sldId id="550" r:id="rId29"/>
+    <p:sldId id="537" r:id="rId30"/>
+    <p:sldId id="538" r:id="rId31"/>
   </p:sldIdLst>
   <p:sldSz cx="12192000" cy="6858000"/>
   <p:notesSz cx="6858000" cy="9144000"/>
@@ -182,10 +194,9 @@
           </a:lstStyle>
           <a:p>
             <a:r>
-              <a:rPr lang="ko-KR" altLang="en-US" smtClean="0"/>
+              <a:rPr lang="ko-KR" altLang="en-US"/>
               <a:t>마스터 제목 스타일 편집</a:t>
             </a:r>
-            <a:endParaRPr lang="ko-KR" altLang="en-US"/>
           </a:p>
         </p:txBody>
       </p:sp>
@@ -247,10 +258,9 @@
           </a:lstStyle>
           <a:p>
             <a:r>
-              <a:rPr lang="ko-KR" altLang="en-US" smtClean="0"/>
+              <a:rPr lang="ko-KR" altLang="en-US"/>
               <a:t>클릭하여 마스터 부제목 스타일 편집</a:t>
             </a:r>
-            <a:endParaRPr lang="ko-KR" altLang="en-US"/>
           </a:p>
         </p:txBody>
       </p:sp>
@@ -271,7 +281,7 @@
           <a:p>
             <a:fld id="{B2970B56-F379-468E-8C04-AC3274656B30}" type="datetimeFigureOut">
               <a:rPr lang="ko-KR" altLang="en-US" smtClean="0"/>
-              <a:t>2023-04-13</a:t>
+              <a:t>2023-05-21</a:t>
             </a:fld>
             <a:endParaRPr lang="ko-KR" altLang="en-US"/>
           </a:p>
@@ -365,10 +375,9 @@
           <a:lstStyle/>
           <a:p>
             <a:r>
-              <a:rPr lang="ko-KR" altLang="en-US" smtClean="0"/>
+              <a:rPr lang="ko-KR" altLang="en-US"/>
               <a:t>마스터 제목 스타일 편집</a:t>
             </a:r>
-            <a:endParaRPr lang="ko-KR" altLang="en-US"/>
           </a:p>
         </p:txBody>
       </p:sp>
@@ -389,38 +398,37 @@
           <a:p>
             <a:pPr lvl="0"/>
             <a:r>
-              <a:rPr lang="ko-KR" altLang="en-US" smtClean="0"/>
+              <a:rPr lang="ko-KR" altLang="en-US"/>
               <a:t>마스터 텍스트 스타일 편집</a:t>
             </a:r>
           </a:p>
           <a:p>
             <a:pPr lvl="1"/>
             <a:r>
-              <a:rPr lang="ko-KR" altLang="en-US" smtClean="0"/>
+              <a:rPr lang="ko-KR" altLang="en-US"/>
               <a:t>둘째 수준</a:t>
             </a:r>
           </a:p>
           <a:p>
             <a:pPr lvl="2"/>
             <a:r>
-              <a:rPr lang="ko-KR" altLang="en-US" smtClean="0"/>
+              <a:rPr lang="ko-KR" altLang="en-US"/>
               <a:t>셋째 수준</a:t>
             </a:r>
           </a:p>
           <a:p>
             <a:pPr lvl="3"/>
             <a:r>
-              <a:rPr lang="ko-KR" altLang="en-US" smtClean="0"/>
+              <a:rPr lang="ko-KR" altLang="en-US"/>
               <a:t>넷째 수준</a:t>
             </a:r>
           </a:p>
           <a:p>
             <a:pPr lvl="4"/>
             <a:r>
-              <a:rPr lang="ko-KR" altLang="en-US" smtClean="0"/>
+              <a:rPr lang="ko-KR" altLang="en-US"/>
               <a:t>다섯째 수준</a:t>
             </a:r>
-            <a:endParaRPr lang="ko-KR" altLang="en-US"/>
           </a:p>
         </p:txBody>
       </p:sp>
@@ -441,7 +449,7 @@
           <a:p>
             <a:fld id="{B2970B56-F379-468E-8C04-AC3274656B30}" type="datetimeFigureOut">
               <a:rPr lang="ko-KR" altLang="en-US" smtClean="0"/>
-              <a:t>2023-04-13</a:t>
+              <a:t>2023-05-21</a:t>
             </a:fld>
             <a:endParaRPr lang="ko-KR" altLang="en-US"/>
           </a:p>
@@ -540,10 +548,9 @@
           <a:lstStyle/>
           <a:p>
             <a:r>
-              <a:rPr lang="ko-KR" altLang="en-US" smtClean="0"/>
+              <a:rPr lang="ko-KR" altLang="en-US"/>
               <a:t>마스터 제목 스타일 편집</a:t>
             </a:r>
-            <a:endParaRPr lang="ko-KR" altLang="en-US"/>
           </a:p>
         </p:txBody>
       </p:sp>
@@ -569,38 +576,37 @@
           <a:p>
             <a:pPr lvl="0"/>
             <a:r>
-              <a:rPr lang="ko-KR" altLang="en-US" smtClean="0"/>
+              <a:rPr lang="ko-KR" altLang="en-US"/>
               <a:t>마스터 텍스트 스타일 편집</a:t>
             </a:r>
           </a:p>
           <a:p>
             <a:pPr lvl="1"/>
             <a:r>
-              <a:rPr lang="ko-KR" altLang="en-US" smtClean="0"/>
+              <a:rPr lang="ko-KR" altLang="en-US"/>
               <a:t>둘째 수준</a:t>
             </a:r>
           </a:p>
           <a:p>
             <a:pPr lvl="2"/>
             <a:r>
-              <a:rPr lang="ko-KR" altLang="en-US" smtClean="0"/>
+              <a:rPr lang="ko-KR" altLang="en-US"/>
               <a:t>셋째 수준</a:t>
             </a:r>
           </a:p>
           <a:p>
             <a:pPr lvl="3"/>
             <a:r>
-              <a:rPr lang="ko-KR" altLang="en-US" smtClean="0"/>
+              <a:rPr lang="ko-KR" altLang="en-US"/>
               <a:t>넷째 수준</a:t>
             </a:r>
           </a:p>
           <a:p>
             <a:pPr lvl="4"/>
             <a:r>
-              <a:rPr lang="ko-KR" altLang="en-US" smtClean="0"/>
+              <a:rPr lang="ko-KR" altLang="en-US"/>
               <a:t>다섯째 수준</a:t>
             </a:r>
-            <a:endParaRPr lang="ko-KR" altLang="en-US"/>
           </a:p>
         </p:txBody>
       </p:sp>
@@ -621,7 +627,7 @@
           <a:p>
             <a:fld id="{B2970B56-F379-468E-8C04-AC3274656B30}" type="datetimeFigureOut">
               <a:rPr lang="ko-KR" altLang="en-US" smtClean="0"/>
-              <a:t>2023-04-13</a:t>
+              <a:t>2023-05-21</a:t>
             </a:fld>
             <a:endParaRPr lang="ko-KR" altLang="en-US"/>
           </a:p>
@@ -715,10 +721,9 @@
           <a:lstStyle/>
           <a:p>
             <a:r>
-              <a:rPr lang="ko-KR" altLang="en-US" smtClean="0"/>
+              <a:rPr lang="ko-KR" altLang="en-US"/>
               <a:t>마스터 제목 스타일 편집</a:t>
             </a:r>
-            <a:endParaRPr lang="ko-KR" altLang="en-US"/>
           </a:p>
         </p:txBody>
       </p:sp>
@@ -739,38 +744,37 @@
           <a:p>
             <a:pPr lvl="0"/>
             <a:r>
-              <a:rPr lang="ko-KR" altLang="en-US" smtClean="0"/>
+              <a:rPr lang="ko-KR" altLang="en-US"/>
               <a:t>마스터 텍스트 스타일 편집</a:t>
             </a:r>
           </a:p>
           <a:p>
             <a:pPr lvl="1"/>
             <a:r>
-              <a:rPr lang="ko-KR" altLang="en-US" smtClean="0"/>
+              <a:rPr lang="ko-KR" altLang="en-US"/>
               <a:t>둘째 수준</a:t>
             </a:r>
           </a:p>
           <a:p>
             <a:pPr lvl="2"/>
             <a:r>
-              <a:rPr lang="ko-KR" altLang="en-US" smtClean="0"/>
+              <a:rPr lang="ko-KR" altLang="en-US"/>
               <a:t>셋째 수준</a:t>
             </a:r>
           </a:p>
           <a:p>
             <a:pPr lvl="3"/>
             <a:r>
-              <a:rPr lang="ko-KR" altLang="en-US" smtClean="0"/>
+              <a:rPr lang="ko-KR" altLang="en-US"/>
               <a:t>넷째 수준</a:t>
             </a:r>
           </a:p>
           <a:p>
             <a:pPr lvl="4"/>
             <a:r>
-              <a:rPr lang="ko-KR" altLang="en-US" smtClean="0"/>
+              <a:rPr lang="ko-KR" altLang="en-US"/>
               <a:t>다섯째 수준</a:t>
             </a:r>
-            <a:endParaRPr lang="ko-KR" altLang="en-US"/>
           </a:p>
         </p:txBody>
       </p:sp>
@@ -791,7 +795,7 @@
           <a:p>
             <a:fld id="{B2970B56-F379-468E-8C04-AC3274656B30}" type="datetimeFigureOut">
               <a:rPr lang="ko-KR" altLang="en-US" smtClean="0"/>
-              <a:t>2023-04-13</a:t>
+              <a:t>2023-05-21</a:t>
             </a:fld>
             <a:endParaRPr lang="ko-KR" altLang="en-US"/>
           </a:p>
@@ -894,10 +898,9 @@
           </a:lstStyle>
           <a:p>
             <a:r>
-              <a:rPr lang="ko-KR" altLang="en-US" smtClean="0"/>
+              <a:rPr lang="ko-KR" altLang="en-US"/>
               <a:t>마스터 제목 스타일 편집</a:t>
             </a:r>
-            <a:endParaRPr lang="ko-KR" altLang="en-US"/>
           </a:p>
         </p:txBody>
       </p:sp>
@@ -1014,7 +1017,7 @@
           <a:p>
             <a:pPr lvl="0"/>
             <a:r>
-              <a:rPr lang="ko-KR" altLang="en-US" smtClean="0"/>
+              <a:rPr lang="ko-KR" altLang="en-US"/>
               <a:t>마스터 텍스트 스타일 편집</a:t>
             </a:r>
           </a:p>
@@ -1037,7 +1040,7 @@
           <a:p>
             <a:fld id="{B2970B56-F379-468E-8C04-AC3274656B30}" type="datetimeFigureOut">
               <a:rPr lang="ko-KR" altLang="en-US" smtClean="0"/>
-              <a:t>2023-04-13</a:t>
+              <a:t>2023-05-21</a:t>
             </a:fld>
             <a:endParaRPr lang="ko-KR" altLang="en-US"/>
           </a:p>
@@ -1131,10 +1134,9 @@
           <a:lstStyle/>
           <a:p>
             <a:r>
-              <a:rPr lang="ko-KR" altLang="en-US" smtClean="0"/>
+              <a:rPr lang="ko-KR" altLang="en-US"/>
               <a:t>마스터 제목 스타일 편집</a:t>
             </a:r>
-            <a:endParaRPr lang="ko-KR" altLang="en-US"/>
           </a:p>
         </p:txBody>
       </p:sp>
@@ -1160,38 +1162,37 @@
           <a:p>
             <a:pPr lvl="0"/>
             <a:r>
-              <a:rPr lang="ko-KR" altLang="en-US" smtClean="0"/>
+              <a:rPr lang="ko-KR" altLang="en-US"/>
               <a:t>마스터 텍스트 스타일 편집</a:t>
             </a:r>
           </a:p>
           <a:p>
             <a:pPr lvl="1"/>
             <a:r>
-              <a:rPr lang="ko-KR" altLang="en-US" smtClean="0"/>
+              <a:rPr lang="ko-KR" altLang="en-US"/>
               <a:t>둘째 수준</a:t>
             </a:r>
           </a:p>
           <a:p>
             <a:pPr lvl="2"/>
             <a:r>
-              <a:rPr lang="ko-KR" altLang="en-US" smtClean="0"/>
+              <a:rPr lang="ko-KR" altLang="en-US"/>
               <a:t>셋째 수준</a:t>
             </a:r>
           </a:p>
           <a:p>
             <a:pPr lvl="3"/>
             <a:r>
-              <a:rPr lang="ko-KR" altLang="en-US" smtClean="0"/>
+              <a:rPr lang="ko-KR" altLang="en-US"/>
               <a:t>넷째 수준</a:t>
             </a:r>
           </a:p>
           <a:p>
             <a:pPr lvl="4"/>
             <a:r>
-              <a:rPr lang="ko-KR" altLang="en-US" smtClean="0"/>
+              <a:rPr lang="ko-KR" altLang="en-US"/>
               <a:t>다섯째 수준</a:t>
             </a:r>
-            <a:endParaRPr lang="ko-KR" altLang="en-US"/>
           </a:p>
         </p:txBody>
       </p:sp>
@@ -1217,38 +1218,37 @@
           <a:p>
             <a:pPr lvl="0"/>
             <a:r>
-              <a:rPr lang="ko-KR" altLang="en-US" smtClean="0"/>
+              <a:rPr lang="ko-KR" altLang="en-US"/>
               <a:t>마스터 텍스트 스타일 편집</a:t>
             </a:r>
           </a:p>
           <a:p>
             <a:pPr lvl="1"/>
             <a:r>
-              <a:rPr lang="ko-KR" altLang="en-US" smtClean="0"/>
+              <a:rPr lang="ko-KR" altLang="en-US"/>
               <a:t>둘째 수준</a:t>
             </a:r>
           </a:p>
           <a:p>
             <a:pPr lvl="2"/>
             <a:r>
-              <a:rPr lang="ko-KR" altLang="en-US" smtClean="0"/>
+              <a:rPr lang="ko-KR" altLang="en-US"/>
               <a:t>셋째 수준</a:t>
             </a:r>
           </a:p>
           <a:p>
             <a:pPr lvl="3"/>
             <a:r>
-              <a:rPr lang="ko-KR" altLang="en-US" smtClean="0"/>
+              <a:rPr lang="ko-KR" altLang="en-US"/>
               <a:t>넷째 수준</a:t>
             </a:r>
           </a:p>
           <a:p>
             <a:pPr lvl="4"/>
             <a:r>
-              <a:rPr lang="ko-KR" altLang="en-US" smtClean="0"/>
+              <a:rPr lang="ko-KR" altLang="en-US"/>
               <a:t>다섯째 수준</a:t>
             </a:r>
-            <a:endParaRPr lang="ko-KR" altLang="en-US"/>
           </a:p>
         </p:txBody>
       </p:sp>
@@ -1269,7 +1269,7 @@
           <a:p>
             <a:fld id="{B2970B56-F379-468E-8C04-AC3274656B30}" type="datetimeFigureOut">
               <a:rPr lang="ko-KR" altLang="en-US" smtClean="0"/>
-              <a:t>2023-04-13</a:t>
+              <a:t>2023-05-21</a:t>
             </a:fld>
             <a:endParaRPr lang="ko-KR" altLang="en-US"/>
           </a:p>
@@ -1368,10 +1368,9 @@
           <a:lstStyle/>
           <a:p>
             <a:r>
-              <a:rPr lang="ko-KR" altLang="en-US" smtClean="0"/>
+              <a:rPr lang="ko-KR" altLang="en-US"/>
               <a:t>마스터 제목 스타일 편집</a:t>
             </a:r>
-            <a:endParaRPr lang="ko-KR" altLang="en-US"/>
           </a:p>
         </p:txBody>
       </p:sp>
@@ -1434,7 +1433,7 @@
           <a:p>
             <a:pPr lvl="0"/>
             <a:r>
-              <a:rPr lang="ko-KR" altLang="en-US" smtClean="0"/>
+              <a:rPr lang="ko-KR" altLang="en-US"/>
               <a:t>마스터 텍스트 스타일 편집</a:t>
             </a:r>
           </a:p>
@@ -1462,38 +1461,37 @@
           <a:p>
             <a:pPr lvl="0"/>
             <a:r>
-              <a:rPr lang="ko-KR" altLang="en-US" smtClean="0"/>
+              <a:rPr lang="ko-KR" altLang="en-US"/>
               <a:t>마스터 텍스트 스타일 편집</a:t>
             </a:r>
           </a:p>
           <a:p>
             <a:pPr lvl="1"/>
             <a:r>
-              <a:rPr lang="ko-KR" altLang="en-US" smtClean="0"/>
+              <a:rPr lang="ko-KR" altLang="en-US"/>
               <a:t>둘째 수준</a:t>
             </a:r>
           </a:p>
           <a:p>
             <a:pPr lvl="2"/>
             <a:r>
-              <a:rPr lang="ko-KR" altLang="en-US" smtClean="0"/>
+              <a:rPr lang="ko-KR" altLang="en-US"/>
               <a:t>셋째 수준</a:t>
             </a:r>
           </a:p>
           <a:p>
             <a:pPr lvl="3"/>
             <a:r>
-              <a:rPr lang="ko-KR" altLang="en-US" smtClean="0"/>
+              <a:rPr lang="ko-KR" altLang="en-US"/>
               <a:t>넷째 수준</a:t>
             </a:r>
           </a:p>
           <a:p>
             <a:pPr lvl="4"/>
             <a:r>
-              <a:rPr lang="ko-KR" altLang="en-US" smtClean="0"/>
+              <a:rPr lang="ko-KR" altLang="en-US"/>
               <a:t>다섯째 수준</a:t>
             </a:r>
-            <a:endParaRPr lang="ko-KR" altLang="en-US"/>
           </a:p>
         </p:txBody>
       </p:sp>
@@ -1556,7 +1554,7 @@
           <a:p>
             <a:pPr lvl="0"/>
             <a:r>
-              <a:rPr lang="ko-KR" altLang="en-US" smtClean="0"/>
+              <a:rPr lang="ko-KR" altLang="en-US"/>
               <a:t>마스터 텍스트 스타일 편집</a:t>
             </a:r>
           </a:p>
@@ -1584,38 +1582,37 @@
           <a:p>
             <a:pPr lvl="0"/>
             <a:r>
-              <a:rPr lang="ko-KR" altLang="en-US" smtClean="0"/>
+              <a:rPr lang="ko-KR" altLang="en-US"/>
               <a:t>마스터 텍스트 스타일 편집</a:t>
             </a:r>
           </a:p>
           <a:p>
             <a:pPr lvl="1"/>
             <a:r>
-              <a:rPr lang="ko-KR" altLang="en-US" smtClean="0"/>
+              <a:rPr lang="ko-KR" altLang="en-US"/>
               <a:t>둘째 수준</a:t>
             </a:r>
           </a:p>
           <a:p>
             <a:pPr lvl="2"/>
             <a:r>
-              <a:rPr lang="ko-KR" altLang="en-US" smtClean="0"/>
+              <a:rPr lang="ko-KR" altLang="en-US"/>
               <a:t>셋째 수준</a:t>
             </a:r>
           </a:p>
           <a:p>
             <a:pPr lvl="3"/>
             <a:r>
-              <a:rPr lang="ko-KR" altLang="en-US" smtClean="0"/>
+              <a:rPr lang="ko-KR" altLang="en-US"/>
               <a:t>넷째 수준</a:t>
             </a:r>
           </a:p>
           <a:p>
             <a:pPr lvl="4"/>
             <a:r>
-              <a:rPr lang="ko-KR" altLang="en-US" smtClean="0"/>
+              <a:rPr lang="ko-KR" altLang="en-US"/>
               <a:t>다섯째 수준</a:t>
             </a:r>
-            <a:endParaRPr lang="ko-KR" altLang="en-US"/>
           </a:p>
         </p:txBody>
       </p:sp>
@@ -1636,7 +1633,7 @@
           <a:p>
             <a:fld id="{B2970B56-F379-468E-8C04-AC3274656B30}" type="datetimeFigureOut">
               <a:rPr lang="ko-KR" altLang="en-US" smtClean="0"/>
-              <a:t>2023-04-13</a:t>
+              <a:t>2023-05-21</a:t>
             </a:fld>
             <a:endParaRPr lang="ko-KR" altLang="en-US"/>
           </a:p>
@@ -1730,10 +1727,9 @@
           <a:lstStyle/>
           <a:p>
             <a:r>
-              <a:rPr lang="ko-KR" altLang="en-US" smtClean="0"/>
+              <a:rPr lang="ko-KR" altLang="en-US"/>
               <a:t>마스터 제목 스타일 편집</a:t>
             </a:r>
-            <a:endParaRPr lang="ko-KR" altLang="en-US"/>
           </a:p>
         </p:txBody>
       </p:sp>
@@ -1754,7 +1750,7 @@
           <a:p>
             <a:fld id="{B2970B56-F379-468E-8C04-AC3274656B30}" type="datetimeFigureOut">
               <a:rPr lang="ko-KR" altLang="en-US" smtClean="0"/>
-              <a:t>2023-04-13</a:t>
+              <a:t>2023-05-21</a:t>
             </a:fld>
             <a:endParaRPr lang="ko-KR" altLang="en-US"/>
           </a:p>
@@ -1849,7 +1845,7 @@
           <a:p>
             <a:fld id="{B2970B56-F379-468E-8C04-AC3274656B30}" type="datetimeFigureOut">
               <a:rPr lang="ko-KR" altLang="en-US" smtClean="0"/>
-              <a:t>2023-04-13</a:t>
+              <a:t>2023-05-21</a:t>
             </a:fld>
             <a:endParaRPr lang="ko-KR" altLang="en-US"/>
           </a:p>
@@ -1952,10 +1948,9 @@
           </a:lstStyle>
           <a:p>
             <a:r>
-              <a:rPr lang="ko-KR" altLang="en-US" smtClean="0"/>
+              <a:rPr lang="ko-KR" altLang="en-US"/>
               <a:t>마스터 제목 스타일 편집</a:t>
             </a:r>
-            <a:endParaRPr lang="ko-KR" altLang="en-US"/>
           </a:p>
         </p:txBody>
       </p:sp>
@@ -2009,38 +2004,37 @@
           <a:p>
             <a:pPr lvl="0"/>
             <a:r>
-              <a:rPr lang="ko-KR" altLang="en-US" smtClean="0"/>
+              <a:rPr lang="ko-KR" altLang="en-US"/>
               <a:t>마스터 텍스트 스타일 편집</a:t>
             </a:r>
           </a:p>
           <a:p>
             <a:pPr lvl="1"/>
             <a:r>
-              <a:rPr lang="ko-KR" altLang="en-US" smtClean="0"/>
+              <a:rPr lang="ko-KR" altLang="en-US"/>
               <a:t>둘째 수준</a:t>
             </a:r>
           </a:p>
           <a:p>
             <a:pPr lvl="2"/>
             <a:r>
-              <a:rPr lang="ko-KR" altLang="en-US" smtClean="0"/>
+              <a:rPr lang="ko-KR" altLang="en-US"/>
               <a:t>셋째 수준</a:t>
             </a:r>
           </a:p>
           <a:p>
             <a:pPr lvl="3"/>
             <a:r>
-              <a:rPr lang="ko-KR" altLang="en-US" smtClean="0"/>
+              <a:rPr lang="ko-KR" altLang="en-US"/>
               <a:t>넷째 수준</a:t>
             </a:r>
           </a:p>
           <a:p>
             <a:pPr lvl="4"/>
             <a:r>
-              <a:rPr lang="ko-KR" altLang="en-US" smtClean="0"/>
+              <a:rPr lang="ko-KR" altLang="en-US"/>
               <a:t>다섯째 수준</a:t>
             </a:r>
-            <a:endParaRPr lang="ko-KR" altLang="en-US"/>
           </a:p>
         </p:txBody>
       </p:sp>
@@ -2103,7 +2097,7 @@
           <a:p>
             <a:pPr lvl="0"/>
             <a:r>
-              <a:rPr lang="ko-KR" altLang="en-US" smtClean="0"/>
+              <a:rPr lang="ko-KR" altLang="en-US"/>
               <a:t>마스터 텍스트 스타일 편집</a:t>
             </a:r>
           </a:p>
@@ -2126,7 +2120,7 @@
           <a:p>
             <a:fld id="{B2970B56-F379-468E-8C04-AC3274656B30}" type="datetimeFigureOut">
               <a:rPr lang="ko-KR" altLang="en-US" smtClean="0"/>
-              <a:t>2023-04-13</a:t>
+              <a:t>2023-05-21</a:t>
             </a:fld>
             <a:endParaRPr lang="ko-KR" altLang="en-US"/>
           </a:p>
@@ -2229,10 +2223,9 @@
           </a:lstStyle>
           <a:p>
             <a:r>
-              <a:rPr lang="ko-KR" altLang="en-US" smtClean="0"/>
+              <a:rPr lang="ko-KR" altLang="en-US"/>
               <a:t>마스터 제목 스타일 편집</a:t>
             </a:r>
-            <a:endParaRPr lang="ko-KR" altLang="en-US"/>
           </a:p>
         </p:txBody>
       </p:sp>
@@ -2356,7 +2349,7 @@
           <a:p>
             <a:pPr lvl="0"/>
             <a:r>
-              <a:rPr lang="ko-KR" altLang="en-US" smtClean="0"/>
+              <a:rPr lang="ko-KR" altLang="en-US"/>
               <a:t>마스터 텍스트 스타일 편집</a:t>
             </a:r>
           </a:p>
@@ -2379,7 +2372,7 @@
           <a:p>
             <a:fld id="{B2970B56-F379-468E-8C04-AC3274656B30}" type="datetimeFigureOut">
               <a:rPr lang="ko-KR" altLang="en-US" smtClean="0"/>
-              <a:t>2023-04-13</a:t>
+              <a:t>2023-05-21</a:t>
             </a:fld>
             <a:endParaRPr lang="ko-KR" altLang="en-US"/>
           </a:p>
@@ -2488,10 +2481,9 @@
           <a:lstStyle/>
           <a:p>
             <a:r>
-              <a:rPr lang="ko-KR" altLang="en-US" smtClean="0"/>
+              <a:rPr lang="ko-KR" altLang="en-US"/>
               <a:t>마스터 제목 스타일 편집</a:t>
             </a:r>
-            <a:endParaRPr lang="ko-KR" altLang="en-US"/>
           </a:p>
         </p:txBody>
       </p:sp>
@@ -2522,38 +2514,37 @@
           <a:p>
             <a:pPr lvl="0"/>
             <a:r>
-              <a:rPr lang="ko-KR" altLang="en-US" smtClean="0"/>
+              <a:rPr lang="ko-KR" altLang="en-US"/>
               <a:t>마스터 텍스트 스타일 편집</a:t>
             </a:r>
           </a:p>
           <a:p>
             <a:pPr lvl="1"/>
             <a:r>
-              <a:rPr lang="ko-KR" altLang="en-US" smtClean="0"/>
+              <a:rPr lang="ko-KR" altLang="en-US"/>
               <a:t>둘째 수준</a:t>
             </a:r>
           </a:p>
           <a:p>
             <a:pPr lvl="2"/>
             <a:r>
-              <a:rPr lang="ko-KR" altLang="en-US" smtClean="0"/>
+              <a:rPr lang="ko-KR" altLang="en-US"/>
               <a:t>셋째 수준</a:t>
             </a:r>
           </a:p>
           <a:p>
             <a:pPr lvl="3"/>
             <a:r>
-              <a:rPr lang="ko-KR" altLang="en-US" smtClean="0"/>
+              <a:rPr lang="ko-KR" altLang="en-US"/>
               <a:t>넷째 수준</a:t>
             </a:r>
           </a:p>
           <a:p>
             <a:pPr lvl="4"/>
             <a:r>
-              <a:rPr lang="ko-KR" altLang="en-US" smtClean="0"/>
+              <a:rPr lang="ko-KR" altLang="en-US"/>
               <a:t>다섯째 수준</a:t>
             </a:r>
-            <a:endParaRPr lang="ko-KR" altLang="en-US"/>
           </a:p>
         </p:txBody>
       </p:sp>
@@ -2592,7 +2583,7 @@
           <a:p>
             <a:fld id="{B2970B56-F379-468E-8C04-AC3274656B30}" type="datetimeFigureOut">
               <a:rPr lang="ko-KR" altLang="en-US" smtClean="0"/>
-              <a:t>2023-04-13</a:t>
+              <a:t>2023-05-21</a:t>
             </a:fld>
             <a:endParaRPr lang="ko-KR" altLang="en-US"/>
           </a:p>
@@ -3042,12 +3033,20 @@
           <a:p>
             <a:pPr algn="ctr"/>
             <a:r>
-              <a:rPr lang="en-US" altLang="ko-KR" dirty="0" smtClean="0">
-                <a:solidFill>
-                  <a:schemeClr val="tx1"/>
-                </a:solidFill>
-              </a:rPr>
-              <a:t>BOM2</a:t>
+              <a:rPr lang="en-US" altLang="ko-KR" dirty="0" err="1">
+                <a:solidFill>
+                  <a:schemeClr val="tx1"/>
+                </a:solidFill>
+              </a:rPr>
+              <a:t>IndexedDB</a:t>
+            </a:r>
+            <a:r>
+              <a:rPr lang="en-US" altLang="ko-KR" dirty="0">
+                <a:solidFill>
+                  <a:schemeClr val="tx1"/>
+                </a:solidFill>
+              </a:rPr>
+              <a:t>, BOM2</a:t>
             </a:r>
             <a:endParaRPr lang="ko-KR" altLang="en-US" dirty="0">
               <a:solidFill>
@@ -3067,13 +3066,6 @@
   <p:clrMapOvr>
     <a:masterClrMapping/>
   </p:clrMapOvr>
-  <p:timing>
-    <p:tnLst>
-      <p:par>
-        <p:cTn id="1" dur="indefinite" restart="never" nodeType="tmRoot"/>
-      </p:par>
-    </p:tnLst>
-  </p:timing>
 </p:sld>
 </file>
 
@@ -3102,7 +3094,7 @@
         </p:nvSpPr>
         <p:spPr>
           <a:xfrm>
-            <a:off x="4663046" y="3060881"/>
+            <a:off x="4663046" y="3097394"/>
             <a:ext cx="2865905" cy="736238"/>
           </a:xfrm>
           <a:prstGeom prst="rect">
@@ -3139,28 +3131,12 @@
           <a:p>
             <a:pPr algn="ctr"/>
             <a:r>
-              <a:rPr lang="en-US" altLang="ko-KR" dirty="0" smtClean="0">
-                <a:solidFill>
-                  <a:schemeClr val="tx1"/>
-                </a:solidFill>
-              </a:rPr>
-              <a:t>‘screen: </a:t>
-            </a:r>
-            <a:r>
-              <a:rPr lang="ko-KR" altLang="en-US" dirty="0" smtClean="0">
-                <a:solidFill>
-                  <a:schemeClr val="tx1"/>
-                </a:solidFill>
-              </a:rPr>
-              <a:t>사용자의 모니터 정보를 제</a:t>
-            </a:r>
-            <a:r>
-              <a:rPr lang="ko-KR" altLang="en-US" dirty="0" smtClean="0">
-                <a:solidFill>
-                  <a:schemeClr val="tx1"/>
-                </a:solidFill>
-              </a:rPr>
-              <a:t>공</a:t>
+              <a:rPr lang="en-US" altLang="ko-KR" dirty="0">
+                <a:solidFill>
+                  <a:schemeClr val="tx1"/>
+                </a:solidFill>
+              </a:rPr>
+              <a:t>‘screen</a:t>
             </a:r>
             <a:endParaRPr lang="ko-KR" altLang="en-US" dirty="0">
               <a:solidFill>
@@ -3173,7 +3149,7 @@
     </p:spTree>
     <p:extLst>
       <p:ext uri="{BB962C8B-B14F-4D97-AF65-F5344CB8AC3E}">
-        <p14:creationId xmlns:p14="http://schemas.microsoft.com/office/powerpoint/2010/main" val="3212819880"/>
+        <p14:creationId xmlns:p14="http://schemas.microsoft.com/office/powerpoint/2010/main" val="2289356534"/>
       </p:ext>
     </p:extLst>
   </p:cSld>
@@ -3208,7 +3184,7 @@
         </p:nvSpPr>
         <p:spPr>
           <a:xfrm>
-            <a:off x="4663046" y="3097394"/>
+            <a:off x="4663046" y="3060881"/>
             <a:ext cx="2865905" cy="736238"/>
           </a:xfrm>
           <a:prstGeom prst="rect">
@@ -3245,25 +3221,28 @@
           <a:p>
             <a:pPr algn="ctr"/>
             <a:r>
-              <a:rPr lang="en-US" altLang="ko-KR" dirty="0" smtClean="0">
-                <a:solidFill>
-                  <a:schemeClr val="tx1"/>
-                </a:solidFill>
-              </a:rPr>
-              <a:t>‘location</a:t>
-            </a:r>
-            <a:endParaRPr lang="ko-KR" altLang="en-US" dirty="0">
-              <a:solidFill>
-                <a:schemeClr val="tx1"/>
-              </a:solidFill>
-            </a:endParaRPr>
+              <a:rPr lang="en-US" altLang="ko-KR" dirty="0">
+                <a:solidFill>
+                  <a:schemeClr val="tx1"/>
+                </a:solidFill>
+              </a:rPr>
+              <a:t>‘screen: </a:t>
+            </a:r>
+            <a:r>
+              <a:rPr lang="ko-KR" altLang="en-US" dirty="0">
+                <a:solidFill>
+                  <a:schemeClr val="tx1"/>
+                </a:solidFill>
+              </a:rPr>
+              <a:t>사용자의 모니터 정보를 제공</a:t>
+            </a:r>
           </a:p>
         </p:txBody>
       </p:sp>
     </p:spTree>
     <p:extLst>
       <p:ext uri="{BB962C8B-B14F-4D97-AF65-F5344CB8AC3E}">
-        <p14:creationId xmlns:p14="http://schemas.microsoft.com/office/powerpoint/2010/main" val="711393180"/>
+        <p14:creationId xmlns:p14="http://schemas.microsoft.com/office/powerpoint/2010/main" val="3212819880"/>
       </p:ext>
     </p:extLst>
   </p:cSld>
@@ -3335,20 +3314,12 @@
           <a:p>
             <a:pPr algn="ctr"/>
             <a:r>
-              <a:rPr lang="en-US" altLang="ko-KR" dirty="0" smtClean="0">
-                <a:solidFill>
-                  <a:schemeClr val="tx1"/>
-                </a:solidFill>
-              </a:rPr>
-              <a:t>‘location: url</a:t>
-            </a:r>
-            <a:r>
-              <a:rPr lang="ko-KR" altLang="en-US" dirty="0" smtClean="0">
-                <a:solidFill>
-                  <a:schemeClr val="tx1"/>
-                </a:solidFill>
-              </a:rPr>
-              <a:t>과 관련된 인터넷 주소와 관련된 객체</a:t>
+              <a:rPr lang="en-US" altLang="ko-KR" dirty="0">
+                <a:solidFill>
+                  <a:schemeClr val="tx1"/>
+                </a:solidFill>
+              </a:rPr>
+              <a:t>‘location</a:t>
             </a:r>
             <a:endParaRPr lang="ko-KR" altLang="en-US" dirty="0">
               <a:solidFill>
@@ -3361,7 +3332,7 @@
     </p:spTree>
     <p:extLst>
       <p:ext uri="{BB962C8B-B14F-4D97-AF65-F5344CB8AC3E}">
-        <p14:creationId xmlns:p14="http://schemas.microsoft.com/office/powerpoint/2010/main" val="755285922"/>
+        <p14:creationId xmlns:p14="http://schemas.microsoft.com/office/powerpoint/2010/main" val="711393180"/>
       </p:ext>
     </p:extLst>
   </p:cSld>
@@ -3396,7 +3367,7 @@
         </p:nvSpPr>
         <p:spPr>
           <a:xfrm>
-            <a:off x="1537460" y="296006"/>
+            <a:off x="4663046" y="3097394"/>
             <a:ext cx="2865905" cy="736238"/>
           </a:xfrm>
           <a:prstGeom prst="rect">
@@ -3433,7 +3404,7 @@
           <a:p>
             <a:pPr algn="ctr"/>
             <a:r>
-              <a:rPr lang="en-US" altLang="ko-KR" dirty="0" smtClean="0">
+              <a:rPr lang="en-US" altLang="ko-KR" dirty="0">
                 <a:solidFill>
                   <a:schemeClr val="tx1"/>
                 </a:solidFill>
@@ -3441,501 +3412,20 @@
               <a:t>‘location: url</a:t>
             </a:r>
             <a:r>
-              <a:rPr lang="ko-KR" altLang="en-US" dirty="0" smtClean="0">
+              <a:rPr lang="ko-KR" altLang="en-US" dirty="0">
                 <a:solidFill>
                   <a:schemeClr val="tx1"/>
                 </a:solidFill>
               </a:rPr>
               <a:t>과 관련된 인터넷 주소와 관련된 객체</a:t>
             </a:r>
-            <a:endParaRPr lang="ko-KR" altLang="en-US" dirty="0">
-              <a:solidFill>
-                <a:schemeClr val="tx1"/>
-              </a:solidFill>
-            </a:endParaRPr>
-          </a:p>
-        </p:txBody>
-      </p:sp>
-      <p:sp>
-        <p:nvSpPr>
-          <p:cNvPr id="5" name="직사각형 4"/>
-          <p:cNvSpPr/>
-          <p:nvPr/>
-        </p:nvSpPr>
-        <p:spPr>
-          <a:xfrm>
-            <a:off x="1537460" y="1135592"/>
-            <a:ext cx="2865905" cy="736238"/>
-          </a:xfrm>
-          <a:prstGeom prst="rect">
-            <a:avLst/>
-          </a:prstGeom>
-          <a:solidFill>
-            <a:srgbClr val="00B0F0">
-              <a:alpha val="34000"/>
-            </a:srgbClr>
-          </a:solidFill>
-          <a:ln w="38100">
-            <a:noFill/>
-          </a:ln>
-        </p:spPr>
-        <p:style>
-          <a:lnRef idx="2">
-            <a:schemeClr val="accent1">
-              <a:shade val="50000"/>
-            </a:schemeClr>
-          </a:lnRef>
-          <a:fillRef idx="1">
-            <a:schemeClr val="accent1"/>
-          </a:fillRef>
-          <a:effectRef idx="0">
-            <a:schemeClr val="accent1"/>
-          </a:effectRef>
-          <a:fontRef idx="minor">
-            <a:schemeClr val="lt1"/>
-          </a:fontRef>
-        </p:style>
-        <p:txBody>
-          <a:bodyPr rtlCol="0" anchor="ctr"/>
-          <a:lstStyle/>
-          <a:p>
-            <a:pPr algn="ctr"/>
-            <a:r>
-              <a:rPr lang="en-US" altLang="ko-KR" dirty="0" smtClean="0">
-                <a:solidFill>
-                  <a:schemeClr val="tx1"/>
-                </a:solidFill>
-              </a:rPr>
-              <a:t>‘location: url</a:t>
-            </a:r>
-            <a:r>
-              <a:rPr lang="ko-KR" altLang="en-US" dirty="0" smtClean="0">
-                <a:solidFill>
-                  <a:schemeClr val="tx1"/>
-                </a:solidFill>
-              </a:rPr>
-              <a:t>과 관련된 인터넷 주소와 관련된 객체</a:t>
-            </a:r>
-            <a:endParaRPr lang="ko-KR" altLang="en-US" dirty="0">
-              <a:solidFill>
-                <a:schemeClr val="tx1"/>
-              </a:solidFill>
-            </a:endParaRPr>
-          </a:p>
-        </p:txBody>
-      </p:sp>
-      <p:sp>
-        <p:nvSpPr>
-          <p:cNvPr id="6" name="직사각형 5"/>
-          <p:cNvSpPr/>
-          <p:nvPr/>
-        </p:nvSpPr>
-        <p:spPr>
-          <a:xfrm>
-            <a:off x="1537460" y="1975178"/>
-            <a:ext cx="2865905" cy="736238"/>
-          </a:xfrm>
-          <a:prstGeom prst="rect">
-            <a:avLst/>
-          </a:prstGeom>
-          <a:solidFill>
-            <a:srgbClr val="00B0F0">
-              <a:alpha val="34000"/>
-            </a:srgbClr>
-          </a:solidFill>
-          <a:ln w="38100">
-            <a:noFill/>
-          </a:ln>
-        </p:spPr>
-        <p:style>
-          <a:lnRef idx="2">
-            <a:schemeClr val="accent1">
-              <a:shade val="50000"/>
-            </a:schemeClr>
-          </a:lnRef>
-          <a:fillRef idx="1">
-            <a:schemeClr val="accent1"/>
-          </a:fillRef>
-          <a:effectRef idx="0">
-            <a:schemeClr val="accent1"/>
-          </a:effectRef>
-          <a:fontRef idx="minor">
-            <a:schemeClr val="lt1"/>
-          </a:fontRef>
-        </p:style>
-        <p:txBody>
-          <a:bodyPr rtlCol="0" anchor="ctr"/>
-          <a:lstStyle/>
-          <a:p>
-            <a:pPr algn="ctr"/>
-            <a:r>
-              <a:rPr lang="en-US" altLang="ko-KR" dirty="0" smtClean="0">
-                <a:solidFill>
-                  <a:schemeClr val="tx1"/>
-                </a:solidFill>
-              </a:rPr>
-              <a:t>‘location: url</a:t>
-            </a:r>
-            <a:r>
-              <a:rPr lang="ko-KR" altLang="en-US" dirty="0" smtClean="0">
-                <a:solidFill>
-                  <a:schemeClr val="tx1"/>
-                </a:solidFill>
-              </a:rPr>
-              <a:t>과 관련된 인터넷 주소와 관련된 객체</a:t>
-            </a:r>
-            <a:endParaRPr lang="ko-KR" altLang="en-US" dirty="0">
-              <a:solidFill>
-                <a:schemeClr val="tx1"/>
-              </a:solidFill>
-            </a:endParaRPr>
-          </a:p>
-        </p:txBody>
-      </p:sp>
-      <p:sp>
-        <p:nvSpPr>
-          <p:cNvPr id="7" name="직사각형 6"/>
-          <p:cNvSpPr/>
-          <p:nvPr/>
-        </p:nvSpPr>
-        <p:spPr>
-          <a:xfrm>
-            <a:off x="1537460" y="2814764"/>
-            <a:ext cx="2865905" cy="736238"/>
-          </a:xfrm>
-          <a:prstGeom prst="rect">
-            <a:avLst/>
-          </a:prstGeom>
-          <a:solidFill>
-            <a:srgbClr val="00B0F0">
-              <a:alpha val="34000"/>
-            </a:srgbClr>
-          </a:solidFill>
-          <a:ln w="38100">
-            <a:noFill/>
-          </a:ln>
-        </p:spPr>
-        <p:style>
-          <a:lnRef idx="2">
-            <a:schemeClr val="accent1">
-              <a:shade val="50000"/>
-            </a:schemeClr>
-          </a:lnRef>
-          <a:fillRef idx="1">
-            <a:schemeClr val="accent1"/>
-          </a:fillRef>
-          <a:effectRef idx="0">
-            <a:schemeClr val="accent1"/>
-          </a:effectRef>
-          <a:fontRef idx="minor">
-            <a:schemeClr val="lt1"/>
-          </a:fontRef>
-        </p:style>
-        <p:txBody>
-          <a:bodyPr rtlCol="0" anchor="ctr"/>
-          <a:lstStyle/>
-          <a:p>
-            <a:pPr algn="ctr"/>
-            <a:r>
-              <a:rPr lang="en-US" altLang="ko-KR" dirty="0" smtClean="0">
-                <a:solidFill>
-                  <a:schemeClr val="tx1"/>
-                </a:solidFill>
-              </a:rPr>
-              <a:t>‘location: url</a:t>
-            </a:r>
-            <a:r>
-              <a:rPr lang="ko-KR" altLang="en-US" dirty="0" smtClean="0">
-                <a:solidFill>
-                  <a:schemeClr val="tx1"/>
-                </a:solidFill>
-              </a:rPr>
-              <a:t>과 관련된 인터넷 주소와 관련된 객체</a:t>
-            </a:r>
-            <a:endParaRPr lang="ko-KR" altLang="en-US" dirty="0">
-              <a:solidFill>
-                <a:schemeClr val="tx1"/>
-              </a:solidFill>
-            </a:endParaRPr>
-          </a:p>
-        </p:txBody>
-      </p:sp>
-      <p:sp>
-        <p:nvSpPr>
-          <p:cNvPr id="8" name="직사각형 7"/>
-          <p:cNvSpPr/>
-          <p:nvPr/>
-        </p:nvSpPr>
-        <p:spPr>
-          <a:xfrm>
-            <a:off x="1537460" y="3654350"/>
-            <a:ext cx="2865905" cy="736238"/>
-          </a:xfrm>
-          <a:prstGeom prst="rect">
-            <a:avLst/>
-          </a:prstGeom>
-          <a:solidFill>
-            <a:srgbClr val="00B0F0">
-              <a:alpha val="34000"/>
-            </a:srgbClr>
-          </a:solidFill>
-          <a:ln w="38100">
-            <a:noFill/>
-          </a:ln>
-        </p:spPr>
-        <p:style>
-          <a:lnRef idx="2">
-            <a:schemeClr val="accent1">
-              <a:shade val="50000"/>
-            </a:schemeClr>
-          </a:lnRef>
-          <a:fillRef idx="1">
-            <a:schemeClr val="accent1"/>
-          </a:fillRef>
-          <a:effectRef idx="0">
-            <a:schemeClr val="accent1"/>
-          </a:effectRef>
-          <a:fontRef idx="minor">
-            <a:schemeClr val="lt1"/>
-          </a:fontRef>
-        </p:style>
-        <p:txBody>
-          <a:bodyPr rtlCol="0" anchor="ctr"/>
-          <a:lstStyle/>
-          <a:p>
-            <a:pPr algn="ctr"/>
-            <a:r>
-              <a:rPr lang="en-US" altLang="ko-KR" dirty="0" smtClean="0">
-                <a:solidFill>
-                  <a:schemeClr val="tx1"/>
-                </a:solidFill>
-              </a:rPr>
-              <a:t>‘location: url</a:t>
-            </a:r>
-            <a:r>
-              <a:rPr lang="ko-KR" altLang="en-US" dirty="0" smtClean="0">
-                <a:solidFill>
-                  <a:schemeClr val="tx1"/>
-                </a:solidFill>
-              </a:rPr>
-              <a:t>과 관련된 인터넷 주소와 관련된 객체</a:t>
-            </a:r>
-            <a:endParaRPr lang="ko-KR" altLang="en-US" dirty="0">
-              <a:solidFill>
-                <a:schemeClr val="tx1"/>
-              </a:solidFill>
-            </a:endParaRPr>
-          </a:p>
-        </p:txBody>
-      </p:sp>
-      <p:sp>
-        <p:nvSpPr>
-          <p:cNvPr id="9" name="직사각형 8"/>
-          <p:cNvSpPr/>
-          <p:nvPr/>
-        </p:nvSpPr>
-        <p:spPr>
-          <a:xfrm>
-            <a:off x="1537460" y="4493936"/>
-            <a:ext cx="2865905" cy="736238"/>
-          </a:xfrm>
-          <a:prstGeom prst="rect">
-            <a:avLst/>
-          </a:prstGeom>
-          <a:solidFill>
-            <a:srgbClr val="00B0F0">
-              <a:alpha val="34000"/>
-            </a:srgbClr>
-          </a:solidFill>
-          <a:ln w="38100">
-            <a:noFill/>
-          </a:ln>
-        </p:spPr>
-        <p:style>
-          <a:lnRef idx="2">
-            <a:schemeClr val="accent1">
-              <a:shade val="50000"/>
-            </a:schemeClr>
-          </a:lnRef>
-          <a:fillRef idx="1">
-            <a:schemeClr val="accent1"/>
-          </a:fillRef>
-          <a:effectRef idx="0">
-            <a:schemeClr val="accent1"/>
-          </a:effectRef>
-          <a:fontRef idx="minor">
-            <a:schemeClr val="lt1"/>
-          </a:fontRef>
-        </p:style>
-        <p:txBody>
-          <a:bodyPr rtlCol="0" anchor="ctr"/>
-          <a:lstStyle/>
-          <a:p>
-            <a:pPr algn="ctr"/>
-            <a:r>
-              <a:rPr lang="en-US" altLang="ko-KR" dirty="0" smtClean="0">
-                <a:solidFill>
-                  <a:schemeClr val="tx1"/>
-                </a:solidFill>
-              </a:rPr>
-              <a:t>‘location: url</a:t>
-            </a:r>
-            <a:r>
-              <a:rPr lang="ko-KR" altLang="en-US" dirty="0" smtClean="0">
-                <a:solidFill>
-                  <a:schemeClr val="tx1"/>
-                </a:solidFill>
-              </a:rPr>
-              <a:t>과 관련된 인터넷 주소와 관련된 객체</a:t>
-            </a:r>
-            <a:endParaRPr lang="ko-KR" altLang="en-US" dirty="0">
-              <a:solidFill>
-                <a:schemeClr val="tx1"/>
-              </a:solidFill>
-            </a:endParaRPr>
-          </a:p>
-        </p:txBody>
-      </p:sp>
-      <p:sp>
-        <p:nvSpPr>
-          <p:cNvPr id="10" name="직사각형 9"/>
-          <p:cNvSpPr/>
-          <p:nvPr/>
-        </p:nvSpPr>
-        <p:spPr>
-          <a:xfrm>
-            <a:off x="1537460" y="5333522"/>
-            <a:ext cx="2865905" cy="736238"/>
-          </a:xfrm>
-          <a:prstGeom prst="rect">
-            <a:avLst/>
-          </a:prstGeom>
-          <a:solidFill>
-            <a:srgbClr val="00B0F0">
-              <a:alpha val="34000"/>
-            </a:srgbClr>
-          </a:solidFill>
-          <a:ln w="38100">
-            <a:noFill/>
-          </a:ln>
-        </p:spPr>
-        <p:style>
-          <a:lnRef idx="2">
-            <a:schemeClr val="accent1">
-              <a:shade val="50000"/>
-            </a:schemeClr>
-          </a:lnRef>
-          <a:fillRef idx="1">
-            <a:schemeClr val="accent1"/>
-          </a:fillRef>
-          <a:effectRef idx="0">
-            <a:schemeClr val="accent1"/>
-          </a:effectRef>
-          <a:fontRef idx="minor">
-            <a:schemeClr val="lt1"/>
-          </a:fontRef>
-        </p:style>
-        <p:txBody>
-          <a:bodyPr rtlCol="0" anchor="ctr"/>
-          <a:lstStyle/>
-          <a:p>
-            <a:pPr algn="ctr"/>
-            <a:r>
-              <a:rPr lang="en-US" altLang="ko-KR" dirty="0" smtClean="0">
-                <a:solidFill>
-                  <a:schemeClr val="tx1"/>
-                </a:solidFill>
-              </a:rPr>
-              <a:t>‘location: url</a:t>
-            </a:r>
-            <a:r>
-              <a:rPr lang="ko-KR" altLang="en-US" dirty="0" smtClean="0">
-                <a:solidFill>
-                  <a:schemeClr val="tx1"/>
-                </a:solidFill>
-              </a:rPr>
-              <a:t>과 관련된 인터넷 주소와 관련된 객체</a:t>
-            </a:r>
-            <a:endParaRPr lang="ko-KR" altLang="en-US" dirty="0">
-              <a:solidFill>
-                <a:schemeClr val="tx1"/>
-              </a:solidFill>
-            </a:endParaRPr>
-          </a:p>
-        </p:txBody>
-      </p:sp>
-      <p:sp>
-        <p:nvSpPr>
-          <p:cNvPr id="11" name="직사각형 10"/>
-          <p:cNvSpPr/>
-          <p:nvPr/>
-        </p:nvSpPr>
-        <p:spPr>
-          <a:xfrm>
-            <a:off x="1537460" y="6173108"/>
-            <a:ext cx="2865905" cy="736238"/>
-          </a:xfrm>
-          <a:prstGeom prst="rect">
-            <a:avLst/>
-          </a:prstGeom>
-          <a:solidFill>
-            <a:srgbClr val="00B0F0">
-              <a:alpha val="34000"/>
-            </a:srgbClr>
-          </a:solidFill>
-          <a:ln w="38100">
-            <a:noFill/>
-          </a:ln>
-        </p:spPr>
-        <p:style>
-          <a:lnRef idx="2">
-            <a:schemeClr val="accent1">
-              <a:shade val="50000"/>
-            </a:schemeClr>
-          </a:lnRef>
-          <a:fillRef idx="1">
-            <a:schemeClr val="accent1"/>
-          </a:fillRef>
-          <a:effectRef idx="0">
-            <a:schemeClr val="accent1"/>
-          </a:effectRef>
-          <a:fontRef idx="minor">
-            <a:schemeClr val="lt1"/>
-          </a:fontRef>
-        </p:style>
-        <p:txBody>
-          <a:bodyPr rtlCol="0" anchor="ctr"/>
-          <a:lstStyle/>
-          <a:p>
-            <a:pPr algn="ctr"/>
-            <a:r>
-              <a:rPr lang="en-US" altLang="ko-KR" dirty="0" smtClean="0">
-                <a:solidFill>
-                  <a:schemeClr val="tx1"/>
-                </a:solidFill>
-              </a:rPr>
-              <a:t>‘location: url</a:t>
-            </a:r>
-            <a:r>
-              <a:rPr lang="ko-KR" altLang="en-US" dirty="0" smtClean="0">
-                <a:solidFill>
-                  <a:schemeClr val="tx1"/>
-                </a:solidFill>
-              </a:rPr>
-              <a:t>과 관련된 인터넷 주소와 관련된 객체</a:t>
-            </a:r>
-            <a:endParaRPr lang="ko-KR" altLang="en-US" dirty="0">
-              <a:solidFill>
-                <a:schemeClr val="tx1"/>
-              </a:solidFill>
-            </a:endParaRPr>
           </a:p>
         </p:txBody>
       </p:sp>
     </p:spTree>
     <p:extLst>
       <p:ext uri="{BB962C8B-B14F-4D97-AF65-F5344CB8AC3E}">
-        <p14:creationId xmlns:p14="http://schemas.microsoft.com/office/powerpoint/2010/main" val="287896530"/>
+        <p14:creationId xmlns:p14="http://schemas.microsoft.com/office/powerpoint/2010/main" val="755285922"/>
       </p:ext>
     </p:extLst>
   </p:cSld>
@@ -3970,7 +3460,7 @@
         </p:nvSpPr>
         <p:spPr>
           <a:xfrm>
-            <a:off x="4663046" y="3097394"/>
+            <a:off x="1537460" y="88704"/>
             <a:ext cx="2865905" cy="736238"/>
           </a:xfrm>
           <a:prstGeom prst="rect">
@@ -4007,12 +3497,28 @@
           <a:p>
             <a:pPr algn="ctr"/>
             <a:r>
-              <a:rPr lang="en-US" altLang="ko-KR" dirty="0" smtClean="0">
-                <a:solidFill>
-                  <a:schemeClr val="tx1"/>
-                </a:solidFill>
-              </a:rPr>
-              <a:t>‘history</a:t>
+              <a:rPr lang="en-US" altLang="ko-KR" dirty="0">
+                <a:solidFill>
+                  <a:schemeClr val="tx1"/>
+                </a:solidFill>
+              </a:rPr>
+              <a:t>‘location </a:t>
+            </a:r>
+            <a:r>
+              <a:rPr lang="en-US" altLang="ko-KR" dirty="0" err="1">
+                <a:solidFill>
+                  <a:schemeClr val="tx1"/>
+                </a:solidFill>
+              </a:rPr>
+              <a:t>toString</a:t>
+            </a:r>
+            <a:r>
+              <a:rPr lang="en-US" altLang="ko-KR" dirty="0">
+                <a:solidFill>
+                  <a:schemeClr val="tx1"/>
+                </a:solidFill>
+              </a:rPr>
+              <a:t>:</a:t>
             </a:r>
             <a:endParaRPr lang="ko-KR" altLang="en-US" dirty="0">
               <a:solidFill>
@@ -4022,10 +3528,1539 @@
           </a:p>
         </p:txBody>
       </p:sp>
+      <p:sp>
+        <p:nvSpPr>
+          <p:cNvPr id="5" name="직사각형 4"/>
+          <p:cNvSpPr/>
+          <p:nvPr/>
+        </p:nvSpPr>
+        <p:spPr>
+          <a:xfrm>
+            <a:off x="1537460" y="928290"/>
+            <a:ext cx="2865905" cy="736238"/>
+          </a:xfrm>
+          <a:prstGeom prst="rect">
+            <a:avLst/>
+          </a:prstGeom>
+          <a:solidFill>
+            <a:srgbClr val="00B0F0">
+              <a:alpha val="34000"/>
+            </a:srgbClr>
+          </a:solidFill>
+          <a:ln w="38100">
+            <a:noFill/>
+          </a:ln>
+        </p:spPr>
+        <p:style>
+          <a:lnRef idx="2">
+            <a:schemeClr val="accent1">
+              <a:shade val="50000"/>
+            </a:schemeClr>
+          </a:lnRef>
+          <a:fillRef idx="1">
+            <a:schemeClr val="accent1"/>
+          </a:fillRef>
+          <a:effectRef idx="0">
+            <a:schemeClr val="accent1"/>
+          </a:effectRef>
+          <a:fontRef idx="minor">
+            <a:schemeClr val="lt1"/>
+          </a:fontRef>
+        </p:style>
+        <p:txBody>
+          <a:bodyPr rtlCol="0" anchor="ctr"/>
+          <a:lstStyle/>
+          <a:p>
+            <a:pPr algn="ctr"/>
+            <a:r>
+              <a:rPr lang="en-US" altLang="ko-KR" dirty="0">
+                <a:solidFill>
+                  <a:schemeClr val="tx1"/>
+                </a:solidFill>
+              </a:rPr>
+              <a:t>‘location </a:t>
+            </a:r>
+            <a:r>
+              <a:rPr lang="en-US" altLang="ko-KR" dirty="0" err="1">
+                <a:solidFill>
+                  <a:schemeClr val="tx1"/>
+                </a:solidFill>
+              </a:rPr>
+              <a:t>href</a:t>
+            </a:r>
+            <a:endParaRPr lang="ko-KR" altLang="en-US" dirty="0">
+              <a:solidFill>
+                <a:schemeClr val="tx1"/>
+              </a:solidFill>
+            </a:endParaRPr>
+          </a:p>
+        </p:txBody>
+      </p:sp>
+      <p:sp>
+        <p:nvSpPr>
+          <p:cNvPr id="6" name="직사각형 5"/>
+          <p:cNvSpPr/>
+          <p:nvPr/>
+        </p:nvSpPr>
+        <p:spPr>
+          <a:xfrm>
+            <a:off x="1537460" y="1767876"/>
+            <a:ext cx="2865905" cy="736238"/>
+          </a:xfrm>
+          <a:prstGeom prst="rect">
+            <a:avLst/>
+          </a:prstGeom>
+          <a:solidFill>
+            <a:srgbClr val="00B0F0">
+              <a:alpha val="34000"/>
+            </a:srgbClr>
+          </a:solidFill>
+          <a:ln w="38100">
+            <a:noFill/>
+          </a:ln>
+        </p:spPr>
+        <p:style>
+          <a:lnRef idx="2">
+            <a:schemeClr val="accent1">
+              <a:shade val="50000"/>
+            </a:schemeClr>
+          </a:lnRef>
+          <a:fillRef idx="1">
+            <a:schemeClr val="accent1"/>
+          </a:fillRef>
+          <a:effectRef idx="0">
+            <a:schemeClr val="accent1"/>
+          </a:effectRef>
+          <a:fontRef idx="minor">
+            <a:schemeClr val="lt1"/>
+          </a:fontRef>
+        </p:style>
+        <p:txBody>
+          <a:bodyPr rtlCol="0" anchor="ctr"/>
+          <a:lstStyle/>
+          <a:p>
+            <a:pPr algn="ctr"/>
+            <a:r>
+              <a:rPr lang="en-US" altLang="ko-KR" dirty="0">
+                <a:solidFill>
+                  <a:schemeClr val="tx1"/>
+                </a:solidFill>
+              </a:rPr>
+              <a:t>‘location protocol</a:t>
+            </a:r>
+            <a:endParaRPr lang="ko-KR" altLang="en-US" dirty="0">
+              <a:solidFill>
+                <a:schemeClr val="tx1"/>
+              </a:solidFill>
+            </a:endParaRPr>
+          </a:p>
+        </p:txBody>
+      </p:sp>
+      <p:sp>
+        <p:nvSpPr>
+          <p:cNvPr id="7" name="직사각형 6"/>
+          <p:cNvSpPr/>
+          <p:nvPr/>
+        </p:nvSpPr>
+        <p:spPr>
+          <a:xfrm>
+            <a:off x="1537460" y="2607462"/>
+            <a:ext cx="2865905" cy="736238"/>
+          </a:xfrm>
+          <a:prstGeom prst="rect">
+            <a:avLst/>
+          </a:prstGeom>
+          <a:solidFill>
+            <a:srgbClr val="00B0F0">
+              <a:alpha val="34000"/>
+            </a:srgbClr>
+          </a:solidFill>
+          <a:ln w="38100">
+            <a:noFill/>
+          </a:ln>
+        </p:spPr>
+        <p:style>
+          <a:lnRef idx="2">
+            <a:schemeClr val="accent1">
+              <a:shade val="50000"/>
+            </a:schemeClr>
+          </a:lnRef>
+          <a:fillRef idx="1">
+            <a:schemeClr val="accent1"/>
+          </a:fillRef>
+          <a:effectRef idx="0">
+            <a:schemeClr val="accent1"/>
+          </a:effectRef>
+          <a:fontRef idx="minor">
+            <a:schemeClr val="lt1"/>
+          </a:fontRef>
+        </p:style>
+        <p:txBody>
+          <a:bodyPr rtlCol="0" anchor="ctr"/>
+          <a:lstStyle/>
+          <a:p>
+            <a:pPr algn="ctr"/>
+            <a:r>
+              <a:rPr lang="en-US" altLang="ko-KR" dirty="0">
+                <a:solidFill>
+                  <a:schemeClr val="tx1"/>
+                </a:solidFill>
+              </a:rPr>
+              <a:t>‘location port</a:t>
+            </a:r>
+            <a:endParaRPr lang="ko-KR" altLang="en-US" dirty="0">
+              <a:solidFill>
+                <a:schemeClr val="tx1"/>
+              </a:solidFill>
+            </a:endParaRPr>
+          </a:p>
+        </p:txBody>
+      </p:sp>
+      <p:sp>
+        <p:nvSpPr>
+          <p:cNvPr id="8" name="직사각형 7"/>
+          <p:cNvSpPr/>
+          <p:nvPr/>
+        </p:nvSpPr>
+        <p:spPr>
+          <a:xfrm>
+            <a:off x="1537460" y="3447048"/>
+            <a:ext cx="2865905" cy="736238"/>
+          </a:xfrm>
+          <a:prstGeom prst="rect">
+            <a:avLst/>
+          </a:prstGeom>
+          <a:solidFill>
+            <a:srgbClr val="00B0F0">
+              <a:alpha val="34000"/>
+            </a:srgbClr>
+          </a:solidFill>
+          <a:ln w="38100">
+            <a:noFill/>
+          </a:ln>
+        </p:spPr>
+        <p:style>
+          <a:lnRef idx="2">
+            <a:schemeClr val="accent1">
+              <a:shade val="50000"/>
+            </a:schemeClr>
+          </a:lnRef>
+          <a:fillRef idx="1">
+            <a:schemeClr val="accent1"/>
+          </a:fillRef>
+          <a:effectRef idx="0">
+            <a:schemeClr val="accent1"/>
+          </a:effectRef>
+          <a:fontRef idx="minor">
+            <a:schemeClr val="lt1"/>
+          </a:fontRef>
+        </p:style>
+        <p:txBody>
+          <a:bodyPr rtlCol="0" anchor="ctr"/>
+          <a:lstStyle/>
+          <a:p>
+            <a:pPr algn="ctr"/>
+            <a:r>
+              <a:rPr lang="en-US" altLang="ko-KR" dirty="0">
+                <a:solidFill>
+                  <a:schemeClr val="tx1"/>
+                </a:solidFill>
+              </a:rPr>
+              <a:t>‘location pathname</a:t>
+            </a:r>
+            <a:endParaRPr lang="ko-KR" altLang="en-US" dirty="0">
+              <a:solidFill>
+                <a:schemeClr val="tx1"/>
+              </a:solidFill>
+            </a:endParaRPr>
+          </a:p>
+        </p:txBody>
+      </p:sp>
+      <p:sp>
+        <p:nvSpPr>
+          <p:cNvPr id="9" name="직사각형 8"/>
+          <p:cNvSpPr/>
+          <p:nvPr/>
+        </p:nvSpPr>
+        <p:spPr>
+          <a:xfrm>
+            <a:off x="1537460" y="4286634"/>
+            <a:ext cx="2865905" cy="736238"/>
+          </a:xfrm>
+          <a:prstGeom prst="rect">
+            <a:avLst/>
+          </a:prstGeom>
+          <a:solidFill>
+            <a:srgbClr val="00B0F0">
+              <a:alpha val="34000"/>
+            </a:srgbClr>
+          </a:solidFill>
+          <a:ln w="38100">
+            <a:noFill/>
+          </a:ln>
+        </p:spPr>
+        <p:style>
+          <a:lnRef idx="2">
+            <a:schemeClr val="accent1">
+              <a:shade val="50000"/>
+            </a:schemeClr>
+          </a:lnRef>
+          <a:fillRef idx="1">
+            <a:schemeClr val="accent1"/>
+          </a:fillRef>
+          <a:effectRef idx="0">
+            <a:schemeClr val="accent1"/>
+          </a:effectRef>
+          <a:fontRef idx="minor">
+            <a:schemeClr val="lt1"/>
+          </a:fontRef>
+        </p:style>
+        <p:txBody>
+          <a:bodyPr rtlCol="0" anchor="ctr"/>
+          <a:lstStyle/>
+          <a:p>
+            <a:pPr algn="ctr"/>
+            <a:r>
+              <a:rPr lang="en-US" altLang="ko-KR" dirty="0">
+                <a:solidFill>
+                  <a:schemeClr val="tx1"/>
+                </a:solidFill>
+              </a:rPr>
+              <a:t>‘location search</a:t>
+            </a:r>
+            <a:endParaRPr lang="ko-KR" altLang="en-US" dirty="0">
+              <a:solidFill>
+                <a:schemeClr val="tx1"/>
+              </a:solidFill>
+            </a:endParaRPr>
+          </a:p>
+        </p:txBody>
+      </p:sp>
+      <p:sp>
+        <p:nvSpPr>
+          <p:cNvPr id="10" name="직사각형 9"/>
+          <p:cNvSpPr/>
+          <p:nvPr/>
+        </p:nvSpPr>
+        <p:spPr>
+          <a:xfrm>
+            <a:off x="1537460" y="5126220"/>
+            <a:ext cx="2865905" cy="736238"/>
+          </a:xfrm>
+          <a:prstGeom prst="rect">
+            <a:avLst/>
+          </a:prstGeom>
+          <a:solidFill>
+            <a:srgbClr val="00B0F0">
+              <a:alpha val="34000"/>
+            </a:srgbClr>
+          </a:solidFill>
+          <a:ln w="38100">
+            <a:noFill/>
+          </a:ln>
+        </p:spPr>
+        <p:style>
+          <a:lnRef idx="2">
+            <a:schemeClr val="accent1">
+              <a:shade val="50000"/>
+            </a:schemeClr>
+          </a:lnRef>
+          <a:fillRef idx="1">
+            <a:schemeClr val="accent1"/>
+          </a:fillRef>
+          <a:effectRef idx="0">
+            <a:schemeClr val="accent1"/>
+          </a:effectRef>
+          <a:fontRef idx="minor">
+            <a:schemeClr val="lt1"/>
+          </a:fontRef>
+        </p:style>
+        <p:txBody>
+          <a:bodyPr rtlCol="0" anchor="ctr"/>
+          <a:lstStyle/>
+          <a:p>
+            <a:pPr algn="ctr"/>
+            <a:r>
+              <a:rPr lang="en-US" altLang="ko-KR" dirty="0">
+                <a:solidFill>
+                  <a:schemeClr val="tx1"/>
+                </a:solidFill>
+              </a:rPr>
+              <a:t>‘location hash</a:t>
+            </a:r>
+            <a:endParaRPr lang="ko-KR" altLang="en-US" dirty="0">
+              <a:solidFill>
+                <a:schemeClr val="tx1"/>
+              </a:solidFill>
+            </a:endParaRPr>
+          </a:p>
+        </p:txBody>
+      </p:sp>
+      <p:sp>
+        <p:nvSpPr>
+          <p:cNvPr id="2" name="직사각형 1">
+            <a:extLst>
+              <a:ext uri="{FF2B5EF4-FFF2-40B4-BE49-F238E27FC236}">
+                <a16:creationId xmlns:a16="http://schemas.microsoft.com/office/drawing/2014/main" id="{D16A4DBB-E21D-8B37-882E-617DA4A97711}"/>
+              </a:ext>
+            </a:extLst>
+          </p:cNvPr>
+          <p:cNvSpPr/>
+          <p:nvPr/>
+        </p:nvSpPr>
+        <p:spPr>
+          <a:xfrm>
+            <a:off x="4575434" y="88704"/>
+            <a:ext cx="3888782" cy="736238"/>
+          </a:xfrm>
+          <a:prstGeom prst="rect">
+            <a:avLst/>
+          </a:prstGeom>
+          <a:solidFill>
+            <a:srgbClr val="00B0F0">
+              <a:alpha val="34000"/>
+            </a:srgbClr>
+          </a:solidFill>
+          <a:ln w="38100">
+            <a:noFill/>
+          </a:ln>
+        </p:spPr>
+        <p:style>
+          <a:lnRef idx="2">
+            <a:schemeClr val="accent1">
+              <a:shade val="50000"/>
+            </a:schemeClr>
+          </a:lnRef>
+          <a:fillRef idx="1">
+            <a:schemeClr val="accent1"/>
+          </a:fillRef>
+          <a:effectRef idx="0">
+            <a:schemeClr val="accent1"/>
+          </a:effectRef>
+          <a:fontRef idx="minor">
+            <a:schemeClr val="lt1"/>
+          </a:fontRef>
+        </p:style>
+        <p:txBody>
+          <a:bodyPr rtlCol="0" anchor="ctr"/>
+          <a:lstStyle/>
+          <a:p>
+            <a:pPr algn="ctr"/>
+            <a:r>
+              <a:rPr lang="en-US" altLang="ko-KR" dirty="0">
+                <a:solidFill>
+                  <a:schemeClr val="tx1"/>
+                </a:solidFill>
+              </a:rPr>
+              <a:t>‘</a:t>
+            </a:r>
+            <a:r>
+              <a:rPr lang="en-US" altLang="ko-KR" dirty="0" err="1">
+                <a:solidFill>
+                  <a:schemeClr val="tx1"/>
+                </a:solidFill>
+              </a:rPr>
+              <a:t>url</a:t>
+            </a:r>
+            <a:r>
+              <a:rPr lang="ko-KR" altLang="en-US" dirty="0">
+                <a:solidFill>
+                  <a:schemeClr val="tx1"/>
+                </a:solidFill>
+              </a:rPr>
+              <a:t>을 </a:t>
+            </a:r>
+            <a:r>
+              <a:rPr lang="en-US" altLang="ko-KR" dirty="0">
+                <a:solidFill>
+                  <a:schemeClr val="tx1"/>
+                </a:solidFill>
+              </a:rPr>
+              <a:t>string</a:t>
+            </a:r>
+            <a:r>
+              <a:rPr lang="ko-KR" altLang="en-US" dirty="0">
+                <a:solidFill>
+                  <a:schemeClr val="tx1"/>
+                </a:solidFill>
+              </a:rPr>
+              <a:t>으로 변환</a:t>
+            </a:r>
+            <a:r>
+              <a:rPr lang="en-US" altLang="ko-KR" dirty="0">
+                <a:solidFill>
+                  <a:schemeClr val="tx1"/>
+                </a:solidFill>
+              </a:rPr>
+              <a:t>.</a:t>
+            </a:r>
+            <a:r>
+              <a:rPr lang="ko-KR" altLang="en-US" dirty="0">
+                <a:solidFill>
+                  <a:schemeClr val="tx1"/>
+                </a:solidFill>
+              </a:rPr>
+              <a:t> 거의 안 쓰임</a:t>
+            </a:r>
+            <a:r>
+              <a:rPr lang="en-US" altLang="ko-KR" dirty="0">
+                <a:solidFill>
+                  <a:schemeClr val="tx1"/>
+                </a:solidFill>
+              </a:rPr>
+              <a:t>.</a:t>
+            </a:r>
+          </a:p>
+          <a:p>
+            <a:pPr algn="ctr"/>
+            <a:endParaRPr lang="ko-KR" altLang="en-US" dirty="0">
+              <a:solidFill>
+                <a:schemeClr val="tx1"/>
+              </a:solidFill>
+            </a:endParaRPr>
+          </a:p>
+        </p:txBody>
+      </p:sp>
+      <p:sp>
+        <p:nvSpPr>
+          <p:cNvPr id="3" name="직사각형 2">
+            <a:extLst>
+              <a:ext uri="{FF2B5EF4-FFF2-40B4-BE49-F238E27FC236}">
+                <a16:creationId xmlns:a16="http://schemas.microsoft.com/office/drawing/2014/main" id="{F0886197-82A3-64DB-F006-1E78D8690DCC}"/>
+              </a:ext>
+            </a:extLst>
+          </p:cNvPr>
+          <p:cNvSpPr/>
+          <p:nvPr/>
+        </p:nvSpPr>
+        <p:spPr>
+          <a:xfrm>
+            <a:off x="4575434" y="928290"/>
+            <a:ext cx="3888782" cy="736238"/>
+          </a:xfrm>
+          <a:prstGeom prst="rect">
+            <a:avLst/>
+          </a:prstGeom>
+          <a:solidFill>
+            <a:srgbClr val="00B0F0">
+              <a:alpha val="34000"/>
+            </a:srgbClr>
+          </a:solidFill>
+          <a:ln w="38100">
+            <a:noFill/>
+          </a:ln>
+        </p:spPr>
+        <p:style>
+          <a:lnRef idx="2">
+            <a:schemeClr val="accent1">
+              <a:shade val="50000"/>
+            </a:schemeClr>
+          </a:lnRef>
+          <a:fillRef idx="1">
+            <a:schemeClr val="accent1"/>
+          </a:fillRef>
+          <a:effectRef idx="0">
+            <a:schemeClr val="accent1"/>
+          </a:effectRef>
+          <a:fontRef idx="minor">
+            <a:schemeClr val="lt1"/>
+          </a:fontRef>
+        </p:style>
+        <p:txBody>
+          <a:bodyPr rtlCol="0" anchor="ctr"/>
+          <a:lstStyle/>
+          <a:p>
+            <a:pPr algn="ctr"/>
+            <a:r>
+              <a:rPr lang="en-US" altLang="ko-KR" sz="1200" dirty="0">
+                <a:solidFill>
+                  <a:schemeClr val="tx1"/>
+                </a:solidFill>
+              </a:rPr>
+              <a:t>‘</a:t>
+            </a:r>
+            <a:r>
+              <a:rPr lang="en-US" altLang="ko-KR" sz="1200" dirty="0" err="1">
+                <a:solidFill>
+                  <a:schemeClr val="tx1"/>
+                </a:solidFill>
+              </a:rPr>
+              <a:t>url</a:t>
+            </a:r>
+            <a:r>
+              <a:rPr lang="ko-KR" altLang="en-US" sz="1200" dirty="0">
+                <a:solidFill>
+                  <a:schemeClr val="tx1"/>
+                </a:solidFill>
+              </a:rPr>
+              <a:t>을 </a:t>
+            </a:r>
+            <a:r>
+              <a:rPr lang="en-US" altLang="ko-KR" sz="1200" dirty="0">
+                <a:solidFill>
+                  <a:schemeClr val="tx1"/>
+                </a:solidFill>
+              </a:rPr>
+              <a:t>string</a:t>
+            </a:r>
+            <a:r>
+              <a:rPr lang="ko-KR" altLang="en-US" sz="1200" dirty="0">
+                <a:solidFill>
+                  <a:schemeClr val="tx1"/>
+                </a:solidFill>
+              </a:rPr>
+              <a:t>으로 변환</a:t>
+            </a:r>
+            <a:r>
+              <a:rPr lang="en-US" altLang="ko-KR" sz="1200" dirty="0">
+                <a:solidFill>
+                  <a:schemeClr val="tx1"/>
+                </a:solidFill>
+              </a:rPr>
+              <a:t>. </a:t>
+            </a:r>
+            <a:r>
+              <a:rPr lang="ko-KR" altLang="en-US" sz="1200" dirty="0">
+                <a:solidFill>
+                  <a:schemeClr val="tx1"/>
+                </a:solidFill>
+              </a:rPr>
+              <a:t>해당 사이트로 이동도 가능</a:t>
+            </a:r>
+            <a:endParaRPr lang="en-US" altLang="ko-KR" sz="1200" dirty="0">
+              <a:solidFill>
+                <a:schemeClr val="tx1"/>
+              </a:solidFill>
+            </a:endParaRPr>
+          </a:p>
+          <a:p>
+            <a:pPr algn="ctr"/>
+            <a:endParaRPr lang="ko-KR" altLang="en-US" dirty="0">
+              <a:solidFill>
+                <a:schemeClr val="tx1"/>
+              </a:solidFill>
+            </a:endParaRPr>
+          </a:p>
+        </p:txBody>
+      </p:sp>
+      <p:sp>
+        <p:nvSpPr>
+          <p:cNvPr id="12" name="직사각형 11">
+            <a:extLst>
+              <a:ext uri="{FF2B5EF4-FFF2-40B4-BE49-F238E27FC236}">
+                <a16:creationId xmlns:a16="http://schemas.microsoft.com/office/drawing/2014/main" id="{857611AC-A248-9018-4993-20A2F71DF4E2}"/>
+              </a:ext>
+            </a:extLst>
+          </p:cNvPr>
+          <p:cNvSpPr/>
+          <p:nvPr/>
+        </p:nvSpPr>
+        <p:spPr>
+          <a:xfrm>
+            <a:off x="4575434" y="1767876"/>
+            <a:ext cx="3888782" cy="736238"/>
+          </a:xfrm>
+          <a:prstGeom prst="rect">
+            <a:avLst/>
+          </a:prstGeom>
+          <a:solidFill>
+            <a:srgbClr val="00B0F0">
+              <a:alpha val="34000"/>
+            </a:srgbClr>
+          </a:solidFill>
+          <a:ln w="38100">
+            <a:noFill/>
+          </a:ln>
+        </p:spPr>
+        <p:style>
+          <a:lnRef idx="2">
+            <a:schemeClr val="accent1">
+              <a:shade val="50000"/>
+            </a:schemeClr>
+          </a:lnRef>
+          <a:fillRef idx="1">
+            <a:schemeClr val="accent1"/>
+          </a:fillRef>
+          <a:effectRef idx="0">
+            <a:schemeClr val="accent1"/>
+          </a:effectRef>
+          <a:fontRef idx="minor">
+            <a:schemeClr val="lt1"/>
+          </a:fontRef>
+        </p:style>
+        <p:txBody>
+          <a:bodyPr rtlCol="0" anchor="ctr"/>
+          <a:lstStyle/>
+          <a:p>
+            <a:pPr algn="ctr"/>
+            <a:r>
+              <a:rPr lang="en-US" altLang="ko-KR" dirty="0">
+                <a:solidFill>
+                  <a:schemeClr val="tx1"/>
+                </a:solidFill>
+              </a:rPr>
+              <a:t>‘</a:t>
+            </a:r>
+            <a:r>
+              <a:rPr lang="en-US" altLang="ko-KR" dirty="0" err="1">
+                <a:solidFill>
+                  <a:schemeClr val="tx1"/>
+                </a:solidFill>
+              </a:rPr>
+              <a:t>url</a:t>
+            </a:r>
+            <a:r>
+              <a:rPr lang="ko-KR" altLang="en-US" dirty="0">
+                <a:solidFill>
+                  <a:schemeClr val="tx1"/>
+                </a:solidFill>
+              </a:rPr>
+              <a:t>의 프로토콜을 반환</a:t>
+            </a:r>
+            <a:endParaRPr lang="en-US" altLang="ko-KR" dirty="0">
+              <a:solidFill>
+                <a:schemeClr val="tx1"/>
+              </a:solidFill>
+            </a:endParaRPr>
+          </a:p>
+          <a:p>
+            <a:pPr algn="ctr"/>
+            <a:endParaRPr lang="ko-KR" altLang="en-US" dirty="0">
+              <a:solidFill>
+                <a:schemeClr val="tx1"/>
+              </a:solidFill>
+            </a:endParaRPr>
+          </a:p>
+        </p:txBody>
+      </p:sp>
+      <p:sp>
+        <p:nvSpPr>
+          <p:cNvPr id="13" name="직사각형 12">
+            <a:extLst>
+              <a:ext uri="{FF2B5EF4-FFF2-40B4-BE49-F238E27FC236}">
+                <a16:creationId xmlns:a16="http://schemas.microsoft.com/office/drawing/2014/main" id="{D46DF6B6-FB7F-099C-BA19-F0B4A6E483A7}"/>
+              </a:ext>
+            </a:extLst>
+          </p:cNvPr>
+          <p:cNvSpPr/>
+          <p:nvPr/>
+        </p:nvSpPr>
+        <p:spPr>
+          <a:xfrm>
+            <a:off x="4575434" y="2607462"/>
+            <a:ext cx="3888782" cy="736238"/>
+          </a:xfrm>
+          <a:prstGeom prst="rect">
+            <a:avLst/>
+          </a:prstGeom>
+          <a:solidFill>
+            <a:srgbClr val="00B0F0">
+              <a:alpha val="34000"/>
+            </a:srgbClr>
+          </a:solidFill>
+          <a:ln w="38100">
+            <a:noFill/>
+          </a:ln>
+        </p:spPr>
+        <p:style>
+          <a:lnRef idx="2">
+            <a:schemeClr val="accent1">
+              <a:shade val="50000"/>
+            </a:schemeClr>
+          </a:lnRef>
+          <a:fillRef idx="1">
+            <a:schemeClr val="accent1"/>
+          </a:fillRef>
+          <a:effectRef idx="0">
+            <a:schemeClr val="accent1"/>
+          </a:effectRef>
+          <a:fontRef idx="minor">
+            <a:schemeClr val="lt1"/>
+          </a:fontRef>
+        </p:style>
+        <p:txBody>
+          <a:bodyPr rtlCol="0" anchor="ctr"/>
+          <a:lstStyle/>
+          <a:p>
+            <a:pPr algn="ctr"/>
+            <a:r>
+              <a:rPr lang="en-US" altLang="ko-KR" dirty="0">
+                <a:solidFill>
+                  <a:schemeClr val="tx1"/>
+                </a:solidFill>
+              </a:rPr>
+              <a:t>‘</a:t>
+            </a:r>
+            <a:r>
+              <a:rPr lang="en-US" altLang="ko-KR" dirty="0" err="1">
+                <a:solidFill>
+                  <a:schemeClr val="tx1"/>
+                </a:solidFill>
+              </a:rPr>
+              <a:t>url</a:t>
+            </a:r>
+            <a:r>
+              <a:rPr lang="ko-KR" altLang="en-US" dirty="0">
+                <a:solidFill>
+                  <a:schemeClr val="tx1"/>
+                </a:solidFill>
+              </a:rPr>
+              <a:t>의 포트를 반환</a:t>
+            </a:r>
+            <a:endParaRPr lang="en-US" altLang="ko-KR" dirty="0">
+              <a:solidFill>
+                <a:schemeClr val="tx1"/>
+              </a:solidFill>
+            </a:endParaRPr>
+          </a:p>
+          <a:p>
+            <a:pPr algn="ctr"/>
+            <a:endParaRPr lang="ko-KR" altLang="en-US" dirty="0">
+              <a:solidFill>
+                <a:schemeClr val="tx1"/>
+              </a:solidFill>
+            </a:endParaRPr>
+          </a:p>
+        </p:txBody>
+      </p:sp>
+      <p:sp>
+        <p:nvSpPr>
+          <p:cNvPr id="14" name="직사각형 13">
+            <a:extLst>
+              <a:ext uri="{FF2B5EF4-FFF2-40B4-BE49-F238E27FC236}">
+                <a16:creationId xmlns:a16="http://schemas.microsoft.com/office/drawing/2014/main" id="{BE066287-FB0E-133B-7BC5-B2024DDF1224}"/>
+              </a:ext>
+            </a:extLst>
+          </p:cNvPr>
+          <p:cNvSpPr/>
+          <p:nvPr/>
+        </p:nvSpPr>
+        <p:spPr>
+          <a:xfrm>
+            <a:off x="4575434" y="3447048"/>
+            <a:ext cx="3888782" cy="736238"/>
+          </a:xfrm>
+          <a:prstGeom prst="rect">
+            <a:avLst/>
+          </a:prstGeom>
+          <a:solidFill>
+            <a:srgbClr val="00B0F0">
+              <a:alpha val="34000"/>
+            </a:srgbClr>
+          </a:solidFill>
+          <a:ln w="38100">
+            <a:noFill/>
+          </a:ln>
+        </p:spPr>
+        <p:style>
+          <a:lnRef idx="2">
+            <a:schemeClr val="accent1">
+              <a:shade val="50000"/>
+            </a:schemeClr>
+          </a:lnRef>
+          <a:fillRef idx="1">
+            <a:schemeClr val="accent1"/>
+          </a:fillRef>
+          <a:effectRef idx="0">
+            <a:schemeClr val="accent1"/>
+          </a:effectRef>
+          <a:fontRef idx="minor">
+            <a:schemeClr val="lt1"/>
+          </a:fontRef>
+        </p:style>
+        <p:txBody>
+          <a:bodyPr rtlCol="0" anchor="ctr"/>
+          <a:lstStyle/>
+          <a:p>
+            <a:pPr algn="ctr"/>
+            <a:r>
+              <a:rPr lang="en-US" altLang="ko-KR" dirty="0">
+                <a:solidFill>
+                  <a:schemeClr val="tx1"/>
+                </a:solidFill>
+              </a:rPr>
+              <a:t>‘</a:t>
+            </a:r>
+            <a:r>
+              <a:rPr lang="ko-KR" altLang="en-US" dirty="0">
+                <a:solidFill>
+                  <a:schemeClr val="tx1"/>
+                </a:solidFill>
+              </a:rPr>
+              <a:t>프로토콜과 호스트</a:t>
+            </a:r>
+            <a:r>
+              <a:rPr lang="en-US" altLang="ko-KR" dirty="0">
+                <a:solidFill>
+                  <a:schemeClr val="tx1"/>
+                </a:solidFill>
+              </a:rPr>
+              <a:t>, </a:t>
+            </a:r>
+            <a:r>
+              <a:rPr lang="ko-KR" altLang="en-US" dirty="0">
+                <a:solidFill>
+                  <a:schemeClr val="tx1"/>
+                </a:solidFill>
+              </a:rPr>
+              <a:t>포트 뒤를 반환</a:t>
+            </a:r>
+            <a:endParaRPr lang="en-US" altLang="ko-KR" dirty="0">
+              <a:solidFill>
+                <a:schemeClr val="tx1"/>
+              </a:solidFill>
+            </a:endParaRPr>
+          </a:p>
+          <a:p>
+            <a:pPr algn="ctr"/>
+            <a:endParaRPr lang="ko-KR" altLang="en-US" dirty="0">
+              <a:solidFill>
+                <a:schemeClr val="tx1"/>
+              </a:solidFill>
+            </a:endParaRPr>
+          </a:p>
+        </p:txBody>
+      </p:sp>
+      <p:sp>
+        <p:nvSpPr>
+          <p:cNvPr id="15" name="직사각형 14">
+            <a:extLst>
+              <a:ext uri="{FF2B5EF4-FFF2-40B4-BE49-F238E27FC236}">
+                <a16:creationId xmlns:a16="http://schemas.microsoft.com/office/drawing/2014/main" id="{F5F5C2BC-7891-2C59-764B-2A76304EE77D}"/>
+              </a:ext>
+            </a:extLst>
+          </p:cNvPr>
+          <p:cNvSpPr/>
+          <p:nvPr/>
+        </p:nvSpPr>
+        <p:spPr>
+          <a:xfrm>
+            <a:off x="4575434" y="4286634"/>
+            <a:ext cx="3888782" cy="736238"/>
+          </a:xfrm>
+          <a:prstGeom prst="rect">
+            <a:avLst/>
+          </a:prstGeom>
+          <a:solidFill>
+            <a:srgbClr val="00B0F0">
+              <a:alpha val="34000"/>
+            </a:srgbClr>
+          </a:solidFill>
+          <a:ln w="38100">
+            <a:noFill/>
+          </a:ln>
+        </p:spPr>
+        <p:style>
+          <a:lnRef idx="2">
+            <a:schemeClr val="accent1">
+              <a:shade val="50000"/>
+            </a:schemeClr>
+          </a:lnRef>
+          <a:fillRef idx="1">
+            <a:schemeClr val="accent1"/>
+          </a:fillRef>
+          <a:effectRef idx="0">
+            <a:schemeClr val="accent1"/>
+          </a:effectRef>
+          <a:fontRef idx="minor">
+            <a:schemeClr val="lt1"/>
+          </a:fontRef>
+        </p:style>
+        <p:txBody>
+          <a:bodyPr rtlCol="0" anchor="ctr"/>
+          <a:lstStyle/>
+          <a:p>
+            <a:pPr algn="ctr"/>
+            <a:r>
+              <a:rPr lang="en-US" altLang="ko-KR" dirty="0">
+                <a:solidFill>
+                  <a:schemeClr val="tx1"/>
+                </a:solidFill>
+              </a:rPr>
+              <a:t>‘</a:t>
+            </a:r>
+            <a:r>
+              <a:rPr lang="ko-KR" altLang="en-US" dirty="0">
+                <a:solidFill>
+                  <a:schemeClr val="tx1"/>
+                </a:solidFill>
+              </a:rPr>
+              <a:t>쿼리문을 반환</a:t>
+            </a:r>
+            <a:endParaRPr lang="en-US" altLang="ko-KR" dirty="0">
+              <a:solidFill>
+                <a:schemeClr val="tx1"/>
+              </a:solidFill>
+            </a:endParaRPr>
+          </a:p>
+          <a:p>
+            <a:pPr algn="ctr"/>
+            <a:endParaRPr lang="ko-KR" altLang="en-US" dirty="0">
+              <a:solidFill>
+                <a:schemeClr val="tx1"/>
+              </a:solidFill>
+            </a:endParaRPr>
+          </a:p>
+        </p:txBody>
+      </p:sp>
+      <p:sp>
+        <p:nvSpPr>
+          <p:cNvPr id="16" name="직사각형 15">
+            <a:extLst>
+              <a:ext uri="{FF2B5EF4-FFF2-40B4-BE49-F238E27FC236}">
+                <a16:creationId xmlns:a16="http://schemas.microsoft.com/office/drawing/2014/main" id="{859F885A-FD3F-48F8-00A8-6CC1F11359DE}"/>
+              </a:ext>
+            </a:extLst>
+          </p:cNvPr>
+          <p:cNvSpPr/>
+          <p:nvPr/>
+        </p:nvSpPr>
+        <p:spPr>
+          <a:xfrm>
+            <a:off x="4575434" y="5126220"/>
+            <a:ext cx="3888782" cy="736238"/>
+          </a:xfrm>
+          <a:prstGeom prst="rect">
+            <a:avLst/>
+          </a:prstGeom>
+          <a:solidFill>
+            <a:srgbClr val="00B0F0">
+              <a:alpha val="34000"/>
+            </a:srgbClr>
+          </a:solidFill>
+          <a:ln w="38100">
+            <a:noFill/>
+          </a:ln>
+        </p:spPr>
+        <p:style>
+          <a:lnRef idx="2">
+            <a:schemeClr val="accent1">
+              <a:shade val="50000"/>
+            </a:schemeClr>
+          </a:lnRef>
+          <a:fillRef idx="1">
+            <a:schemeClr val="accent1"/>
+          </a:fillRef>
+          <a:effectRef idx="0">
+            <a:schemeClr val="accent1"/>
+          </a:effectRef>
+          <a:fontRef idx="minor">
+            <a:schemeClr val="lt1"/>
+          </a:fontRef>
+        </p:style>
+        <p:txBody>
+          <a:bodyPr rtlCol="0" anchor="ctr"/>
+          <a:lstStyle/>
+          <a:p>
+            <a:pPr algn="ctr"/>
+            <a:r>
+              <a:rPr lang="en-US" altLang="ko-KR" dirty="0">
+                <a:solidFill>
+                  <a:schemeClr val="tx1"/>
+                </a:solidFill>
+              </a:rPr>
+              <a:t>‘</a:t>
+            </a:r>
+            <a:r>
+              <a:rPr lang="en-US" altLang="ko-KR" dirty="0" err="1">
+                <a:solidFill>
+                  <a:schemeClr val="tx1"/>
+                </a:solidFill>
+              </a:rPr>
+              <a:t>url</a:t>
+            </a:r>
+            <a:r>
+              <a:rPr lang="ko-KR" altLang="en-US" dirty="0">
+                <a:solidFill>
+                  <a:schemeClr val="tx1"/>
+                </a:solidFill>
+              </a:rPr>
+              <a:t>의 </a:t>
+            </a:r>
+            <a:r>
+              <a:rPr lang="en-US" altLang="ko-KR" dirty="0">
+                <a:solidFill>
+                  <a:schemeClr val="tx1"/>
+                </a:solidFill>
+              </a:rPr>
+              <a:t>#</a:t>
+            </a:r>
+            <a:r>
+              <a:rPr lang="ko-KR" altLang="en-US" dirty="0">
+                <a:solidFill>
+                  <a:schemeClr val="tx1"/>
+                </a:solidFill>
+              </a:rPr>
+              <a:t>뒤의 부분을 가져온다</a:t>
+            </a:r>
+            <a:r>
+              <a:rPr lang="en-US" altLang="ko-KR" dirty="0">
+                <a:solidFill>
+                  <a:schemeClr val="tx1"/>
+                </a:solidFill>
+              </a:rPr>
+              <a:t>.</a:t>
+            </a:r>
+          </a:p>
+          <a:p>
+            <a:pPr algn="ctr"/>
+            <a:endParaRPr lang="ko-KR" altLang="en-US" dirty="0">
+              <a:solidFill>
+                <a:schemeClr val="tx1"/>
+              </a:solidFill>
+            </a:endParaRPr>
+          </a:p>
+        </p:txBody>
+      </p:sp>
+      <p:pic>
+        <p:nvPicPr>
+          <p:cNvPr id="18" name="그림 17">
+            <a:extLst>
+              <a:ext uri="{FF2B5EF4-FFF2-40B4-BE49-F238E27FC236}">
+                <a16:creationId xmlns:a16="http://schemas.microsoft.com/office/drawing/2014/main" id="{C7816471-9B0E-42CE-F116-502F45A2A17C}"/>
+              </a:ext>
+            </a:extLst>
+          </p:cNvPr>
+          <p:cNvPicPr>
+            <a:picLocks noChangeAspect="1"/>
+          </p:cNvPicPr>
+          <p:nvPr/>
+        </p:nvPicPr>
+        <p:blipFill>
+          <a:blip r:embed="rId2"/>
+          <a:stretch>
+            <a:fillRect/>
+          </a:stretch>
+        </p:blipFill>
+        <p:spPr>
+          <a:xfrm>
+            <a:off x="4575434" y="481994"/>
+            <a:ext cx="6535062" cy="342948"/>
+          </a:xfrm>
+          <a:prstGeom prst="rect">
+            <a:avLst/>
+          </a:prstGeom>
+        </p:spPr>
+      </p:pic>
+      <p:pic>
+        <p:nvPicPr>
+          <p:cNvPr id="20" name="그림 19">
+            <a:extLst>
+              <a:ext uri="{FF2B5EF4-FFF2-40B4-BE49-F238E27FC236}">
+                <a16:creationId xmlns:a16="http://schemas.microsoft.com/office/drawing/2014/main" id="{D11D2746-2692-BE48-1324-B6BAF5EFEFB4}"/>
+              </a:ext>
+            </a:extLst>
+          </p:cNvPr>
+          <p:cNvPicPr>
+            <a:picLocks noChangeAspect="1"/>
+          </p:cNvPicPr>
+          <p:nvPr/>
+        </p:nvPicPr>
+        <p:blipFill>
+          <a:blip r:embed="rId3"/>
+          <a:stretch>
+            <a:fillRect/>
+          </a:stretch>
+        </p:blipFill>
+        <p:spPr>
+          <a:xfrm>
+            <a:off x="4575434" y="1297956"/>
+            <a:ext cx="6725589" cy="371527"/>
+          </a:xfrm>
+          <a:prstGeom prst="rect">
+            <a:avLst/>
+          </a:prstGeom>
+        </p:spPr>
+      </p:pic>
+      <p:pic>
+        <p:nvPicPr>
+          <p:cNvPr id="22" name="그림 21">
+            <a:extLst>
+              <a:ext uri="{FF2B5EF4-FFF2-40B4-BE49-F238E27FC236}">
+                <a16:creationId xmlns:a16="http://schemas.microsoft.com/office/drawing/2014/main" id="{70085ADD-B5E5-BEBF-F9A9-9A24D15B91CA}"/>
+              </a:ext>
+            </a:extLst>
+          </p:cNvPr>
+          <p:cNvPicPr>
+            <a:picLocks noChangeAspect="1"/>
+          </p:cNvPicPr>
+          <p:nvPr/>
+        </p:nvPicPr>
+        <p:blipFill>
+          <a:blip r:embed="rId4"/>
+          <a:stretch>
+            <a:fillRect/>
+          </a:stretch>
+        </p:blipFill>
+        <p:spPr>
+          <a:xfrm>
+            <a:off x="6186403" y="2200588"/>
+            <a:ext cx="666843" cy="219106"/>
+          </a:xfrm>
+          <a:prstGeom prst="rect">
+            <a:avLst/>
+          </a:prstGeom>
+        </p:spPr>
+      </p:pic>
+      <p:sp>
+        <p:nvSpPr>
+          <p:cNvPr id="25" name="직사각형 24">
+            <a:extLst>
+              <a:ext uri="{FF2B5EF4-FFF2-40B4-BE49-F238E27FC236}">
+                <a16:creationId xmlns:a16="http://schemas.microsoft.com/office/drawing/2014/main" id="{A8894C24-432F-6048-1D52-3E7B5B935103}"/>
+              </a:ext>
+            </a:extLst>
+          </p:cNvPr>
+          <p:cNvSpPr/>
+          <p:nvPr/>
+        </p:nvSpPr>
+        <p:spPr>
+          <a:xfrm>
+            <a:off x="1537460" y="5965806"/>
+            <a:ext cx="2865905" cy="736238"/>
+          </a:xfrm>
+          <a:prstGeom prst="rect">
+            <a:avLst/>
+          </a:prstGeom>
+          <a:solidFill>
+            <a:srgbClr val="00B0F0">
+              <a:alpha val="34000"/>
+            </a:srgbClr>
+          </a:solidFill>
+          <a:ln w="38100">
+            <a:noFill/>
+          </a:ln>
+        </p:spPr>
+        <p:style>
+          <a:lnRef idx="2">
+            <a:schemeClr val="accent1">
+              <a:shade val="50000"/>
+            </a:schemeClr>
+          </a:lnRef>
+          <a:fillRef idx="1">
+            <a:schemeClr val="accent1"/>
+          </a:fillRef>
+          <a:effectRef idx="0">
+            <a:schemeClr val="accent1"/>
+          </a:effectRef>
+          <a:fontRef idx="minor">
+            <a:schemeClr val="lt1"/>
+          </a:fontRef>
+        </p:style>
+        <p:txBody>
+          <a:bodyPr rtlCol="0" anchor="ctr"/>
+          <a:lstStyle/>
+          <a:p>
+            <a:pPr algn="ctr"/>
+            <a:r>
+              <a:rPr lang="en-US" altLang="ko-KR" dirty="0">
+                <a:solidFill>
+                  <a:schemeClr val="tx1"/>
+                </a:solidFill>
+              </a:rPr>
+              <a:t>‘location host</a:t>
+            </a:r>
+            <a:endParaRPr lang="ko-KR" altLang="en-US" dirty="0">
+              <a:solidFill>
+                <a:schemeClr val="tx1"/>
+              </a:solidFill>
+            </a:endParaRPr>
+          </a:p>
+        </p:txBody>
+      </p:sp>
+      <p:sp>
+        <p:nvSpPr>
+          <p:cNvPr id="26" name="직사각형 25">
+            <a:extLst>
+              <a:ext uri="{FF2B5EF4-FFF2-40B4-BE49-F238E27FC236}">
+                <a16:creationId xmlns:a16="http://schemas.microsoft.com/office/drawing/2014/main" id="{3E5FB89D-E8BE-8EF3-8213-1D95703E2503}"/>
+              </a:ext>
+            </a:extLst>
+          </p:cNvPr>
+          <p:cNvSpPr/>
+          <p:nvPr/>
+        </p:nvSpPr>
+        <p:spPr>
+          <a:xfrm>
+            <a:off x="4575434" y="5965806"/>
+            <a:ext cx="3888782" cy="736238"/>
+          </a:xfrm>
+          <a:prstGeom prst="rect">
+            <a:avLst/>
+          </a:prstGeom>
+          <a:solidFill>
+            <a:srgbClr val="00B0F0">
+              <a:alpha val="34000"/>
+            </a:srgbClr>
+          </a:solidFill>
+          <a:ln w="38100">
+            <a:noFill/>
+          </a:ln>
+        </p:spPr>
+        <p:style>
+          <a:lnRef idx="2">
+            <a:schemeClr val="accent1">
+              <a:shade val="50000"/>
+            </a:schemeClr>
+          </a:lnRef>
+          <a:fillRef idx="1">
+            <a:schemeClr val="accent1"/>
+          </a:fillRef>
+          <a:effectRef idx="0">
+            <a:schemeClr val="accent1"/>
+          </a:effectRef>
+          <a:fontRef idx="minor">
+            <a:schemeClr val="lt1"/>
+          </a:fontRef>
+        </p:style>
+        <p:txBody>
+          <a:bodyPr rtlCol="0" anchor="ctr"/>
+          <a:lstStyle/>
+          <a:p>
+            <a:pPr algn="ctr"/>
+            <a:r>
+              <a:rPr lang="ko-KR" altLang="en-US" sz="1100" dirty="0">
+                <a:solidFill>
+                  <a:schemeClr val="tx1"/>
+                </a:solidFill>
+              </a:rPr>
+              <a:t>서버의 도메인명과 호스트를 반환</a:t>
+            </a:r>
+            <a:r>
+              <a:rPr lang="en-US" altLang="ko-KR" sz="1100" dirty="0">
+                <a:solidFill>
+                  <a:schemeClr val="tx1"/>
+                </a:solidFill>
+              </a:rPr>
+              <a:t>. </a:t>
+            </a:r>
+            <a:r>
+              <a:rPr lang="ko-KR" altLang="en-US" sz="1100" dirty="0">
+                <a:solidFill>
+                  <a:schemeClr val="tx1"/>
+                </a:solidFill>
+              </a:rPr>
+              <a:t>보통 없으면 기본 포트를 반환한다</a:t>
+            </a:r>
+            <a:r>
+              <a:rPr lang="en-US" altLang="ko-KR" sz="1100" dirty="0">
+                <a:solidFill>
+                  <a:schemeClr val="tx1"/>
+                </a:solidFill>
+              </a:rPr>
+              <a:t>. (http</a:t>
+            </a:r>
+            <a:r>
+              <a:rPr lang="ko-KR" altLang="en-US" sz="1100" dirty="0">
+                <a:solidFill>
+                  <a:schemeClr val="tx1"/>
+                </a:solidFill>
+              </a:rPr>
+              <a:t>는 </a:t>
+            </a:r>
+            <a:r>
+              <a:rPr lang="en-US" altLang="ko-KR" sz="1100" dirty="0">
+                <a:solidFill>
+                  <a:schemeClr val="tx1"/>
+                </a:solidFill>
+              </a:rPr>
+              <a:t>80)</a:t>
+            </a:r>
+          </a:p>
+          <a:p>
+            <a:pPr algn="ctr"/>
+            <a:endParaRPr lang="en-US" altLang="ko-KR" sz="1100" dirty="0">
+              <a:solidFill>
+                <a:schemeClr val="tx1"/>
+              </a:solidFill>
+            </a:endParaRPr>
+          </a:p>
+        </p:txBody>
+      </p:sp>
+      <p:pic>
+        <p:nvPicPr>
+          <p:cNvPr id="28" name="그림 27">
+            <a:extLst>
+              <a:ext uri="{FF2B5EF4-FFF2-40B4-BE49-F238E27FC236}">
+                <a16:creationId xmlns:a16="http://schemas.microsoft.com/office/drawing/2014/main" id="{1409E65F-9B64-9649-6CAA-C1A406E86FBD}"/>
+              </a:ext>
+            </a:extLst>
+          </p:cNvPr>
+          <p:cNvPicPr>
+            <a:picLocks noChangeAspect="1"/>
+          </p:cNvPicPr>
+          <p:nvPr/>
+        </p:nvPicPr>
+        <p:blipFill>
+          <a:blip r:embed="rId5"/>
+          <a:stretch>
+            <a:fillRect/>
+          </a:stretch>
+        </p:blipFill>
+        <p:spPr>
+          <a:xfrm>
+            <a:off x="6291191" y="3017618"/>
+            <a:ext cx="457264" cy="190527"/>
+          </a:xfrm>
+          <a:prstGeom prst="rect">
+            <a:avLst/>
+          </a:prstGeom>
+        </p:spPr>
+      </p:pic>
+      <p:pic>
+        <p:nvPicPr>
+          <p:cNvPr id="24" name="그림 23">
+            <a:extLst>
+              <a:ext uri="{FF2B5EF4-FFF2-40B4-BE49-F238E27FC236}">
+                <a16:creationId xmlns:a16="http://schemas.microsoft.com/office/drawing/2014/main" id="{B7015F9B-D4AC-B2B1-15BB-B4D2363BD226}"/>
+              </a:ext>
+            </a:extLst>
+          </p:cNvPr>
+          <p:cNvPicPr>
+            <a:picLocks noChangeAspect="1"/>
+          </p:cNvPicPr>
+          <p:nvPr/>
+        </p:nvPicPr>
+        <p:blipFill>
+          <a:blip r:embed="rId6"/>
+          <a:stretch>
+            <a:fillRect/>
+          </a:stretch>
+        </p:blipFill>
+        <p:spPr>
+          <a:xfrm>
+            <a:off x="5891086" y="6465895"/>
+            <a:ext cx="1257475" cy="200053"/>
+          </a:xfrm>
+          <a:prstGeom prst="rect">
+            <a:avLst/>
+          </a:prstGeom>
+        </p:spPr>
+      </p:pic>
+      <p:pic>
+        <p:nvPicPr>
+          <p:cNvPr id="30" name="그림 29">
+            <a:extLst>
+              <a:ext uri="{FF2B5EF4-FFF2-40B4-BE49-F238E27FC236}">
+                <a16:creationId xmlns:a16="http://schemas.microsoft.com/office/drawing/2014/main" id="{817DCE24-C532-B565-C894-6A5AC3CB2212}"/>
+              </a:ext>
+            </a:extLst>
+          </p:cNvPr>
+          <p:cNvPicPr>
+            <a:picLocks noChangeAspect="1"/>
+          </p:cNvPicPr>
+          <p:nvPr/>
+        </p:nvPicPr>
+        <p:blipFill>
+          <a:blip r:embed="rId7"/>
+          <a:stretch>
+            <a:fillRect/>
+          </a:stretch>
+        </p:blipFill>
+        <p:spPr>
+          <a:xfrm>
+            <a:off x="5013645" y="3865116"/>
+            <a:ext cx="2924583" cy="171474"/>
+          </a:xfrm>
+          <a:prstGeom prst="rect">
+            <a:avLst/>
+          </a:prstGeom>
+        </p:spPr>
+      </p:pic>
+      <p:pic>
+        <p:nvPicPr>
+          <p:cNvPr id="32" name="그림 31">
+            <a:extLst>
+              <a:ext uri="{FF2B5EF4-FFF2-40B4-BE49-F238E27FC236}">
+                <a16:creationId xmlns:a16="http://schemas.microsoft.com/office/drawing/2014/main" id="{410F04C2-46EC-62CC-9BF4-9410E98BFF65}"/>
+              </a:ext>
+            </a:extLst>
+          </p:cNvPr>
+          <p:cNvPicPr>
+            <a:picLocks noChangeAspect="1"/>
+          </p:cNvPicPr>
+          <p:nvPr/>
+        </p:nvPicPr>
+        <p:blipFill>
+          <a:blip r:embed="rId8"/>
+          <a:stretch>
+            <a:fillRect/>
+          </a:stretch>
+        </p:blipFill>
+        <p:spPr>
+          <a:xfrm>
+            <a:off x="4587000" y="4795202"/>
+            <a:ext cx="3877216" cy="161948"/>
+          </a:xfrm>
+          <a:prstGeom prst="rect">
+            <a:avLst/>
+          </a:prstGeom>
+        </p:spPr>
+      </p:pic>
+      <p:pic>
+        <p:nvPicPr>
+          <p:cNvPr id="34" name="그림 33">
+            <a:extLst>
+              <a:ext uri="{FF2B5EF4-FFF2-40B4-BE49-F238E27FC236}">
+                <a16:creationId xmlns:a16="http://schemas.microsoft.com/office/drawing/2014/main" id="{4CBEBC0A-C253-6EB9-95BE-60E6EC5ECCCC}"/>
+              </a:ext>
+            </a:extLst>
+          </p:cNvPr>
+          <p:cNvPicPr>
+            <a:picLocks noChangeAspect="1"/>
+          </p:cNvPicPr>
+          <p:nvPr/>
+        </p:nvPicPr>
+        <p:blipFill>
+          <a:blip r:embed="rId9"/>
+          <a:stretch>
+            <a:fillRect/>
+          </a:stretch>
+        </p:blipFill>
+        <p:spPr>
+          <a:xfrm>
+            <a:off x="4666405" y="5506832"/>
+            <a:ext cx="1343212" cy="276264"/>
+          </a:xfrm>
+          <a:prstGeom prst="rect">
+            <a:avLst/>
+          </a:prstGeom>
+        </p:spPr>
+      </p:pic>
+      <p:pic>
+        <p:nvPicPr>
+          <p:cNvPr id="36" name="그림 35">
+            <a:extLst>
+              <a:ext uri="{FF2B5EF4-FFF2-40B4-BE49-F238E27FC236}">
+                <a16:creationId xmlns:a16="http://schemas.microsoft.com/office/drawing/2014/main" id="{1C857B8A-AF92-ABE6-8EC4-784804B75B1E}"/>
+              </a:ext>
+            </a:extLst>
+          </p:cNvPr>
+          <p:cNvPicPr>
+            <a:picLocks noChangeAspect="1"/>
+          </p:cNvPicPr>
+          <p:nvPr/>
+        </p:nvPicPr>
+        <p:blipFill>
+          <a:blip r:embed="rId10"/>
+          <a:stretch>
+            <a:fillRect/>
+          </a:stretch>
+        </p:blipFill>
+        <p:spPr>
+          <a:xfrm>
+            <a:off x="6009618" y="5481438"/>
+            <a:ext cx="1779020" cy="410543"/>
+          </a:xfrm>
+          <a:prstGeom prst="rect">
+            <a:avLst/>
+          </a:prstGeom>
+        </p:spPr>
+      </p:pic>
     </p:spTree>
     <p:extLst>
       <p:ext uri="{BB962C8B-B14F-4D97-AF65-F5344CB8AC3E}">
-        <p14:creationId xmlns:p14="http://schemas.microsoft.com/office/powerpoint/2010/main" val="2947819469"/>
+        <p14:creationId xmlns:p14="http://schemas.microsoft.com/office/powerpoint/2010/main" val="287896530"/>
       </p:ext>
     </p:extLst>
   </p:cSld>
@@ -4097,12 +5132,12 @@
           <a:p>
             <a:pPr algn="ctr"/>
             <a:r>
-              <a:rPr lang="en-US" altLang="ko-KR" dirty="0" smtClean="0">
-                <a:solidFill>
-                  <a:schemeClr val="tx1"/>
-                </a:solidFill>
-              </a:rPr>
-              <a:t>‘geolocation</a:t>
+              <a:rPr lang="en-US" altLang="ko-KR" dirty="0">
+                <a:solidFill>
+                  <a:schemeClr val="tx1"/>
+                </a:solidFill>
+              </a:rPr>
+              <a:t>‘history</a:t>
             </a:r>
             <a:endParaRPr lang="ko-KR" altLang="en-US" dirty="0">
               <a:solidFill>
@@ -4115,7 +5150,7 @@
     </p:spTree>
     <p:extLst>
       <p:ext uri="{BB962C8B-B14F-4D97-AF65-F5344CB8AC3E}">
-        <p14:creationId xmlns:p14="http://schemas.microsoft.com/office/powerpoint/2010/main" val="1213492808"/>
+        <p14:creationId xmlns:p14="http://schemas.microsoft.com/office/powerpoint/2010/main" val="2947819469"/>
       </p:ext>
     </p:extLst>
   </p:cSld>
@@ -4144,7 +5179,13 @@
       </p:grpSpPr>
       <p:sp>
         <p:nvSpPr>
-          <p:cNvPr id="4" name="직사각형 3"/>
+          <p:cNvPr id="4" name="직사각형 3">
+            <a:extLst>
+              <a:ext uri="{FF2B5EF4-FFF2-40B4-BE49-F238E27FC236}">
+                <a16:creationId xmlns:a16="http://schemas.microsoft.com/office/drawing/2014/main" id="{B97B05DF-550C-3CE8-0BB8-2B72C97226DA}"/>
+              </a:ext>
+            </a:extLst>
+          </p:cNvPr>
           <p:cNvSpPr/>
           <p:nvPr/>
         </p:nvSpPr>
@@ -4187,30 +5228,81 @@
           <a:p>
             <a:pPr algn="ctr"/>
             <a:r>
-              <a:rPr lang="en-US" altLang="ko-KR" dirty="0" smtClean="0">
-                <a:solidFill>
-                  <a:schemeClr val="tx1"/>
-                </a:solidFill>
-              </a:rPr>
-              <a:t>‘regex (</a:t>
-            </a:r>
-            <a:r>
-              <a:rPr lang="ko-KR" altLang="en-US" dirty="0" err="1" smtClean="0">
-                <a:solidFill>
-                  <a:schemeClr val="tx1"/>
-                </a:solidFill>
-              </a:rPr>
-              <a:t>정규표현식</a:t>
-            </a:r>
-            <a:r>
-              <a:rPr lang="en-US" altLang="ko-KR" dirty="0" smtClean="0">
-                <a:solidFill>
-                  <a:schemeClr val="tx1"/>
-                </a:solidFill>
-              </a:rPr>
-              <a:t>)</a:t>
-            </a:r>
-            <a:endParaRPr lang="ko-KR" altLang="en-US" dirty="0">
+              <a:rPr lang="ko-KR" altLang="en-US" sz="1600" dirty="0">
+                <a:solidFill>
+                  <a:schemeClr val="tx1"/>
+                </a:solidFill>
+              </a:rPr>
+              <a:t>브라우저 내의 기록에 접근할 수 있다</a:t>
+            </a:r>
+            <a:r>
+              <a:rPr lang="en-US" altLang="ko-KR" sz="1600" dirty="0">
+                <a:solidFill>
+                  <a:schemeClr val="tx1"/>
+                </a:solidFill>
+              </a:rPr>
+              <a:t>.</a:t>
+            </a:r>
+          </a:p>
+          <a:p>
+            <a:pPr algn="ctr"/>
+            <a:r>
+              <a:rPr lang="ko-KR" altLang="en-US" sz="1400" dirty="0" err="1">
+                <a:solidFill>
+                  <a:schemeClr val="tx1"/>
+                </a:solidFill>
+              </a:rPr>
+              <a:t>뒤로가기</a:t>
+            </a:r>
+            <a:r>
+              <a:rPr lang="ko-KR" altLang="en-US" sz="1400" dirty="0">
+                <a:solidFill>
+                  <a:schemeClr val="tx1"/>
+                </a:solidFill>
+              </a:rPr>
+              <a:t> </a:t>
+            </a:r>
+            <a:r>
+              <a:rPr lang="en-US" altLang="ko-KR" sz="1400" dirty="0">
+                <a:solidFill>
+                  <a:schemeClr val="tx1"/>
+                </a:solidFill>
+              </a:rPr>
+              <a:t>/ </a:t>
+            </a:r>
+            <a:r>
+              <a:rPr lang="ko-KR" altLang="en-US" sz="1400" dirty="0">
+                <a:solidFill>
+                  <a:schemeClr val="tx1"/>
+                </a:solidFill>
+              </a:rPr>
+              <a:t>앞으로 가기 </a:t>
+            </a:r>
+            <a:r>
+              <a:rPr lang="en-US" altLang="ko-KR" sz="1400" dirty="0">
+                <a:solidFill>
+                  <a:schemeClr val="tx1"/>
+                </a:solidFill>
+              </a:rPr>
+              <a:t>/ </a:t>
+            </a:r>
+            <a:r>
+              <a:rPr lang="en-US" altLang="ko-KR" sz="1400" dirty="0" err="1">
+                <a:solidFill>
+                  <a:schemeClr val="tx1"/>
+                </a:solidFill>
+              </a:rPr>
+              <a:t>etc</a:t>
+            </a:r>
+            <a:r>
+              <a:rPr lang="en-US" altLang="ko-KR" sz="1400" dirty="0">
+                <a:solidFill>
+                  <a:schemeClr val="tx1"/>
+                </a:solidFill>
+              </a:rPr>
+              <a:t>…</a:t>
+            </a:r>
+            <a:endParaRPr lang="ko-KR" altLang="en-US" sz="1400" dirty="0">
               <a:solidFill>
                 <a:schemeClr val="tx1"/>
               </a:solidFill>
@@ -4221,7 +5313,7 @@
     </p:spTree>
     <p:extLst>
       <p:ext uri="{BB962C8B-B14F-4D97-AF65-F5344CB8AC3E}">
-        <p14:creationId xmlns:p14="http://schemas.microsoft.com/office/powerpoint/2010/main" val="3031333822"/>
+        <p14:creationId xmlns:p14="http://schemas.microsoft.com/office/powerpoint/2010/main" val="1766055262"/>
       </p:ext>
     </p:extLst>
   </p:cSld>
@@ -4250,13 +5342,19 @@
       </p:grpSpPr>
       <p:sp>
         <p:nvSpPr>
-          <p:cNvPr id="4" name="직사각형 3"/>
+          <p:cNvPr id="4" name="직사각형 3">
+            <a:extLst>
+              <a:ext uri="{FF2B5EF4-FFF2-40B4-BE49-F238E27FC236}">
+                <a16:creationId xmlns:a16="http://schemas.microsoft.com/office/drawing/2014/main" id="{EFD10ADF-1E3B-9731-4B58-F8A57EBC8498}"/>
+              </a:ext>
+            </a:extLst>
+          </p:cNvPr>
           <p:cNvSpPr/>
           <p:nvPr/>
         </p:nvSpPr>
         <p:spPr>
           <a:xfrm>
-            <a:off x="4663046" y="3097394"/>
+            <a:off x="2764681" y="1143591"/>
             <a:ext cx="2865905" cy="736238"/>
           </a:xfrm>
           <a:prstGeom prst="rect">
@@ -4293,12 +5391,12 @@
           <a:p>
             <a:pPr algn="ctr"/>
             <a:r>
-              <a:rPr lang="en-US" altLang="ko-KR" dirty="0" smtClean="0">
-                <a:solidFill>
-                  <a:schemeClr val="tx1"/>
-                </a:solidFill>
-              </a:rPr>
-              <a:t>‘Symbol</a:t>
+              <a:rPr lang="en-US" altLang="ko-KR" dirty="0">
+                <a:solidFill>
+                  <a:schemeClr val="tx1"/>
+                </a:solidFill>
+              </a:rPr>
+              <a:t>‘back</a:t>
             </a:r>
             <a:endParaRPr lang="ko-KR" altLang="en-US" dirty="0">
               <a:solidFill>
@@ -4310,13 +5408,19 @@
       </p:sp>
       <p:sp>
         <p:nvSpPr>
-          <p:cNvPr id="5" name="직사각형 4"/>
+          <p:cNvPr id="5" name="직사각형 4">
+            <a:extLst>
+              <a:ext uri="{FF2B5EF4-FFF2-40B4-BE49-F238E27FC236}">
+                <a16:creationId xmlns:a16="http://schemas.microsoft.com/office/drawing/2014/main" id="{03B296A5-D84D-A998-B314-0DB0CFEC919A}"/>
+              </a:ext>
+            </a:extLst>
+          </p:cNvPr>
           <p:cNvSpPr/>
           <p:nvPr/>
         </p:nvSpPr>
         <p:spPr>
           <a:xfrm>
-            <a:off x="4663046" y="5557961"/>
+            <a:off x="2764681" y="1983177"/>
             <a:ext cx="2865905" cy="736238"/>
           </a:xfrm>
           <a:prstGeom prst="rect">
@@ -4353,26 +5457,2621 @@
           <a:p>
             <a:pPr algn="ctr"/>
             <a:r>
-              <a:rPr lang="ko-KR" altLang="en-US" i="1" dirty="0" err="1" smtClean="0">
-                <a:solidFill>
-                  <a:schemeClr val="tx1"/>
-                </a:solidFill>
-              </a:rPr>
-              <a:t>고유형이라고도</a:t>
-            </a:r>
-            <a:r>
-              <a:rPr lang="ko-KR" altLang="en-US" i="1" dirty="0" smtClean="0">
-                <a:solidFill>
-                  <a:schemeClr val="tx1"/>
-                </a:solidFill>
-              </a:rPr>
-              <a:t> 해</a:t>
-            </a:r>
-            <a:endParaRPr lang="ko-KR" altLang="en-US" i="1" dirty="0">
+              <a:rPr lang="en-US" altLang="ko-KR" dirty="0">
+                <a:solidFill>
+                  <a:schemeClr val="tx1"/>
+                </a:solidFill>
+              </a:rPr>
+              <a:t>‘forward</a:t>
+            </a:r>
+            <a:endParaRPr lang="ko-KR" altLang="en-US" dirty="0">
               <a:solidFill>
                 <a:schemeClr val="tx1"/>
               </a:solidFill>
             </a:endParaRPr>
+          </a:p>
+        </p:txBody>
+      </p:sp>
+      <p:sp>
+        <p:nvSpPr>
+          <p:cNvPr id="6" name="직사각형 5">
+            <a:extLst>
+              <a:ext uri="{FF2B5EF4-FFF2-40B4-BE49-F238E27FC236}">
+                <a16:creationId xmlns:a16="http://schemas.microsoft.com/office/drawing/2014/main" id="{52CFF990-B158-3D76-CE70-8AAED5CBCDEF}"/>
+              </a:ext>
+            </a:extLst>
+          </p:cNvPr>
+          <p:cNvSpPr/>
+          <p:nvPr/>
+        </p:nvSpPr>
+        <p:spPr>
+          <a:xfrm>
+            <a:off x="2764681" y="2822762"/>
+            <a:ext cx="2865905" cy="3167902"/>
+          </a:xfrm>
+          <a:prstGeom prst="rect">
+            <a:avLst/>
+          </a:prstGeom>
+          <a:solidFill>
+            <a:srgbClr val="00B0F0">
+              <a:alpha val="34000"/>
+            </a:srgbClr>
+          </a:solidFill>
+          <a:ln w="38100">
+            <a:noFill/>
+          </a:ln>
+        </p:spPr>
+        <p:style>
+          <a:lnRef idx="2">
+            <a:schemeClr val="accent1">
+              <a:shade val="50000"/>
+            </a:schemeClr>
+          </a:lnRef>
+          <a:fillRef idx="1">
+            <a:schemeClr val="accent1"/>
+          </a:fillRef>
+          <a:effectRef idx="0">
+            <a:schemeClr val="accent1"/>
+          </a:effectRef>
+          <a:fontRef idx="minor">
+            <a:schemeClr val="lt1"/>
+          </a:fontRef>
+        </p:style>
+        <p:txBody>
+          <a:bodyPr rtlCol="0" anchor="ctr"/>
+          <a:lstStyle/>
+          <a:p>
+            <a:pPr algn="ctr"/>
+            <a:r>
+              <a:rPr lang="en-US" altLang="ko-KR" dirty="0">
+                <a:solidFill>
+                  <a:schemeClr val="tx1"/>
+                </a:solidFill>
+              </a:rPr>
+              <a:t>‘go(number)</a:t>
+            </a:r>
+            <a:endParaRPr lang="ko-KR" altLang="en-US" dirty="0">
+              <a:solidFill>
+                <a:schemeClr val="tx1"/>
+              </a:solidFill>
+            </a:endParaRPr>
+          </a:p>
+        </p:txBody>
+      </p:sp>
+      <p:sp>
+        <p:nvSpPr>
+          <p:cNvPr id="7" name="직사각형 6">
+            <a:extLst>
+              <a:ext uri="{FF2B5EF4-FFF2-40B4-BE49-F238E27FC236}">
+                <a16:creationId xmlns:a16="http://schemas.microsoft.com/office/drawing/2014/main" id="{DDCAE2AB-EA67-351B-DA4A-B6AA9CAA73AD}"/>
+              </a:ext>
+            </a:extLst>
+          </p:cNvPr>
+          <p:cNvSpPr/>
+          <p:nvPr/>
+        </p:nvSpPr>
+        <p:spPr>
+          <a:xfrm>
+            <a:off x="5802655" y="1143591"/>
+            <a:ext cx="3888782" cy="736238"/>
+          </a:xfrm>
+          <a:prstGeom prst="rect">
+            <a:avLst/>
+          </a:prstGeom>
+          <a:solidFill>
+            <a:srgbClr val="00B0F0">
+              <a:alpha val="34000"/>
+            </a:srgbClr>
+          </a:solidFill>
+          <a:ln w="38100">
+            <a:noFill/>
+          </a:ln>
+        </p:spPr>
+        <p:style>
+          <a:lnRef idx="2">
+            <a:schemeClr val="accent1">
+              <a:shade val="50000"/>
+            </a:schemeClr>
+          </a:lnRef>
+          <a:fillRef idx="1">
+            <a:schemeClr val="accent1"/>
+          </a:fillRef>
+          <a:effectRef idx="0">
+            <a:schemeClr val="accent1"/>
+          </a:effectRef>
+          <a:fontRef idx="minor">
+            <a:schemeClr val="lt1"/>
+          </a:fontRef>
+        </p:style>
+        <p:txBody>
+          <a:bodyPr rtlCol="0" anchor="ctr"/>
+          <a:lstStyle/>
+          <a:p>
+            <a:pPr algn="ctr"/>
+            <a:r>
+              <a:rPr lang="en-US" altLang="ko-KR" dirty="0">
+                <a:solidFill>
+                  <a:schemeClr val="tx1"/>
+                </a:solidFill>
+              </a:rPr>
+              <a:t>‘</a:t>
+            </a:r>
+            <a:r>
+              <a:rPr lang="ko-KR" altLang="en-US" dirty="0">
+                <a:solidFill>
+                  <a:schemeClr val="tx1"/>
+                </a:solidFill>
+              </a:rPr>
+              <a:t>현재 페이지에서 이전에 왔던 페이지를 호출한다</a:t>
+            </a:r>
+            <a:r>
+              <a:rPr lang="en-US" altLang="ko-KR" dirty="0">
+                <a:solidFill>
+                  <a:schemeClr val="tx1"/>
+                </a:solidFill>
+              </a:rPr>
+              <a:t>. (</a:t>
+            </a:r>
+            <a:r>
+              <a:rPr lang="ko-KR" altLang="en-US" dirty="0">
+                <a:solidFill>
+                  <a:schemeClr val="tx1"/>
+                </a:solidFill>
+              </a:rPr>
+              <a:t>뒤로 가기</a:t>
+            </a:r>
+            <a:r>
+              <a:rPr lang="en-US" altLang="ko-KR" dirty="0">
+                <a:solidFill>
+                  <a:schemeClr val="tx1"/>
+                </a:solidFill>
+              </a:rPr>
+              <a:t>)</a:t>
+            </a:r>
+            <a:endParaRPr lang="ko-KR" altLang="en-US" dirty="0">
+              <a:solidFill>
+                <a:schemeClr val="tx1"/>
+              </a:solidFill>
+            </a:endParaRPr>
+          </a:p>
+        </p:txBody>
+      </p:sp>
+      <p:sp>
+        <p:nvSpPr>
+          <p:cNvPr id="8" name="직사각형 7">
+            <a:extLst>
+              <a:ext uri="{FF2B5EF4-FFF2-40B4-BE49-F238E27FC236}">
+                <a16:creationId xmlns:a16="http://schemas.microsoft.com/office/drawing/2014/main" id="{0BD1C2C9-E40F-C066-29C9-7108173D8608}"/>
+              </a:ext>
+            </a:extLst>
+          </p:cNvPr>
+          <p:cNvSpPr/>
+          <p:nvPr/>
+        </p:nvSpPr>
+        <p:spPr>
+          <a:xfrm>
+            <a:off x="5802655" y="1983177"/>
+            <a:ext cx="3888782" cy="736238"/>
+          </a:xfrm>
+          <a:prstGeom prst="rect">
+            <a:avLst/>
+          </a:prstGeom>
+          <a:solidFill>
+            <a:srgbClr val="00B0F0">
+              <a:alpha val="34000"/>
+            </a:srgbClr>
+          </a:solidFill>
+          <a:ln w="38100">
+            <a:noFill/>
+          </a:ln>
+        </p:spPr>
+        <p:style>
+          <a:lnRef idx="2">
+            <a:schemeClr val="accent1">
+              <a:shade val="50000"/>
+            </a:schemeClr>
+          </a:lnRef>
+          <a:fillRef idx="1">
+            <a:schemeClr val="accent1"/>
+          </a:fillRef>
+          <a:effectRef idx="0">
+            <a:schemeClr val="accent1"/>
+          </a:effectRef>
+          <a:fontRef idx="minor">
+            <a:schemeClr val="lt1"/>
+          </a:fontRef>
+        </p:style>
+        <p:txBody>
+          <a:bodyPr rtlCol="0" anchor="ctr"/>
+          <a:lstStyle/>
+          <a:p>
+            <a:pPr algn="ctr"/>
+            <a:r>
+              <a:rPr lang="en-US" altLang="ko-KR" dirty="0">
+                <a:solidFill>
+                  <a:schemeClr val="tx1"/>
+                </a:solidFill>
+              </a:rPr>
+              <a:t>‘</a:t>
+            </a:r>
+            <a:r>
+              <a:rPr lang="ko-KR" altLang="en-US" dirty="0">
+                <a:solidFill>
+                  <a:schemeClr val="tx1"/>
+                </a:solidFill>
+              </a:rPr>
+              <a:t>현재 페이지에서 다음에 왔던 페이지를 호출한다</a:t>
+            </a:r>
+            <a:r>
+              <a:rPr lang="en-US" altLang="ko-KR" dirty="0">
+                <a:solidFill>
+                  <a:schemeClr val="tx1"/>
+                </a:solidFill>
+              </a:rPr>
+              <a:t>. (</a:t>
+            </a:r>
+            <a:r>
+              <a:rPr lang="ko-KR" altLang="en-US" dirty="0">
+                <a:solidFill>
+                  <a:schemeClr val="tx1"/>
+                </a:solidFill>
+              </a:rPr>
+              <a:t>앞으로 가기</a:t>
+            </a:r>
+            <a:r>
+              <a:rPr lang="en-US" altLang="ko-KR" dirty="0">
+                <a:solidFill>
+                  <a:schemeClr val="tx1"/>
+                </a:solidFill>
+              </a:rPr>
+              <a:t>)</a:t>
+            </a:r>
+            <a:endParaRPr lang="ko-KR" altLang="en-US" dirty="0">
+              <a:solidFill>
+                <a:schemeClr val="tx1"/>
+              </a:solidFill>
+            </a:endParaRPr>
+          </a:p>
+        </p:txBody>
+      </p:sp>
+      <p:sp>
+        <p:nvSpPr>
+          <p:cNvPr id="9" name="직사각형 8">
+            <a:extLst>
+              <a:ext uri="{FF2B5EF4-FFF2-40B4-BE49-F238E27FC236}">
+                <a16:creationId xmlns:a16="http://schemas.microsoft.com/office/drawing/2014/main" id="{E494551B-E1F9-5ABD-9CE7-B568005513FE}"/>
+              </a:ext>
+            </a:extLst>
+          </p:cNvPr>
+          <p:cNvSpPr/>
+          <p:nvPr/>
+        </p:nvSpPr>
+        <p:spPr>
+          <a:xfrm>
+            <a:off x="5802655" y="2822761"/>
+            <a:ext cx="3888782" cy="3167903"/>
+          </a:xfrm>
+          <a:prstGeom prst="rect">
+            <a:avLst/>
+          </a:prstGeom>
+          <a:solidFill>
+            <a:srgbClr val="00B0F0">
+              <a:alpha val="34000"/>
+            </a:srgbClr>
+          </a:solidFill>
+          <a:ln w="38100">
+            <a:noFill/>
+          </a:ln>
+        </p:spPr>
+        <p:style>
+          <a:lnRef idx="2">
+            <a:schemeClr val="accent1">
+              <a:shade val="50000"/>
+            </a:schemeClr>
+          </a:lnRef>
+          <a:fillRef idx="1">
+            <a:schemeClr val="accent1"/>
+          </a:fillRef>
+          <a:effectRef idx="0">
+            <a:schemeClr val="accent1"/>
+          </a:effectRef>
+          <a:fontRef idx="minor">
+            <a:schemeClr val="lt1"/>
+          </a:fontRef>
+        </p:style>
+        <p:txBody>
+          <a:bodyPr rtlCol="0" anchor="ctr"/>
+          <a:lstStyle/>
+          <a:p>
+            <a:pPr algn="ctr"/>
+            <a:r>
+              <a:rPr lang="en-US" altLang="ko-KR" dirty="0">
+                <a:solidFill>
+                  <a:schemeClr val="tx1"/>
+                </a:solidFill>
+              </a:rPr>
+              <a:t>‘</a:t>
+            </a:r>
+            <a:r>
+              <a:rPr lang="en-US" altLang="ko-KR" b="0" i="0" dirty="0">
+                <a:solidFill>
+                  <a:schemeClr val="tx1"/>
+                </a:solidFill>
+                <a:effectLst/>
+                <a:latin typeface="Arial" panose="020B0604020202020204" pitchFamily="34" charset="0"/>
+              </a:rPr>
+              <a:t>number</a:t>
+            </a:r>
+            <a:r>
+              <a:rPr lang="ko-KR" altLang="en-US" b="0" i="0" dirty="0">
+                <a:solidFill>
+                  <a:schemeClr val="tx1"/>
+                </a:solidFill>
+                <a:effectLst/>
+                <a:latin typeface="Arial" panose="020B0604020202020204" pitchFamily="34" charset="0"/>
+              </a:rPr>
+              <a:t>만큼 이전 페이지로 이동하거나 다음페이지로 이동한다</a:t>
+            </a:r>
+            <a:r>
+              <a:rPr lang="en-US" altLang="ko-KR" b="0" i="0" dirty="0">
+                <a:solidFill>
+                  <a:schemeClr val="tx1"/>
+                </a:solidFill>
+                <a:effectLst/>
+                <a:latin typeface="Arial" panose="020B0604020202020204" pitchFamily="34" charset="0"/>
+              </a:rPr>
+              <a:t>.</a:t>
+            </a:r>
+          </a:p>
+          <a:p>
+            <a:pPr algn="ctr"/>
+            <a:endParaRPr lang="en-US" altLang="ko-KR" dirty="0">
+              <a:solidFill>
+                <a:schemeClr val="tx1"/>
+              </a:solidFill>
+              <a:latin typeface="Arial" panose="020B0604020202020204" pitchFamily="34" charset="0"/>
+            </a:endParaRPr>
+          </a:p>
+          <a:p>
+            <a:pPr algn="ctr"/>
+            <a:r>
+              <a:rPr lang="ko-KR" altLang="en-US" b="0" i="0" dirty="0" err="1">
+                <a:solidFill>
+                  <a:schemeClr val="tx1"/>
+                </a:solidFill>
+                <a:effectLst/>
+                <a:latin typeface="Arial" panose="020B0604020202020204" pitchFamily="34" charset="0"/>
+              </a:rPr>
+              <a:t>양수일경우</a:t>
+            </a:r>
+            <a:r>
+              <a:rPr lang="ko-KR" altLang="en-US" b="0" i="0" dirty="0">
+                <a:solidFill>
+                  <a:schemeClr val="tx1"/>
+                </a:solidFill>
+                <a:effectLst/>
+                <a:latin typeface="Arial" panose="020B0604020202020204" pitchFamily="34" charset="0"/>
+              </a:rPr>
+              <a:t> 해당 숫자만큼 다음 페이지 이동을 하며</a:t>
+            </a:r>
+            <a:r>
+              <a:rPr lang="en-US" altLang="ko-KR" b="0" i="0" dirty="0">
+                <a:solidFill>
+                  <a:schemeClr val="tx1"/>
+                </a:solidFill>
+                <a:effectLst/>
+                <a:latin typeface="Arial" panose="020B0604020202020204" pitchFamily="34" charset="0"/>
+              </a:rPr>
+              <a:t>, </a:t>
+            </a:r>
+            <a:r>
+              <a:rPr lang="ko-KR" altLang="en-US" b="0" i="0" dirty="0">
+                <a:solidFill>
+                  <a:schemeClr val="tx1"/>
+                </a:solidFill>
+                <a:effectLst/>
+                <a:latin typeface="Arial" panose="020B0604020202020204" pitchFamily="34" charset="0"/>
+              </a:rPr>
+              <a:t>음수일 경우 해당 숫자만큼 이전 페이지로 이동을 한다</a:t>
+            </a:r>
+            <a:r>
+              <a:rPr lang="en-US" altLang="ko-KR" b="0" i="0" dirty="0">
+                <a:solidFill>
+                  <a:schemeClr val="tx1"/>
+                </a:solidFill>
+                <a:effectLst/>
+                <a:latin typeface="Arial" panose="020B0604020202020204" pitchFamily="34" charset="0"/>
+              </a:rPr>
+              <a:t>.</a:t>
+            </a:r>
+          </a:p>
+          <a:p>
+            <a:pPr algn="ctr"/>
+            <a:endParaRPr lang="en-US" altLang="ko-KR" b="0" i="0" dirty="0">
+              <a:solidFill>
+                <a:schemeClr val="tx1"/>
+              </a:solidFill>
+              <a:effectLst/>
+              <a:latin typeface="Arial" panose="020B0604020202020204" pitchFamily="34" charset="0"/>
+            </a:endParaRPr>
+          </a:p>
+          <a:p>
+            <a:pPr algn="ctr"/>
+            <a:r>
+              <a:rPr lang="en-US" altLang="ko-KR" b="0" i="0" dirty="0">
+                <a:solidFill>
+                  <a:schemeClr val="tx1"/>
+                </a:solidFill>
+                <a:effectLst/>
+                <a:latin typeface="Arial" panose="020B0604020202020204" pitchFamily="34" charset="0"/>
+              </a:rPr>
+              <a:t>1</a:t>
+            </a:r>
+            <a:r>
+              <a:rPr lang="ko-KR" altLang="en-US" b="0" i="0" dirty="0">
+                <a:solidFill>
+                  <a:schemeClr val="tx1"/>
+                </a:solidFill>
+                <a:effectLst/>
+                <a:latin typeface="Arial" panose="020B0604020202020204" pitchFamily="34" charset="0"/>
+              </a:rPr>
+              <a:t>과</a:t>
+            </a:r>
+            <a:r>
+              <a:rPr lang="en-US" altLang="ko-KR" b="0" i="0" dirty="0">
+                <a:solidFill>
+                  <a:schemeClr val="tx1"/>
+                </a:solidFill>
+                <a:effectLst/>
+                <a:latin typeface="Arial" panose="020B0604020202020204" pitchFamily="34" charset="0"/>
+              </a:rPr>
+              <a:t>-1</a:t>
+            </a:r>
+            <a:r>
+              <a:rPr lang="ko-KR" altLang="en-US" b="0" i="0" dirty="0">
+                <a:solidFill>
+                  <a:schemeClr val="tx1"/>
+                </a:solidFill>
+                <a:effectLst/>
+                <a:latin typeface="Arial" panose="020B0604020202020204" pitchFamily="34" charset="0"/>
+              </a:rPr>
+              <a:t>은 </a:t>
+            </a:r>
+            <a:r>
+              <a:rPr lang="en-US" altLang="ko-KR" b="0" i="0" dirty="0">
+                <a:solidFill>
+                  <a:schemeClr val="tx1"/>
+                </a:solidFill>
+                <a:effectLst/>
+                <a:latin typeface="Arial" panose="020B0604020202020204" pitchFamily="34" charset="0"/>
+              </a:rPr>
+              <a:t>forward()</a:t>
+            </a:r>
+            <a:r>
+              <a:rPr lang="ko-KR" altLang="en-US" b="0" i="0" dirty="0">
+                <a:solidFill>
+                  <a:schemeClr val="tx1"/>
+                </a:solidFill>
+                <a:effectLst/>
+                <a:latin typeface="Arial" panose="020B0604020202020204" pitchFamily="34" charset="0"/>
+              </a:rPr>
+              <a:t>와 </a:t>
+            </a:r>
+            <a:r>
+              <a:rPr lang="en-US" altLang="ko-KR" b="0" i="0" dirty="0">
+                <a:solidFill>
+                  <a:schemeClr val="tx1"/>
+                </a:solidFill>
+                <a:effectLst/>
+                <a:latin typeface="Arial" panose="020B0604020202020204" pitchFamily="34" charset="0"/>
+              </a:rPr>
+              <a:t>back()</a:t>
+            </a:r>
+            <a:r>
+              <a:rPr lang="ko-KR" altLang="en-US" b="0" i="0" dirty="0">
+                <a:solidFill>
+                  <a:schemeClr val="tx1"/>
+                </a:solidFill>
+                <a:effectLst/>
+                <a:latin typeface="Arial" panose="020B0604020202020204" pitchFamily="34" charset="0"/>
+              </a:rPr>
+              <a:t>과 동일한 역할을 한다</a:t>
+            </a:r>
+            <a:r>
+              <a:rPr lang="en-US" altLang="ko-KR" b="0" i="0" dirty="0">
+                <a:solidFill>
+                  <a:schemeClr val="tx1"/>
+                </a:solidFill>
+                <a:effectLst/>
+                <a:latin typeface="Arial" panose="020B0604020202020204" pitchFamily="34" charset="0"/>
+              </a:rPr>
+              <a:t>.</a:t>
+            </a:r>
+          </a:p>
+          <a:p>
+            <a:pPr algn="ctr"/>
+            <a:endParaRPr lang="en-US" altLang="ko-KR" b="0" i="0" dirty="0">
+              <a:solidFill>
+                <a:schemeClr val="tx1"/>
+              </a:solidFill>
+              <a:effectLst/>
+              <a:latin typeface="Arial" panose="020B0604020202020204" pitchFamily="34" charset="0"/>
+            </a:endParaRPr>
+          </a:p>
+          <a:p>
+            <a:pPr algn="ctr"/>
+            <a:r>
+              <a:rPr lang="ko-KR" altLang="en-US" dirty="0">
+                <a:solidFill>
+                  <a:schemeClr val="tx1"/>
+                </a:solidFill>
+                <a:latin typeface="Arial" panose="020B0604020202020204" pitchFamily="34" charset="0"/>
+              </a:rPr>
+              <a:t>참고로 </a:t>
+            </a:r>
+            <a:r>
+              <a:rPr lang="en-US" altLang="ko-KR" dirty="0">
+                <a:solidFill>
+                  <a:schemeClr val="tx1"/>
+                </a:solidFill>
+                <a:latin typeface="Arial" panose="020B0604020202020204" pitchFamily="34" charset="0"/>
+              </a:rPr>
+              <a:t>go(0)</a:t>
+            </a:r>
+            <a:r>
+              <a:rPr lang="ko-KR" altLang="en-US" dirty="0">
+                <a:solidFill>
+                  <a:schemeClr val="tx1"/>
+                </a:solidFill>
+                <a:latin typeface="Arial" panose="020B0604020202020204" pitchFamily="34" charset="0"/>
+              </a:rPr>
+              <a:t>이면 </a:t>
+            </a:r>
+            <a:r>
+              <a:rPr lang="ko-KR" altLang="en-US" dirty="0" err="1">
+                <a:solidFill>
+                  <a:schemeClr val="tx1"/>
+                </a:solidFill>
+                <a:latin typeface="Arial" panose="020B0604020202020204" pitchFamily="34" charset="0"/>
+              </a:rPr>
+              <a:t>새로고침</a:t>
+            </a:r>
+            <a:endParaRPr lang="en-US" altLang="ko-KR" dirty="0">
+              <a:solidFill>
+                <a:schemeClr val="tx1"/>
+              </a:solidFill>
+            </a:endParaRPr>
+          </a:p>
+        </p:txBody>
+      </p:sp>
+    </p:spTree>
+    <p:extLst>
+      <p:ext uri="{BB962C8B-B14F-4D97-AF65-F5344CB8AC3E}">
+        <p14:creationId xmlns:p14="http://schemas.microsoft.com/office/powerpoint/2010/main" val="1184810"/>
+      </p:ext>
+    </p:extLst>
+  </p:cSld>
+  <p:clrMapOvr>
+    <a:masterClrMapping/>
+  </p:clrMapOvr>
+</p:sld>
+</file>
+
+<file path=ppt/slides/slide18.xml><?xml version="1.0" encoding="utf-8"?>
+<p:sld xmlns:a="http://schemas.openxmlformats.org/drawingml/2006/main" xmlns:r="http://schemas.openxmlformats.org/officeDocument/2006/relationships" xmlns:p="http://schemas.openxmlformats.org/presentationml/2006/main">
+  <p:cSld>
+    <p:spTree>
+      <p:nvGrpSpPr>
+        <p:cNvPr id="1" name=""/>
+        <p:cNvGrpSpPr/>
+        <p:nvPr/>
+      </p:nvGrpSpPr>
+      <p:grpSpPr>
+        <a:xfrm>
+          <a:off x="0" y="0"/>
+          <a:ext cx="0" cy="0"/>
+          <a:chOff x="0" y="0"/>
+          <a:chExt cx="0" cy="0"/>
+        </a:xfrm>
+      </p:grpSpPr>
+      <p:pic>
+        <p:nvPicPr>
+          <p:cNvPr id="5" name="그림 4">
+            <a:extLst>
+              <a:ext uri="{FF2B5EF4-FFF2-40B4-BE49-F238E27FC236}">
+                <a16:creationId xmlns:a16="http://schemas.microsoft.com/office/drawing/2014/main" id="{1DA4CDEA-54A0-50F8-E002-0A0715F553A4}"/>
+              </a:ext>
+            </a:extLst>
+          </p:cNvPr>
+          <p:cNvPicPr>
+            <a:picLocks noChangeAspect="1"/>
+          </p:cNvPicPr>
+          <p:nvPr/>
+        </p:nvPicPr>
+        <p:blipFill>
+          <a:blip r:embed="rId2"/>
+          <a:stretch>
+            <a:fillRect/>
+          </a:stretch>
+        </p:blipFill>
+        <p:spPr>
+          <a:xfrm>
+            <a:off x="1217581" y="1233181"/>
+            <a:ext cx="3972479" cy="4391638"/>
+          </a:xfrm>
+          <a:prstGeom prst="rect">
+            <a:avLst/>
+          </a:prstGeom>
+        </p:spPr>
+      </p:pic>
+      <p:pic>
+        <p:nvPicPr>
+          <p:cNvPr id="7" name="그림 6">
+            <a:extLst>
+              <a:ext uri="{FF2B5EF4-FFF2-40B4-BE49-F238E27FC236}">
+                <a16:creationId xmlns:a16="http://schemas.microsoft.com/office/drawing/2014/main" id="{D689E44D-2CC0-0451-EFF0-541916566E8C}"/>
+              </a:ext>
+            </a:extLst>
+          </p:cNvPr>
+          <p:cNvPicPr>
+            <a:picLocks noChangeAspect="1"/>
+          </p:cNvPicPr>
+          <p:nvPr/>
+        </p:nvPicPr>
+        <p:blipFill>
+          <a:blip r:embed="rId3"/>
+          <a:stretch>
+            <a:fillRect/>
+          </a:stretch>
+        </p:blipFill>
+        <p:spPr>
+          <a:xfrm>
+            <a:off x="6798864" y="2809788"/>
+            <a:ext cx="4363059" cy="1238423"/>
+          </a:xfrm>
+          <a:prstGeom prst="rect">
+            <a:avLst/>
+          </a:prstGeom>
+        </p:spPr>
+      </p:pic>
+    </p:spTree>
+    <p:extLst>
+      <p:ext uri="{BB962C8B-B14F-4D97-AF65-F5344CB8AC3E}">
+        <p14:creationId xmlns:p14="http://schemas.microsoft.com/office/powerpoint/2010/main" val="2889232441"/>
+      </p:ext>
+    </p:extLst>
+  </p:cSld>
+  <p:clrMapOvr>
+    <a:masterClrMapping/>
+  </p:clrMapOvr>
+</p:sld>
+</file>
+
+<file path=ppt/slides/slide19.xml><?xml version="1.0" encoding="utf-8"?>
+<p:sld xmlns:a="http://schemas.openxmlformats.org/drawingml/2006/main" xmlns:r="http://schemas.openxmlformats.org/officeDocument/2006/relationships" xmlns:p="http://schemas.openxmlformats.org/presentationml/2006/main">
+  <p:cSld>
+    <p:spTree>
+      <p:nvGrpSpPr>
+        <p:cNvPr id="1" name=""/>
+        <p:cNvGrpSpPr/>
+        <p:nvPr/>
+      </p:nvGrpSpPr>
+      <p:grpSpPr>
+        <a:xfrm>
+          <a:off x="0" y="0"/>
+          <a:ext cx="0" cy="0"/>
+          <a:chOff x="0" y="0"/>
+          <a:chExt cx="0" cy="0"/>
+        </a:xfrm>
+      </p:grpSpPr>
+      <p:sp>
+        <p:nvSpPr>
+          <p:cNvPr id="4" name="직사각형 3"/>
+          <p:cNvSpPr/>
+          <p:nvPr/>
+        </p:nvSpPr>
+        <p:spPr>
+          <a:xfrm>
+            <a:off x="4663046" y="3097394"/>
+            <a:ext cx="2865905" cy="736238"/>
+          </a:xfrm>
+          <a:prstGeom prst="rect">
+            <a:avLst/>
+          </a:prstGeom>
+          <a:solidFill>
+            <a:srgbClr val="00B0F0">
+              <a:alpha val="34000"/>
+            </a:srgbClr>
+          </a:solidFill>
+          <a:ln w="38100">
+            <a:noFill/>
+          </a:ln>
+        </p:spPr>
+        <p:style>
+          <a:lnRef idx="2">
+            <a:schemeClr val="accent1">
+              <a:shade val="50000"/>
+            </a:schemeClr>
+          </a:lnRef>
+          <a:fillRef idx="1">
+            <a:schemeClr val="accent1"/>
+          </a:fillRef>
+          <a:effectRef idx="0">
+            <a:schemeClr val="accent1"/>
+          </a:effectRef>
+          <a:fontRef idx="minor">
+            <a:schemeClr val="lt1"/>
+          </a:fontRef>
+        </p:style>
+        <p:txBody>
+          <a:bodyPr rtlCol="0" anchor="ctr"/>
+          <a:lstStyle/>
+          <a:p>
+            <a:pPr algn="ctr"/>
+            <a:r>
+              <a:rPr lang="en-US" altLang="ko-KR" dirty="0">
+                <a:solidFill>
+                  <a:schemeClr val="tx1"/>
+                </a:solidFill>
+              </a:rPr>
+              <a:t>‘geolocation</a:t>
+            </a:r>
+            <a:endParaRPr lang="ko-KR" altLang="en-US" dirty="0">
+              <a:solidFill>
+                <a:schemeClr val="tx1"/>
+              </a:solidFill>
+            </a:endParaRPr>
+          </a:p>
+        </p:txBody>
+      </p:sp>
+    </p:spTree>
+    <p:extLst>
+      <p:ext uri="{BB962C8B-B14F-4D97-AF65-F5344CB8AC3E}">
+        <p14:creationId xmlns:p14="http://schemas.microsoft.com/office/powerpoint/2010/main" val="1213492808"/>
+      </p:ext>
+    </p:extLst>
+  </p:cSld>
+  <p:clrMapOvr>
+    <a:masterClrMapping/>
+  </p:clrMapOvr>
+</p:sld>
+</file>
+
+<file path=ppt/slides/slide2.xml><?xml version="1.0" encoding="utf-8"?>
+<p:sld xmlns:a="http://schemas.openxmlformats.org/drawingml/2006/main" xmlns:r="http://schemas.openxmlformats.org/officeDocument/2006/relationships" xmlns:p="http://schemas.openxmlformats.org/presentationml/2006/main">
+  <p:cSld>
+    <p:spTree>
+      <p:nvGrpSpPr>
+        <p:cNvPr id="1" name=""/>
+        <p:cNvGrpSpPr/>
+        <p:nvPr/>
+      </p:nvGrpSpPr>
+      <p:grpSpPr>
+        <a:xfrm>
+          <a:off x="0" y="0"/>
+          <a:ext cx="0" cy="0"/>
+          <a:chOff x="0" y="0"/>
+          <a:chExt cx="0" cy="0"/>
+        </a:xfrm>
+      </p:grpSpPr>
+      <p:sp>
+        <p:nvSpPr>
+          <p:cNvPr id="4" name="직사각형 3"/>
+          <p:cNvSpPr/>
+          <p:nvPr/>
+        </p:nvSpPr>
+        <p:spPr>
+          <a:xfrm>
+            <a:off x="4663046" y="3097394"/>
+            <a:ext cx="2865905" cy="736238"/>
+          </a:xfrm>
+          <a:prstGeom prst="rect">
+            <a:avLst/>
+          </a:prstGeom>
+          <a:solidFill>
+            <a:srgbClr val="00B0F0">
+              <a:alpha val="34000"/>
+            </a:srgbClr>
+          </a:solidFill>
+          <a:ln w="38100">
+            <a:noFill/>
+          </a:ln>
+        </p:spPr>
+        <p:style>
+          <a:lnRef idx="2">
+            <a:schemeClr val="accent1">
+              <a:shade val="50000"/>
+            </a:schemeClr>
+          </a:lnRef>
+          <a:fillRef idx="1">
+            <a:schemeClr val="accent1"/>
+          </a:fillRef>
+          <a:effectRef idx="0">
+            <a:schemeClr val="accent1"/>
+          </a:effectRef>
+          <a:fontRef idx="minor">
+            <a:schemeClr val="lt1"/>
+          </a:fontRef>
+        </p:style>
+        <p:txBody>
+          <a:bodyPr rtlCol="0" anchor="ctr"/>
+          <a:lstStyle/>
+          <a:p>
+            <a:pPr algn="ctr"/>
+            <a:r>
+              <a:rPr lang="en-US" altLang="ko-KR" dirty="0">
+                <a:solidFill>
+                  <a:schemeClr val="tx1"/>
+                </a:solidFill>
+              </a:rPr>
+              <a:t>IndexedDB</a:t>
+            </a:r>
+            <a:endParaRPr lang="ko-KR" altLang="en-US" dirty="0">
+              <a:solidFill>
+                <a:schemeClr val="tx1"/>
+              </a:solidFill>
+            </a:endParaRPr>
+          </a:p>
+        </p:txBody>
+      </p:sp>
+    </p:spTree>
+    <p:extLst>
+      <p:ext uri="{BB962C8B-B14F-4D97-AF65-F5344CB8AC3E}">
+        <p14:creationId xmlns:p14="http://schemas.microsoft.com/office/powerpoint/2010/main" val="2839315648"/>
+      </p:ext>
+    </p:extLst>
+  </p:cSld>
+  <p:clrMapOvr>
+    <a:masterClrMapping/>
+  </p:clrMapOvr>
+</p:sld>
+</file>
+
+<file path=ppt/slides/slide20.xml><?xml version="1.0" encoding="utf-8"?>
+<p:sld xmlns:a="http://schemas.openxmlformats.org/drawingml/2006/main" xmlns:r="http://schemas.openxmlformats.org/officeDocument/2006/relationships" xmlns:p="http://schemas.openxmlformats.org/presentationml/2006/main">
+  <p:cSld>
+    <p:spTree>
+      <p:nvGrpSpPr>
+        <p:cNvPr id="1" name=""/>
+        <p:cNvGrpSpPr/>
+        <p:nvPr/>
+      </p:nvGrpSpPr>
+      <p:grpSpPr>
+        <a:xfrm>
+          <a:off x="0" y="0"/>
+          <a:ext cx="0" cy="0"/>
+          <a:chOff x="0" y="0"/>
+          <a:chExt cx="0" cy="0"/>
+        </a:xfrm>
+      </p:grpSpPr>
+      <p:pic>
+        <p:nvPicPr>
+          <p:cNvPr id="5" name="그림 4">
+            <a:extLst>
+              <a:ext uri="{FF2B5EF4-FFF2-40B4-BE49-F238E27FC236}">
+                <a16:creationId xmlns:a16="http://schemas.microsoft.com/office/drawing/2014/main" id="{1539D2F7-67F1-2D51-1677-BA3B48A14A78}"/>
+              </a:ext>
+            </a:extLst>
+          </p:cNvPr>
+          <p:cNvPicPr>
+            <a:picLocks noChangeAspect="1"/>
+          </p:cNvPicPr>
+          <p:nvPr/>
+        </p:nvPicPr>
+        <p:blipFill>
+          <a:blip r:embed="rId2"/>
+          <a:stretch>
+            <a:fillRect/>
+          </a:stretch>
+        </p:blipFill>
+        <p:spPr>
+          <a:xfrm>
+            <a:off x="7712907" y="1437606"/>
+            <a:ext cx="3572374" cy="1562318"/>
+          </a:xfrm>
+          <a:prstGeom prst="rect">
+            <a:avLst/>
+          </a:prstGeom>
+        </p:spPr>
+      </p:pic>
+      <p:sp>
+        <p:nvSpPr>
+          <p:cNvPr id="6" name="직사각형 5">
+            <a:extLst>
+              <a:ext uri="{FF2B5EF4-FFF2-40B4-BE49-F238E27FC236}">
+                <a16:creationId xmlns:a16="http://schemas.microsoft.com/office/drawing/2014/main" id="{B4380DFA-2952-0E12-ADE4-3353D93BC3D7}"/>
+              </a:ext>
+            </a:extLst>
+          </p:cNvPr>
+          <p:cNvSpPr/>
+          <p:nvPr/>
+        </p:nvSpPr>
+        <p:spPr>
+          <a:xfrm>
+            <a:off x="8066140" y="4052135"/>
+            <a:ext cx="2865905" cy="736238"/>
+          </a:xfrm>
+          <a:prstGeom prst="rect">
+            <a:avLst/>
+          </a:prstGeom>
+          <a:solidFill>
+            <a:srgbClr val="00B0F0">
+              <a:alpha val="34000"/>
+            </a:srgbClr>
+          </a:solidFill>
+          <a:ln w="38100">
+            <a:noFill/>
+          </a:ln>
+        </p:spPr>
+        <p:style>
+          <a:lnRef idx="2">
+            <a:schemeClr val="accent1">
+              <a:shade val="50000"/>
+            </a:schemeClr>
+          </a:lnRef>
+          <a:fillRef idx="1">
+            <a:schemeClr val="accent1"/>
+          </a:fillRef>
+          <a:effectRef idx="0">
+            <a:schemeClr val="accent1"/>
+          </a:effectRef>
+          <a:fontRef idx="minor">
+            <a:schemeClr val="lt1"/>
+          </a:fontRef>
+        </p:style>
+        <p:txBody>
+          <a:bodyPr rtlCol="0" anchor="ctr"/>
+          <a:lstStyle/>
+          <a:p>
+            <a:pPr algn="ctr"/>
+            <a:r>
+              <a:rPr lang="ko-KR" altLang="en-US" sz="1600" dirty="0">
+                <a:solidFill>
+                  <a:schemeClr val="tx1"/>
+                </a:solidFill>
+              </a:rPr>
+              <a:t>현실의 위치정보를 가져온다</a:t>
+            </a:r>
+            <a:r>
+              <a:rPr lang="en-US" altLang="ko-KR" sz="1600" dirty="0">
+                <a:solidFill>
+                  <a:schemeClr val="tx1"/>
+                </a:solidFill>
+              </a:rPr>
+              <a:t>.</a:t>
+            </a:r>
+            <a:endParaRPr lang="ko-KR" altLang="en-US" sz="1600" dirty="0">
+              <a:solidFill>
+                <a:schemeClr val="tx1"/>
+              </a:solidFill>
+            </a:endParaRPr>
+          </a:p>
+        </p:txBody>
+      </p:sp>
+      <p:pic>
+        <p:nvPicPr>
+          <p:cNvPr id="8" name="그림 7">
+            <a:extLst>
+              <a:ext uri="{FF2B5EF4-FFF2-40B4-BE49-F238E27FC236}">
+                <a16:creationId xmlns:a16="http://schemas.microsoft.com/office/drawing/2014/main" id="{FF81FF82-35B7-82D3-F658-8A3CF8E1859C}"/>
+              </a:ext>
+            </a:extLst>
+          </p:cNvPr>
+          <p:cNvPicPr>
+            <a:picLocks noChangeAspect="1"/>
+          </p:cNvPicPr>
+          <p:nvPr/>
+        </p:nvPicPr>
+        <p:blipFill>
+          <a:blip r:embed="rId3"/>
+          <a:stretch>
+            <a:fillRect/>
+          </a:stretch>
+        </p:blipFill>
+        <p:spPr>
+          <a:xfrm>
+            <a:off x="258750" y="1066470"/>
+            <a:ext cx="5515745" cy="4725059"/>
+          </a:xfrm>
+          <a:prstGeom prst="rect">
+            <a:avLst/>
+          </a:prstGeom>
+        </p:spPr>
+      </p:pic>
+    </p:spTree>
+    <p:extLst>
+      <p:ext uri="{BB962C8B-B14F-4D97-AF65-F5344CB8AC3E}">
+        <p14:creationId xmlns:p14="http://schemas.microsoft.com/office/powerpoint/2010/main" val="2670388451"/>
+      </p:ext>
+    </p:extLst>
+  </p:cSld>
+  <p:clrMapOvr>
+    <a:masterClrMapping/>
+  </p:clrMapOvr>
+</p:sld>
+</file>
+
+<file path=ppt/slides/slide21.xml><?xml version="1.0" encoding="utf-8"?>
+<p:sld xmlns:a="http://schemas.openxmlformats.org/drawingml/2006/main" xmlns:r="http://schemas.openxmlformats.org/officeDocument/2006/relationships" xmlns:p="http://schemas.openxmlformats.org/presentationml/2006/main">
+  <p:cSld>
+    <p:spTree>
+      <p:nvGrpSpPr>
+        <p:cNvPr id="1" name=""/>
+        <p:cNvGrpSpPr/>
+        <p:nvPr/>
+      </p:nvGrpSpPr>
+      <p:grpSpPr>
+        <a:xfrm>
+          <a:off x="0" y="0"/>
+          <a:ext cx="0" cy="0"/>
+          <a:chOff x="0" y="0"/>
+          <a:chExt cx="0" cy="0"/>
+        </a:xfrm>
+      </p:grpSpPr>
+      <p:sp>
+        <p:nvSpPr>
+          <p:cNvPr id="4" name="직사각형 3">
+            <a:extLst>
+              <a:ext uri="{FF2B5EF4-FFF2-40B4-BE49-F238E27FC236}">
+                <a16:creationId xmlns:a16="http://schemas.microsoft.com/office/drawing/2014/main" id="{7F504909-1506-D014-CA64-3F8EA57DCDE0}"/>
+              </a:ext>
+            </a:extLst>
+          </p:cNvPr>
+          <p:cNvSpPr/>
+          <p:nvPr/>
+        </p:nvSpPr>
+        <p:spPr>
+          <a:xfrm>
+            <a:off x="4663046" y="3097394"/>
+            <a:ext cx="2865905" cy="736238"/>
+          </a:xfrm>
+          <a:prstGeom prst="rect">
+            <a:avLst/>
+          </a:prstGeom>
+          <a:solidFill>
+            <a:srgbClr val="00B0F0">
+              <a:alpha val="34000"/>
+            </a:srgbClr>
+          </a:solidFill>
+          <a:ln w="38100">
+            <a:noFill/>
+          </a:ln>
+        </p:spPr>
+        <p:style>
+          <a:lnRef idx="2">
+            <a:schemeClr val="accent1">
+              <a:shade val="50000"/>
+            </a:schemeClr>
+          </a:lnRef>
+          <a:fillRef idx="1">
+            <a:schemeClr val="accent1"/>
+          </a:fillRef>
+          <a:effectRef idx="0">
+            <a:schemeClr val="accent1"/>
+          </a:effectRef>
+          <a:fontRef idx="minor">
+            <a:schemeClr val="lt1"/>
+          </a:fontRef>
+        </p:style>
+        <p:txBody>
+          <a:bodyPr rtlCol="0" anchor="ctr"/>
+          <a:lstStyle/>
+          <a:p>
+            <a:pPr algn="ctr"/>
+            <a:r>
+              <a:rPr lang="ko-KR" altLang="en-US" dirty="0">
+                <a:solidFill>
+                  <a:schemeClr val="tx1"/>
+                </a:solidFill>
+              </a:rPr>
+              <a:t>왜 </a:t>
+            </a:r>
+            <a:r>
+              <a:rPr lang="ko-KR" altLang="en-US" dirty="0" err="1">
+                <a:solidFill>
+                  <a:schemeClr val="tx1"/>
+                </a:solidFill>
+              </a:rPr>
+              <a:t>요기까지만</a:t>
+            </a:r>
+            <a:r>
+              <a:rPr lang="ko-KR" altLang="en-US" dirty="0">
+                <a:solidFill>
+                  <a:schemeClr val="tx1"/>
+                </a:solidFill>
+              </a:rPr>
+              <a:t> 설명하나요</a:t>
+            </a:r>
+            <a:r>
+              <a:rPr lang="en-US" altLang="ko-KR" dirty="0">
+                <a:solidFill>
+                  <a:schemeClr val="tx1"/>
+                </a:solidFill>
+              </a:rPr>
+              <a:t>?</a:t>
+            </a:r>
+            <a:endParaRPr lang="ko-KR" altLang="en-US" dirty="0">
+              <a:solidFill>
+                <a:schemeClr val="tx1"/>
+              </a:solidFill>
+            </a:endParaRPr>
+          </a:p>
+        </p:txBody>
+      </p:sp>
+    </p:spTree>
+    <p:extLst>
+      <p:ext uri="{BB962C8B-B14F-4D97-AF65-F5344CB8AC3E}">
+        <p14:creationId xmlns:p14="http://schemas.microsoft.com/office/powerpoint/2010/main" val="2804161983"/>
+      </p:ext>
+    </p:extLst>
+  </p:cSld>
+  <p:clrMapOvr>
+    <a:masterClrMapping/>
+  </p:clrMapOvr>
+</p:sld>
+</file>
+
+<file path=ppt/slides/slide22.xml><?xml version="1.0" encoding="utf-8"?>
+<p:sld xmlns:a="http://schemas.openxmlformats.org/drawingml/2006/main" xmlns:r="http://schemas.openxmlformats.org/officeDocument/2006/relationships" xmlns:p="http://schemas.openxmlformats.org/presentationml/2006/main">
+  <p:cSld>
+    <p:spTree>
+      <p:nvGrpSpPr>
+        <p:cNvPr id="1" name=""/>
+        <p:cNvGrpSpPr/>
+        <p:nvPr/>
+      </p:nvGrpSpPr>
+      <p:grpSpPr>
+        <a:xfrm>
+          <a:off x="0" y="0"/>
+          <a:ext cx="0" cy="0"/>
+          <a:chOff x="0" y="0"/>
+          <a:chExt cx="0" cy="0"/>
+        </a:xfrm>
+      </p:grpSpPr>
+      <p:pic>
+        <p:nvPicPr>
+          <p:cNvPr id="5" name="그림 4">
+            <a:extLst>
+              <a:ext uri="{FF2B5EF4-FFF2-40B4-BE49-F238E27FC236}">
+                <a16:creationId xmlns:a16="http://schemas.microsoft.com/office/drawing/2014/main" id="{32416948-E1AB-139C-745E-6B7160851BB5}"/>
+              </a:ext>
+            </a:extLst>
+          </p:cNvPr>
+          <p:cNvPicPr>
+            <a:picLocks noChangeAspect="1"/>
+          </p:cNvPicPr>
+          <p:nvPr/>
+        </p:nvPicPr>
+        <p:blipFill>
+          <a:blip r:embed="rId2"/>
+          <a:stretch>
+            <a:fillRect/>
+          </a:stretch>
+        </p:blipFill>
+        <p:spPr>
+          <a:xfrm>
+            <a:off x="0" y="25628"/>
+            <a:ext cx="12192000" cy="3403372"/>
+          </a:xfrm>
+          <a:prstGeom prst="rect">
+            <a:avLst/>
+          </a:prstGeom>
+        </p:spPr>
+      </p:pic>
+      <p:pic>
+        <p:nvPicPr>
+          <p:cNvPr id="9" name="그림 8">
+            <a:extLst>
+              <a:ext uri="{FF2B5EF4-FFF2-40B4-BE49-F238E27FC236}">
+                <a16:creationId xmlns:a16="http://schemas.microsoft.com/office/drawing/2014/main" id="{E69D23AC-C389-0F9A-E34A-0F107D350D4A}"/>
+              </a:ext>
+            </a:extLst>
+          </p:cNvPr>
+          <p:cNvPicPr>
+            <a:picLocks noChangeAspect="1"/>
+          </p:cNvPicPr>
+          <p:nvPr/>
+        </p:nvPicPr>
+        <p:blipFill>
+          <a:blip r:embed="rId3"/>
+          <a:stretch>
+            <a:fillRect/>
+          </a:stretch>
+        </p:blipFill>
+        <p:spPr>
+          <a:xfrm>
+            <a:off x="0" y="3429001"/>
+            <a:ext cx="6008261" cy="3403372"/>
+          </a:xfrm>
+          <a:prstGeom prst="rect">
+            <a:avLst/>
+          </a:prstGeom>
+        </p:spPr>
+      </p:pic>
+      <p:pic>
+        <p:nvPicPr>
+          <p:cNvPr id="11" name="그림 10">
+            <a:extLst>
+              <a:ext uri="{FF2B5EF4-FFF2-40B4-BE49-F238E27FC236}">
+                <a16:creationId xmlns:a16="http://schemas.microsoft.com/office/drawing/2014/main" id="{782D4ED6-E915-BEDC-1AA1-6A0FDFE6FE91}"/>
+              </a:ext>
+            </a:extLst>
+          </p:cNvPr>
+          <p:cNvPicPr>
+            <a:picLocks noChangeAspect="1"/>
+          </p:cNvPicPr>
+          <p:nvPr/>
+        </p:nvPicPr>
+        <p:blipFill>
+          <a:blip r:embed="rId4"/>
+          <a:stretch>
+            <a:fillRect/>
+          </a:stretch>
+        </p:blipFill>
+        <p:spPr>
+          <a:xfrm>
+            <a:off x="6096000" y="3623429"/>
+            <a:ext cx="5791176" cy="3208943"/>
+          </a:xfrm>
+          <a:prstGeom prst="rect">
+            <a:avLst/>
+          </a:prstGeom>
+        </p:spPr>
+      </p:pic>
+    </p:spTree>
+    <p:extLst>
+      <p:ext uri="{BB962C8B-B14F-4D97-AF65-F5344CB8AC3E}">
+        <p14:creationId xmlns:p14="http://schemas.microsoft.com/office/powerpoint/2010/main" val="1310755084"/>
+      </p:ext>
+    </p:extLst>
+  </p:cSld>
+  <p:clrMapOvr>
+    <a:masterClrMapping/>
+  </p:clrMapOvr>
+</p:sld>
+</file>
+
+<file path=ppt/slides/slide23.xml><?xml version="1.0" encoding="utf-8"?>
+<p:sld xmlns:a="http://schemas.openxmlformats.org/drawingml/2006/main" xmlns:r="http://schemas.openxmlformats.org/officeDocument/2006/relationships" xmlns:p="http://schemas.openxmlformats.org/presentationml/2006/main">
+  <p:cSld>
+    <p:spTree>
+      <p:nvGrpSpPr>
+        <p:cNvPr id="1" name=""/>
+        <p:cNvGrpSpPr/>
+        <p:nvPr/>
+      </p:nvGrpSpPr>
+      <p:grpSpPr>
+        <a:xfrm>
+          <a:off x="0" y="0"/>
+          <a:ext cx="0" cy="0"/>
+          <a:chOff x="0" y="0"/>
+          <a:chExt cx="0" cy="0"/>
+        </a:xfrm>
+      </p:grpSpPr>
+      <p:sp>
+        <p:nvSpPr>
+          <p:cNvPr id="8" name="직사각형 7">
+            <a:extLst>
+              <a:ext uri="{FF2B5EF4-FFF2-40B4-BE49-F238E27FC236}">
+                <a16:creationId xmlns:a16="http://schemas.microsoft.com/office/drawing/2014/main" id="{7320C89B-B6D6-0A54-A8CE-1AE3E23D3F49}"/>
+              </a:ext>
+            </a:extLst>
+          </p:cNvPr>
+          <p:cNvSpPr/>
+          <p:nvPr/>
+        </p:nvSpPr>
+        <p:spPr>
+          <a:xfrm>
+            <a:off x="3659608" y="3061957"/>
+            <a:ext cx="4872784" cy="734085"/>
+          </a:xfrm>
+          <a:prstGeom prst="rect">
+            <a:avLst/>
+          </a:prstGeom>
+          <a:solidFill>
+            <a:srgbClr val="00B0F0">
+              <a:alpha val="34000"/>
+            </a:srgbClr>
+          </a:solidFill>
+          <a:ln w="38100">
+            <a:noFill/>
+          </a:ln>
+        </p:spPr>
+        <p:style>
+          <a:lnRef idx="2">
+            <a:schemeClr val="accent1">
+              <a:shade val="50000"/>
+            </a:schemeClr>
+          </a:lnRef>
+          <a:fillRef idx="1">
+            <a:schemeClr val="accent1"/>
+          </a:fillRef>
+          <a:effectRef idx="0">
+            <a:schemeClr val="accent1"/>
+          </a:effectRef>
+          <a:fontRef idx="minor">
+            <a:schemeClr val="lt1"/>
+          </a:fontRef>
+        </p:style>
+        <p:txBody>
+          <a:bodyPr rtlCol="0" anchor="ctr"/>
+          <a:lstStyle/>
+          <a:p>
+            <a:pPr algn="ctr"/>
+            <a:r>
+              <a:rPr lang="ko-KR" altLang="en-US">
+                <a:solidFill>
+                  <a:schemeClr val="tx1"/>
+                </a:solidFill>
+              </a:rPr>
+              <a:t>아마존도 구글도 네이버도 다 저렇게 자기네 클라우드 서비스에 구독제로 </a:t>
+            </a:r>
+            <a:r>
+              <a:rPr lang="ko-KR" altLang="en-US" dirty="0" err="1">
+                <a:solidFill>
+                  <a:schemeClr val="tx1"/>
+                </a:solidFill>
+              </a:rPr>
+              <a:t>넣어버림</a:t>
+            </a:r>
+            <a:endParaRPr lang="ko-KR" altLang="en-US" dirty="0">
+              <a:solidFill>
+                <a:schemeClr val="tx1"/>
+              </a:solidFill>
+            </a:endParaRPr>
+          </a:p>
+        </p:txBody>
+      </p:sp>
+    </p:spTree>
+    <p:extLst>
+      <p:ext uri="{BB962C8B-B14F-4D97-AF65-F5344CB8AC3E}">
+        <p14:creationId xmlns:p14="http://schemas.microsoft.com/office/powerpoint/2010/main" val="3954571397"/>
+      </p:ext>
+    </p:extLst>
+  </p:cSld>
+  <p:clrMapOvr>
+    <a:masterClrMapping/>
+  </p:clrMapOvr>
+</p:sld>
+</file>
+
+<file path=ppt/slides/slide24.xml><?xml version="1.0" encoding="utf-8"?>
+<p:sld xmlns:a="http://schemas.openxmlformats.org/drawingml/2006/main" xmlns:r="http://schemas.openxmlformats.org/officeDocument/2006/relationships" xmlns:p="http://schemas.openxmlformats.org/presentationml/2006/main">
+  <p:cSld>
+    <p:spTree>
+      <p:nvGrpSpPr>
+        <p:cNvPr id="1" name=""/>
+        <p:cNvGrpSpPr/>
+        <p:nvPr/>
+      </p:nvGrpSpPr>
+      <p:grpSpPr>
+        <a:xfrm>
+          <a:off x="0" y="0"/>
+          <a:ext cx="0" cy="0"/>
+          <a:chOff x="0" y="0"/>
+          <a:chExt cx="0" cy="0"/>
+        </a:xfrm>
+      </p:grpSpPr>
+      <p:sp>
+        <p:nvSpPr>
+          <p:cNvPr id="4" name="직사각형 3"/>
+          <p:cNvSpPr/>
+          <p:nvPr/>
+        </p:nvSpPr>
+        <p:spPr>
+          <a:xfrm>
+            <a:off x="4663046" y="3097394"/>
+            <a:ext cx="2865905" cy="736238"/>
+          </a:xfrm>
+          <a:prstGeom prst="rect">
+            <a:avLst/>
+          </a:prstGeom>
+          <a:solidFill>
+            <a:srgbClr val="00B0F0">
+              <a:alpha val="34000"/>
+            </a:srgbClr>
+          </a:solidFill>
+          <a:ln w="38100">
+            <a:noFill/>
+          </a:ln>
+        </p:spPr>
+        <p:style>
+          <a:lnRef idx="2">
+            <a:schemeClr val="accent1">
+              <a:shade val="50000"/>
+            </a:schemeClr>
+          </a:lnRef>
+          <a:fillRef idx="1">
+            <a:schemeClr val="accent1"/>
+          </a:fillRef>
+          <a:effectRef idx="0">
+            <a:schemeClr val="accent1"/>
+          </a:effectRef>
+          <a:fontRef idx="minor">
+            <a:schemeClr val="lt1"/>
+          </a:fontRef>
+        </p:style>
+        <p:txBody>
+          <a:bodyPr rtlCol="0" anchor="ctr"/>
+          <a:lstStyle/>
+          <a:p>
+            <a:pPr algn="ctr"/>
+            <a:r>
+              <a:rPr lang="en-US" altLang="ko-KR" dirty="0">
+                <a:solidFill>
+                  <a:schemeClr val="tx1"/>
+                </a:solidFill>
+              </a:rPr>
+              <a:t>‘regex (</a:t>
+            </a:r>
+            <a:r>
+              <a:rPr lang="ko-KR" altLang="en-US" dirty="0" err="1">
+                <a:solidFill>
+                  <a:schemeClr val="tx1"/>
+                </a:solidFill>
+              </a:rPr>
+              <a:t>정규표현식</a:t>
+            </a:r>
+            <a:r>
+              <a:rPr lang="en-US" altLang="ko-KR" dirty="0">
+                <a:solidFill>
+                  <a:schemeClr val="tx1"/>
+                </a:solidFill>
+              </a:rPr>
+              <a:t>)</a:t>
+            </a:r>
+            <a:endParaRPr lang="ko-KR" altLang="en-US" dirty="0">
+              <a:solidFill>
+                <a:schemeClr val="tx1"/>
+              </a:solidFill>
+            </a:endParaRPr>
+          </a:p>
+        </p:txBody>
+      </p:sp>
+    </p:spTree>
+    <p:extLst>
+      <p:ext uri="{BB962C8B-B14F-4D97-AF65-F5344CB8AC3E}">
+        <p14:creationId xmlns:p14="http://schemas.microsoft.com/office/powerpoint/2010/main" val="3031333822"/>
+      </p:ext>
+    </p:extLst>
+  </p:cSld>
+  <p:clrMapOvr>
+    <a:masterClrMapping/>
+  </p:clrMapOvr>
+</p:sld>
+</file>
+
+<file path=ppt/slides/slide25.xml><?xml version="1.0" encoding="utf-8"?>
+<p:sld xmlns:a="http://schemas.openxmlformats.org/drawingml/2006/main" xmlns:r="http://schemas.openxmlformats.org/officeDocument/2006/relationships" xmlns:p="http://schemas.openxmlformats.org/presentationml/2006/main">
+  <p:cSld>
+    <p:spTree>
+      <p:nvGrpSpPr>
+        <p:cNvPr id="1" name=""/>
+        <p:cNvGrpSpPr/>
+        <p:nvPr/>
+      </p:nvGrpSpPr>
+      <p:grpSpPr>
+        <a:xfrm>
+          <a:off x="0" y="0"/>
+          <a:ext cx="0" cy="0"/>
+          <a:chOff x="0" y="0"/>
+          <a:chExt cx="0" cy="0"/>
+        </a:xfrm>
+      </p:grpSpPr>
+      <p:pic>
+        <p:nvPicPr>
+          <p:cNvPr id="5" name="그림 4">
+            <a:extLst>
+              <a:ext uri="{FF2B5EF4-FFF2-40B4-BE49-F238E27FC236}">
+                <a16:creationId xmlns:a16="http://schemas.microsoft.com/office/drawing/2014/main" id="{B00F8964-1E41-20C8-2E9F-ED87FCBCFDE9}"/>
+              </a:ext>
+            </a:extLst>
+          </p:cNvPr>
+          <p:cNvPicPr>
+            <a:picLocks noChangeAspect="1"/>
+          </p:cNvPicPr>
+          <p:nvPr/>
+        </p:nvPicPr>
+        <p:blipFill>
+          <a:blip r:embed="rId2"/>
+          <a:stretch>
+            <a:fillRect/>
+          </a:stretch>
+        </p:blipFill>
+        <p:spPr>
+          <a:xfrm>
+            <a:off x="4009734" y="2433498"/>
+            <a:ext cx="4172532" cy="1991003"/>
+          </a:xfrm>
+          <a:prstGeom prst="rect">
+            <a:avLst/>
+          </a:prstGeom>
+        </p:spPr>
+      </p:pic>
+    </p:spTree>
+    <p:extLst>
+      <p:ext uri="{BB962C8B-B14F-4D97-AF65-F5344CB8AC3E}">
+        <p14:creationId xmlns:p14="http://schemas.microsoft.com/office/powerpoint/2010/main" val="909421582"/>
+      </p:ext>
+    </p:extLst>
+  </p:cSld>
+  <p:clrMapOvr>
+    <a:masterClrMapping/>
+  </p:clrMapOvr>
+</p:sld>
+</file>
+
+<file path=ppt/slides/slide26.xml><?xml version="1.0" encoding="utf-8"?>
+<p:sld xmlns:a="http://schemas.openxmlformats.org/drawingml/2006/main" xmlns:r="http://schemas.openxmlformats.org/officeDocument/2006/relationships" xmlns:p="http://schemas.openxmlformats.org/presentationml/2006/main">
+  <p:cSld>
+    <p:spTree>
+      <p:nvGrpSpPr>
+        <p:cNvPr id="1" name=""/>
+        <p:cNvGrpSpPr/>
+        <p:nvPr/>
+      </p:nvGrpSpPr>
+      <p:grpSpPr>
+        <a:xfrm>
+          <a:off x="0" y="0"/>
+          <a:ext cx="0" cy="0"/>
+          <a:chOff x="0" y="0"/>
+          <a:chExt cx="0" cy="0"/>
+        </a:xfrm>
+      </p:grpSpPr>
+      <p:pic>
+        <p:nvPicPr>
+          <p:cNvPr id="5" name="그림 4">
+            <a:extLst>
+              <a:ext uri="{FF2B5EF4-FFF2-40B4-BE49-F238E27FC236}">
+                <a16:creationId xmlns:a16="http://schemas.microsoft.com/office/drawing/2014/main" id="{27B83E9D-B2AB-CCE0-7EE0-B25469319C81}"/>
+              </a:ext>
+            </a:extLst>
+          </p:cNvPr>
+          <p:cNvPicPr>
+            <a:picLocks noChangeAspect="1"/>
+          </p:cNvPicPr>
+          <p:nvPr/>
+        </p:nvPicPr>
+        <p:blipFill>
+          <a:blip r:embed="rId2"/>
+          <a:stretch>
+            <a:fillRect/>
+          </a:stretch>
+        </p:blipFill>
+        <p:spPr>
+          <a:xfrm>
+            <a:off x="5145175" y="3782772"/>
+            <a:ext cx="1053980" cy="1004381"/>
+          </a:xfrm>
+          <a:prstGeom prst="rect">
+            <a:avLst/>
+          </a:prstGeom>
+        </p:spPr>
+      </p:pic>
+      <p:pic>
+        <p:nvPicPr>
+          <p:cNvPr id="7" name="그림 6">
+            <a:extLst>
+              <a:ext uri="{FF2B5EF4-FFF2-40B4-BE49-F238E27FC236}">
+                <a16:creationId xmlns:a16="http://schemas.microsoft.com/office/drawing/2014/main" id="{7A0ECC6B-87F1-F3AC-531B-19CF548FF54D}"/>
+              </a:ext>
+            </a:extLst>
+          </p:cNvPr>
+          <p:cNvPicPr>
+            <a:picLocks noChangeAspect="1"/>
+          </p:cNvPicPr>
+          <p:nvPr/>
+        </p:nvPicPr>
+        <p:blipFill>
+          <a:blip r:embed="rId3"/>
+          <a:stretch>
+            <a:fillRect/>
+          </a:stretch>
+        </p:blipFill>
+        <p:spPr>
+          <a:xfrm>
+            <a:off x="1325101" y="1553154"/>
+            <a:ext cx="3934374" cy="3724795"/>
+          </a:xfrm>
+          <a:prstGeom prst="rect">
+            <a:avLst/>
+          </a:prstGeom>
+        </p:spPr>
+      </p:pic>
+      <p:sp>
+        <p:nvSpPr>
+          <p:cNvPr id="8" name="직사각형 7">
+            <a:extLst>
+              <a:ext uri="{FF2B5EF4-FFF2-40B4-BE49-F238E27FC236}">
+                <a16:creationId xmlns:a16="http://schemas.microsoft.com/office/drawing/2014/main" id="{281FA931-D0CC-6711-DC8C-616F0251DBED}"/>
+              </a:ext>
+            </a:extLst>
+          </p:cNvPr>
+          <p:cNvSpPr/>
+          <p:nvPr/>
+        </p:nvSpPr>
+        <p:spPr>
+          <a:xfrm>
+            <a:off x="6932527" y="2169546"/>
+            <a:ext cx="4174744" cy="1613225"/>
+          </a:xfrm>
+          <a:prstGeom prst="rect">
+            <a:avLst/>
+          </a:prstGeom>
+          <a:solidFill>
+            <a:srgbClr val="00B0F0">
+              <a:alpha val="34000"/>
+            </a:srgbClr>
+          </a:solidFill>
+          <a:ln w="38100">
+            <a:noFill/>
+          </a:ln>
+        </p:spPr>
+        <p:style>
+          <a:lnRef idx="2">
+            <a:schemeClr val="accent1">
+              <a:shade val="50000"/>
+            </a:schemeClr>
+          </a:lnRef>
+          <a:fillRef idx="1">
+            <a:schemeClr val="accent1"/>
+          </a:fillRef>
+          <a:effectRef idx="0">
+            <a:schemeClr val="accent1"/>
+          </a:effectRef>
+          <a:fontRef idx="minor">
+            <a:schemeClr val="lt1"/>
+          </a:fontRef>
+        </p:style>
+        <p:txBody>
+          <a:bodyPr rtlCol="0" anchor="ctr"/>
+          <a:lstStyle/>
+          <a:p>
+            <a:pPr algn="ctr"/>
+            <a:r>
+              <a:rPr lang="en-US" altLang="ko-KR" dirty="0">
+                <a:solidFill>
+                  <a:schemeClr val="tx1"/>
+                </a:solidFill>
+              </a:rPr>
+              <a:t>Regex</a:t>
+            </a:r>
+            <a:r>
+              <a:rPr lang="ko-KR" altLang="en-US" dirty="0">
+                <a:solidFill>
+                  <a:schemeClr val="tx1"/>
+                </a:solidFill>
+              </a:rPr>
+              <a:t>의 </a:t>
+            </a:r>
+            <a:r>
+              <a:rPr lang="en-US" altLang="ko-KR" dirty="0">
+                <a:solidFill>
+                  <a:schemeClr val="tx1"/>
+                </a:solidFill>
+              </a:rPr>
+              <a:t>2</a:t>
+            </a:r>
+            <a:r>
+              <a:rPr lang="ko-KR" altLang="en-US" dirty="0">
+                <a:solidFill>
+                  <a:schemeClr val="tx1"/>
+                </a:solidFill>
+              </a:rPr>
+              <a:t>가지 방법</a:t>
+            </a:r>
+            <a:endParaRPr lang="en-US" altLang="ko-KR" dirty="0">
+              <a:solidFill>
+                <a:schemeClr val="tx1"/>
+              </a:solidFill>
+            </a:endParaRPr>
+          </a:p>
+          <a:p>
+            <a:pPr algn="ctr"/>
+            <a:endParaRPr lang="en-US" altLang="ko-KR" dirty="0">
+              <a:solidFill>
+                <a:schemeClr val="tx1"/>
+              </a:solidFill>
+            </a:endParaRPr>
+          </a:p>
+          <a:p>
+            <a:pPr algn="ctr"/>
+            <a:r>
+              <a:rPr lang="en-US" altLang="ko-KR" dirty="0">
+                <a:solidFill>
+                  <a:schemeClr val="tx1"/>
+                </a:solidFill>
+              </a:rPr>
+              <a:t>/</a:t>
+            </a:r>
+            <a:r>
+              <a:rPr lang="en-US" altLang="ko-KR" dirty="0" err="1">
+                <a:solidFill>
+                  <a:schemeClr val="tx1"/>
+                </a:solidFill>
+              </a:rPr>
+              <a:t>ab+c</a:t>
+            </a:r>
+            <a:r>
+              <a:rPr lang="en-US" altLang="ko-KR" dirty="0">
+                <a:solidFill>
+                  <a:schemeClr val="tx1"/>
+                </a:solidFill>
+              </a:rPr>
+              <a:t>/</a:t>
+            </a:r>
+          </a:p>
+          <a:p>
+            <a:pPr algn="ctr"/>
+            <a:r>
+              <a:rPr lang="en-US" altLang="ko-KR" dirty="0">
+                <a:solidFill>
+                  <a:schemeClr val="tx1"/>
+                </a:solidFill>
+              </a:rPr>
+              <a:t>Var re = new </a:t>
+            </a:r>
+            <a:r>
+              <a:rPr lang="en-US" altLang="ko-KR" dirty="0" err="1">
+                <a:solidFill>
+                  <a:schemeClr val="tx1"/>
+                </a:solidFill>
+              </a:rPr>
+              <a:t>RegExp</a:t>
+            </a:r>
+            <a:r>
+              <a:rPr lang="en-US" altLang="ko-KR" dirty="0">
+                <a:solidFill>
+                  <a:schemeClr val="tx1"/>
+                </a:solidFill>
+              </a:rPr>
+              <a:t>(“</a:t>
+            </a:r>
+            <a:r>
+              <a:rPr lang="en-US" altLang="ko-KR" dirty="0" err="1">
+                <a:solidFill>
+                  <a:schemeClr val="tx1"/>
+                </a:solidFill>
+              </a:rPr>
+              <a:t>ab+c</a:t>
+            </a:r>
+            <a:r>
+              <a:rPr lang="en-US" altLang="ko-KR" dirty="0">
+                <a:solidFill>
+                  <a:schemeClr val="tx1"/>
+                </a:solidFill>
+              </a:rPr>
+              <a:t>”)</a:t>
+            </a:r>
+            <a:endParaRPr lang="ko-KR" altLang="en-US" dirty="0">
+              <a:solidFill>
+                <a:schemeClr val="tx1"/>
+              </a:solidFill>
+            </a:endParaRPr>
+          </a:p>
+        </p:txBody>
+      </p:sp>
+    </p:spTree>
+    <p:extLst>
+      <p:ext uri="{BB962C8B-B14F-4D97-AF65-F5344CB8AC3E}">
+        <p14:creationId xmlns:p14="http://schemas.microsoft.com/office/powerpoint/2010/main" val="3553969521"/>
+      </p:ext>
+    </p:extLst>
+  </p:cSld>
+  <p:clrMapOvr>
+    <a:masterClrMapping/>
+  </p:clrMapOvr>
+</p:sld>
+</file>
+
+<file path=ppt/slides/slide27.xml><?xml version="1.0" encoding="utf-8"?>
+<p:sld xmlns:a="http://schemas.openxmlformats.org/drawingml/2006/main" xmlns:r="http://schemas.openxmlformats.org/officeDocument/2006/relationships" xmlns:p="http://schemas.openxmlformats.org/presentationml/2006/main">
+  <p:cSld>
+    <p:spTree>
+      <p:nvGrpSpPr>
+        <p:cNvPr id="1" name=""/>
+        <p:cNvGrpSpPr/>
+        <p:nvPr/>
+      </p:nvGrpSpPr>
+      <p:grpSpPr>
+        <a:xfrm>
+          <a:off x="0" y="0"/>
+          <a:ext cx="0" cy="0"/>
+          <a:chOff x="0" y="0"/>
+          <a:chExt cx="0" cy="0"/>
+        </a:xfrm>
+      </p:grpSpPr>
+      <p:graphicFrame>
+        <p:nvGraphicFramePr>
+          <p:cNvPr id="4" name="표 4">
+            <a:extLst>
+              <a:ext uri="{FF2B5EF4-FFF2-40B4-BE49-F238E27FC236}">
+                <a16:creationId xmlns:a16="http://schemas.microsoft.com/office/drawing/2014/main" id="{E5F083C2-6D63-3307-57CA-C7EB67485679}"/>
+              </a:ext>
+            </a:extLst>
+          </p:cNvPr>
+          <p:cNvGraphicFramePr>
+            <a:graphicFrameLocks noGrp="1"/>
+          </p:cNvGraphicFramePr>
+          <p:nvPr>
+            <p:extLst>
+              <p:ext uri="{D42A27DB-BD31-4B8C-83A1-F6EECF244321}">
+                <p14:modId xmlns:p14="http://schemas.microsoft.com/office/powerpoint/2010/main" val="2414900543"/>
+              </p:ext>
+            </p:extLst>
+          </p:nvPr>
+        </p:nvGraphicFramePr>
+        <p:xfrm>
+          <a:off x="3386667" y="2014397"/>
+          <a:ext cx="5418666" cy="3169920"/>
+        </p:xfrm>
+        <a:graphic>
+          <a:graphicData uri="http://schemas.openxmlformats.org/drawingml/2006/table">
+            <a:tbl>
+              <a:tblPr firstRow="1" bandRow="1">
+                <a:tableStyleId>{5C22544A-7EE6-4342-B048-85BDC9FD1C3A}</a:tableStyleId>
+              </a:tblPr>
+              <a:tblGrid>
+                <a:gridCol w="1919259">
+                  <a:extLst>
+                    <a:ext uri="{9D8B030D-6E8A-4147-A177-3AD203B41FA5}">
+                      <a16:colId xmlns:a16="http://schemas.microsoft.com/office/drawing/2014/main" val="1681953476"/>
+                    </a:ext>
+                  </a:extLst>
+                </a:gridCol>
+                <a:gridCol w="3499407">
+                  <a:extLst>
+                    <a:ext uri="{9D8B030D-6E8A-4147-A177-3AD203B41FA5}">
+                      <a16:colId xmlns:a16="http://schemas.microsoft.com/office/drawing/2014/main" val="3556687490"/>
+                    </a:ext>
+                  </a:extLst>
+                </a:gridCol>
+              </a:tblGrid>
+              <a:tr h="0">
+                <a:tc>
+                  <a:txBody>
+                    <a:bodyPr/>
+                    <a:lstStyle/>
+                    <a:p>
+                      <a:pPr algn="ctr" latinLnBrk="1"/>
+                      <a:r>
+                        <a:rPr lang="ko-KR" altLang="en-US" dirty="0" err="1"/>
+                        <a:t>정규식</a:t>
+                      </a:r>
+                      <a:r>
+                        <a:rPr lang="ko-KR" altLang="en-US" dirty="0"/>
+                        <a:t> 표현</a:t>
+                      </a:r>
+                    </a:p>
+                  </a:txBody>
+                  <a:tcPr/>
+                </a:tc>
+                <a:tc>
+                  <a:txBody>
+                    <a:bodyPr/>
+                    <a:lstStyle/>
+                    <a:p>
+                      <a:pPr algn="ctr" latinLnBrk="1"/>
+                      <a:r>
+                        <a:rPr lang="ko-KR" altLang="en-US" dirty="0"/>
+                        <a:t>뜻</a:t>
+                      </a:r>
+                    </a:p>
+                  </a:txBody>
+                  <a:tcPr/>
+                </a:tc>
+                <a:extLst>
+                  <a:ext uri="{0D108BD9-81ED-4DB2-BD59-A6C34878D82A}">
+                    <a16:rowId xmlns:a16="http://schemas.microsoft.com/office/drawing/2014/main" val="1886932066"/>
+                  </a:ext>
+                </a:extLst>
+              </a:tr>
+              <a:tr h="370840">
+                <a:tc>
+                  <a:txBody>
+                    <a:bodyPr/>
+                    <a:lstStyle/>
+                    <a:p>
+                      <a:pPr algn="ctr" latinLnBrk="1"/>
+                      <a:r>
+                        <a:rPr lang="en-US" altLang="ko-KR" dirty="0"/>
+                        <a:t>^</a:t>
+                      </a:r>
+                      <a:endParaRPr lang="ko-KR" altLang="en-US" dirty="0"/>
+                    </a:p>
+                  </a:txBody>
+                  <a:tcPr/>
+                </a:tc>
+                <a:tc>
+                  <a:txBody>
+                    <a:bodyPr/>
+                    <a:lstStyle/>
+                    <a:p>
+                      <a:pPr algn="ctr" latinLnBrk="1"/>
+                      <a:r>
+                        <a:rPr lang="ko-KR" altLang="en-US" sz="1600" dirty="0"/>
+                        <a:t>입력 시작부분 표시</a:t>
+                      </a:r>
+                    </a:p>
+                  </a:txBody>
+                  <a:tcPr/>
+                </a:tc>
+                <a:extLst>
+                  <a:ext uri="{0D108BD9-81ED-4DB2-BD59-A6C34878D82A}">
+                    <a16:rowId xmlns:a16="http://schemas.microsoft.com/office/drawing/2014/main" val="1979254643"/>
+                  </a:ext>
+                </a:extLst>
+              </a:tr>
+              <a:tr h="370840">
+                <a:tc>
+                  <a:txBody>
+                    <a:bodyPr/>
+                    <a:lstStyle/>
+                    <a:p>
+                      <a:pPr algn="ctr" latinLnBrk="1"/>
+                      <a:r>
+                        <a:rPr lang="en-US" altLang="ko-KR" dirty="0"/>
+                        <a:t>\(</a:t>
+                      </a:r>
+                      <a:r>
+                        <a:rPr lang="ko-KR" altLang="en-US" dirty="0" err="1"/>
+                        <a:t>역슬래시</a:t>
+                      </a:r>
+                      <a:r>
+                        <a:rPr lang="en-US" altLang="ko-KR" dirty="0"/>
+                        <a:t>)</a:t>
+                      </a:r>
+                      <a:endParaRPr lang="ko-KR" altLang="en-US" dirty="0"/>
+                    </a:p>
+                  </a:txBody>
+                  <a:tcPr/>
+                </a:tc>
+                <a:tc>
+                  <a:txBody>
+                    <a:bodyPr/>
+                    <a:lstStyle/>
+                    <a:p>
+                      <a:pPr algn="ctr" latinLnBrk="1"/>
+                      <a:r>
+                        <a:rPr lang="ko-KR" altLang="en-US" sz="1600" dirty="0"/>
+                        <a:t>특수문자 인식 </a:t>
+                      </a:r>
+                      <a:r>
+                        <a:rPr lang="en-US" altLang="ko-KR" sz="1600" dirty="0"/>
+                        <a:t>(\b…)</a:t>
+                      </a:r>
+                      <a:endParaRPr lang="ko-KR" altLang="en-US" sz="1600" dirty="0"/>
+                    </a:p>
+                  </a:txBody>
+                  <a:tcPr/>
+                </a:tc>
+                <a:extLst>
+                  <a:ext uri="{0D108BD9-81ED-4DB2-BD59-A6C34878D82A}">
+                    <a16:rowId xmlns:a16="http://schemas.microsoft.com/office/drawing/2014/main" val="3255139437"/>
+                  </a:ext>
+                </a:extLst>
+              </a:tr>
+              <a:tr h="370840">
+                <a:tc>
+                  <a:txBody>
+                    <a:bodyPr/>
+                    <a:lstStyle/>
+                    <a:p>
+                      <a:pPr algn="ctr" latinLnBrk="1"/>
+                      <a:r>
+                        <a:rPr lang="en-US" altLang="ko-KR" dirty="0"/>
+                        <a:t>$</a:t>
+                      </a:r>
+                      <a:endParaRPr lang="ko-KR" altLang="en-US" dirty="0"/>
+                    </a:p>
+                  </a:txBody>
+                  <a:tcPr/>
+                </a:tc>
+                <a:tc>
+                  <a:txBody>
+                    <a:bodyPr/>
+                    <a:lstStyle/>
+                    <a:p>
+                      <a:pPr algn="ctr" latinLnBrk="1"/>
+                      <a:r>
+                        <a:rPr lang="ko-KR" altLang="en-US" sz="1600" dirty="0"/>
+                        <a:t>입력 끝부분</a:t>
+                      </a:r>
+                    </a:p>
+                  </a:txBody>
+                  <a:tcPr/>
+                </a:tc>
+                <a:extLst>
+                  <a:ext uri="{0D108BD9-81ED-4DB2-BD59-A6C34878D82A}">
+                    <a16:rowId xmlns:a16="http://schemas.microsoft.com/office/drawing/2014/main" val="4170712067"/>
+                  </a:ext>
+                </a:extLst>
+              </a:tr>
+              <a:tr h="370840">
+                <a:tc>
+                  <a:txBody>
+                    <a:bodyPr/>
+                    <a:lstStyle/>
+                    <a:p>
+                      <a:pPr algn="ctr" latinLnBrk="1"/>
+                      <a:r>
+                        <a:rPr lang="en-US" altLang="ko-KR" dirty="0"/>
+                        <a:t>*</a:t>
+                      </a:r>
+                      <a:endParaRPr lang="ko-KR" altLang="en-US" dirty="0"/>
+                    </a:p>
+                  </a:txBody>
+                  <a:tcPr/>
+                </a:tc>
+                <a:tc>
+                  <a:txBody>
+                    <a:bodyPr/>
+                    <a:lstStyle/>
+                    <a:p>
+                      <a:pPr algn="ctr" latinLnBrk="1"/>
+                      <a:r>
+                        <a:rPr lang="ko-KR" altLang="en-US" sz="1600" dirty="0"/>
+                        <a:t>앞 표현식이 </a:t>
+                      </a:r>
+                      <a:r>
+                        <a:rPr lang="en-US" altLang="ko-KR" sz="1600" dirty="0"/>
+                        <a:t>0</a:t>
+                      </a:r>
+                      <a:r>
+                        <a:rPr lang="ko-KR" altLang="en-US" sz="1600" dirty="0"/>
+                        <a:t>회 이상 연속으로 반복</a:t>
+                      </a:r>
+                    </a:p>
+                  </a:txBody>
+                  <a:tcPr/>
+                </a:tc>
+                <a:extLst>
+                  <a:ext uri="{0D108BD9-81ED-4DB2-BD59-A6C34878D82A}">
+                    <a16:rowId xmlns:a16="http://schemas.microsoft.com/office/drawing/2014/main" val="3287311875"/>
+                  </a:ext>
+                </a:extLst>
+              </a:tr>
+              <a:tr h="370840">
+                <a:tc>
+                  <a:txBody>
+                    <a:bodyPr/>
+                    <a:lstStyle/>
+                    <a:p>
+                      <a:pPr algn="ctr" latinLnBrk="1"/>
+                      <a:r>
+                        <a:rPr lang="en-US" altLang="ko-KR" dirty="0"/>
+                        <a:t>+</a:t>
+                      </a:r>
+                      <a:endParaRPr lang="ko-KR" altLang="en-US" dirty="0"/>
+                    </a:p>
+                  </a:txBody>
+                  <a:tcPr/>
+                </a:tc>
+                <a:tc>
+                  <a:txBody>
+                    <a:bodyPr/>
+                    <a:lstStyle/>
+                    <a:p>
+                      <a:pPr algn="ctr" latinLnBrk="1"/>
+                      <a:r>
+                        <a:rPr lang="ko-KR" altLang="en-US" sz="1600" dirty="0"/>
+                        <a:t>앞 표현식이 </a:t>
+                      </a:r>
+                      <a:r>
+                        <a:rPr lang="en-US" altLang="ko-KR" sz="1600" dirty="0"/>
+                        <a:t>1</a:t>
+                      </a:r>
+                      <a:r>
+                        <a:rPr lang="ko-KR" altLang="en-US" sz="1600" dirty="0"/>
+                        <a:t>회 이상 연속으로 반복</a:t>
+                      </a:r>
+                    </a:p>
+                  </a:txBody>
+                  <a:tcPr/>
+                </a:tc>
+                <a:extLst>
+                  <a:ext uri="{0D108BD9-81ED-4DB2-BD59-A6C34878D82A}">
+                    <a16:rowId xmlns:a16="http://schemas.microsoft.com/office/drawing/2014/main" val="2680114269"/>
+                  </a:ext>
+                </a:extLst>
+              </a:tr>
+              <a:tr h="370840">
+                <a:tc>
+                  <a:txBody>
+                    <a:bodyPr/>
+                    <a:lstStyle/>
+                    <a:p>
+                      <a:pPr algn="ctr" latinLnBrk="1"/>
+                      <a:r>
+                        <a:rPr lang="en-US" altLang="ko-KR" dirty="0"/>
+                        <a:t>1-9 / a-</a:t>
+                      </a:r>
+                      <a:r>
+                        <a:rPr lang="en-US" altLang="ko-KR" dirty="0" err="1"/>
+                        <a:t>zA</a:t>
+                      </a:r>
+                      <a:r>
+                        <a:rPr lang="en-US" altLang="ko-KR" dirty="0"/>
+                        <a:t>-Z</a:t>
+                      </a:r>
+                      <a:endParaRPr lang="ko-KR" altLang="en-US" dirty="0"/>
+                    </a:p>
+                  </a:txBody>
+                  <a:tcPr/>
+                </a:tc>
+                <a:tc>
+                  <a:txBody>
+                    <a:bodyPr/>
+                    <a:lstStyle/>
+                    <a:p>
+                      <a:pPr algn="ctr" latinLnBrk="1"/>
+                      <a:r>
+                        <a:rPr lang="en-US" altLang="ko-KR" sz="1600" dirty="0"/>
+                        <a:t>1~9</a:t>
+                      </a:r>
+                      <a:r>
+                        <a:rPr lang="ko-KR" altLang="en-US" sz="1600" dirty="0"/>
+                        <a:t>까지 </a:t>
+                      </a:r>
+                      <a:r>
+                        <a:rPr lang="en-US" altLang="ko-KR" sz="1600" dirty="0"/>
+                        <a:t>/ </a:t>
+                      </a:r>
+                      <a:r>
+                        <a:rPr lang="ko-KR" altLang="en-US" sz="1600" dirty="0"/>
+                        <a:t>영어 </a:t>
+                      </a:r>
+                      <a:r>
+                        <a:rPr lang="en-US" altLang="ko-KR" sz="1600" dirty="0"/>
+                        <a:t>a</a:t>
+                      </a:r>
+                      <a:r>
+                        <a:rPr lang="ko-KR" altLang="en-US" sz="1600" dirty="0"/>
+                        <a:t>에서</a:t>
+                      </a:r>
+                      <a:r>
+                        <a:rPr lang="en-US" altLang="ko-KR" sz="1600" dirty="0"/>
+                        <a:t>z, A</a:t>
+                      </a:r>
+                      <a:r>
+                        <a:rPr lang="ko-KR" altLang="en-US" sz="1600" dirty="0"/>
+                        <a:t>에서 </a:t>
+                      </a:r>
+                      <a:r>
+                        <a:rPr lang="en-US" altLang="ko-KR" sz="1600" dirty="0"/>
+                        <a:t>Z</a:t>
+                      </a:r>
+                      <a:r>
+                        <a:rPr lang="ko-KR" altLang="en-US" sz="1600" dirty="0"/>
+                        <a:t>까지</a:t>
+                      </a:r>
+                    </a:p>
+                  </a:txBody>
+                  <a:tcPr/>
+                </a:tc>
+                <a:extLst>
+                  <a:ext uri="{0D108BD9-81ED-4DB2-BD59-A6C34878D82A}">
+                    <a16:rowId xmlns:a16="http://schemas.microsoft.com/office/drawing/2014/main" val="578444945"/>
+                  </a:ext>
+                </a:extLst>
+              </a:tr>
+              <a:tr h="370840">
+                <a:tc>
+                  <a:txBody>
+                    <a:bodyPr/>
+                    <a:lstStyle/>
+                    <a:p>
+                      <a:pPr algn="ctr" latinLnBrk="1"/>
+                      <a:r>
+                        <a:rPr lang="en-US" altLang="ko-KR" dirty="0"/>
+                        <a:t>\d \D</a:t>
+                      </a:r>
+                      <a:endParaRPr lang="ko-KR" altLang="en-US" dirty="0"/>
+                    </a:p>
+                  </a:txBody>
+                  <a:tcPr/>
+                </a:tc>
+                <a:tc>
+                  <a:txBody>
+                    <a:bodyPr/>
+                    <a:lstStyle/>
+                    <a:p>
+                      <a:pPr algn="ctr" latinLnBrk="1"/>
+                      <a:r>
+                        <a:rPr lang="ko-KR" altLang="en-US" sz="1600" dirty="0"/>
+                        <a:t>숫자인 것 </a:t>
+                      </a:r>
+                      <a:r>
+                        <a:rPr lang="en-US" altLang="ko-KR" sz="1600" dirty="0"/>
+                        <a:t>/ </a:t>
+                      </a:r>
+                      <a:r>
+                        <a:rPr lang="ko-KR" altLang="en-US" sz="1600" dirty="0"/>
+                        <a:t>숫자 아닌 것</a:t>
+                      </a:r>
+                    </a:p>
+                  </a:txBody>
+                  <a:tcPr/>
+                </a:tc>
+                <a:extLst>
+                  <a:ext uri="{0D108BD9-81ED-4DB2-BD59-A6C34878D82A}">
+                    <a16:rowId xmlns:a16="http://schemas.microsoft.com/office/drawing/2014/main" val="3307790365"/>
+                  </a:ext>
+                </a:extLst>
+              </a:tr>
+            </a:tbl>
+          </a:graphicData>
+        </a:graphic>
+      </p:graphicFrame>
+      <p:sp>
+        <p:nvSpPr>
+          <p:cNvPr id="5" name="직사각형 4">
+            <a:extLst>
+              <a:ext uri="{FF2B5EF4-FFF2-40B4-BE49-F238E27FC236}">
+                <a16:creationId xmlns:a16="http://schemas.microsoft.com/office/drawing/2014/main" id="{FF90BE07-0486-1042-AFC0-6E7F921F4F99}"/>
+              </a:ext>
+            </a:extLst>
+          </p:cNvPr>
+          <p:cNvSpPr/>
+          <p:nvPr/>
+        </p:nvSpPr>
+        <p:spPr>
+          <a:xfrm>
+            <a:off x="4008628" y="649704"/>
+            <a:ext cx="4174744" cy="853082"/>
+          </a:xfrm>
+          <a:prstGeom prst="rect">
+            <a:avLst/>
+          </a:prstGeom>
+          <a:solidFill>
+            <a:srgbClr val="00B0F0">
+              <a:alpha val="34000"/>
+            </a:srgbClr>
+          </a:solidFill>
+          <a:ln w="38100">
+            <a:noFill/>
+          </a:ln>
+        </p:spPr>
+        <p:style>
+          <a:lnRef idx="2">
+            <a:schemeClr val="accent1">
+              <a:shade val="50000"/>
+            </a:schemeClr>
+          </a:lnRef>
+          <a:fillRef idx="1">
+            <a:schemeClr val="accent1"/>
+          </a:fillRef>
+          <a:effectRef idx="0">
+            <a:schemeClr val="accent1"/>
+          </a:effectRef>
+          <a:fontRef idx="minor">
+            <a:schemeClr val="lt1"/>
+          </a:fontRef>
+        </p:style>
+        <p:txBody>
+          <a:bodyPr rtlCol="0" anchor="ctr"/>
+          <a:lstStyle/>
+          <a:p>
+            <a:pPr algn="ctr"/>
+            <a:r>
+              <a:rPr lang="ko-KR" altLang="en-US">
+                <a:solidFill>
+                  <a:schemeClr val="tx1"/>
+                </a:solidFill>
+              </a:rPr>
+              <a:t>자주 쓰이는 기본 표현</a:t>
+            </a:r>
+            <a:endParaRPr lang="ko-KR" altLang="en-US" dirty="0">
+              <a:solidFill>
+                <a:schemeClr val="tx1"/>
+              </a:solidFill>
+            </a:endParaRPr>
+          </a:p>
+        </p:txBody>
+      </p:sp>
+    </p:spTree>
+    <p:extLst>
+      <p:ext uri="{BB962C8B-B14F-4D97-AF65-F5344CB8AC3E}">
+        <p14:creationId xmlns:p14="http://schemas.microsoft.com/office/powerpoint/2010/main" val="3052956126"/>
+      </p:ext>
+    </p:extLst>
+  </p:cSld>
+  <p:clrMapOvr>
+    <a:masterClrMapping/>
+  </p:clrMapOvr>
+</p:sld>
+</file>
+
+<file path=ppt/slides/slide28.xml><?xml version="1.0" encoding="utf-8"?>
+<p:sld xmlns:a="http://schemas.openxmlformats.org/drawingml/2006/main" xmlns:r="http://schemas.openxmlformats.org/officeDocument/2006/relationships" xmlns:p="http://schemas.openxmlformats.org/presentationml/2006/main">
+  <p:cSld>
+    <p:spTree>
+      <p:nvGrpSpPr>
+        <p:cNvPr id="1" name=""/>
+        <p:cNvGrpSpPr/>
+        <p:nvPr/>
+      </p:nvGrpSpPr>
+      <p:grpSpPr>
+        <a:xfrm>
+          <a:off x="0" y="0"/>
+          <a:ext cx="0" cy="0"/>
+          <a:chOff x="0" y="0"/>
+          <a:chExt cx="0" cy="0"/>
+        </a:xfrm>
+      </p:grpSpPr>
+      <p:sp>
+        <p:nvSpPr>
+          <p:cNvPr id="4" name="직사각형 3">
+            <a:extLst>
+              <a:ext uri="{FF2B5EF4-FFF2-40B4-BE49-F238E27FC236}">
+                <a16:creationId xmlns:a16="http://schemas.microsoft.com/office/drawing/2014/main" id="{B0F84CA2-9011-1589-66D6-0F37835A74D7}"/>
+              </a:ext>
+            </a:extLst>
+          </p:cNvPr>
+          <p:cNvSpPr/>
+          <p:nvPr/>
+        </p:nvSpPr>
+        <p:spPr>
+          <a:xfrm>
+            <a:off x="4008628" y="3002459"/>
+            <a:ext cx="4174744" cy="853082"/>
+          </a:xfrm>
+          <a:prstGeom prst="rect">
+            <a:avLst/>
+          </a:prstGeom>
+          <a:solidFill>
+            <a:srgbClr val="00B0F0">
+              <a:alpha val="34000"/>
+            </a:srgbClr>
+          </a:solidFill>
+          <a:ln w="38100">
+            <a:noFill/>
+          </a:ln>
+        </p:spPr>
+        <p:style>
+          <a:lnRef idx="2">
+            <a:schemeClr val="accent1">
+              <a:shade val="50000"/>
+            </a:schemeClr>
+          </a:lnRef>
+          <a:fillRef idx="1">
+            <a:schemeClr val="accent1"/>
+          </a:fillRef>
+          <a:effectRef idx="0">
+            <a:schemeClr val="accent1"/>
+          </a:effectRef>
+          <a:fontRef idx="minor">
+            <a:schemeClr val="lt1"/>
+          </a:fontRef>
+        </p:style>
+        <p:txBody>
+          <a:bodyPr rtlCol="0" anchor="ctr"/>
+          <a:lstStyle/>
+          <a:p>
+            <a:pPr algn="ctr"/>
+            <a:r>
+              <a:rPr lang="pl-PL" altLang="ko-KR" b="0" i="0" dirty="0">
+                <a:solidFill>
+                  <a:schemeClr val="tx1"/>
+                </a:solidFill>
+                <a:effectLst/>
+                <a:latin typeface="Menlo"/>
+              </a:rPr>
+              <a:t>^(?=.*[A-Za-z])(?=.*\d)[A-Za-z\d]{8,}$</a:t>
+            </a:r>
+            <a:endParaRPr lang="en-US" altLang="ko-KR" b="0" i="0" dirty="0">
+              <a:solidFill>
+                <a:schemeClr val="tx1"/>
+              </a:solidFill>
+              <a:effectLst/>
+              <a:latin typeface="Menlo"/>
+            </a:endParaRPr>
+          </a:p>
+          <a:p>
+            <a:pPr algn="ctr"/>
+            <a:r>
+              <a:rPr lang="ko-KR" altLang="en-US" dirty="0">
+                <a:solidFill>
+                  <a:schemeClr val="tx1"/>
+                </a:solidFill>
+                <a:latin typeface="Menlo"/>
+              </a:rPr>
+              <a:t>최소 </a:t>
+            </a:r>
+            <a:r>
+              <a:rPr lang="en-US" altLang="ko-KR" dirty="0">
+                <a:solidFill>
+                  <a:schemeClr val="tx1"/>
+                </a:solidFill>
+                <a:latin typeface="Menlo"/>
+              </a:rPr>
+              <a:t>8</a:t>
+            </a:r>
+            <a:r>
+              <a:rPr lang="ko-KR" altLang="en-US" dirty="0">
+                <a:solidFill>
+                  <a:schemeClr val="tx1"/>
+                </a:solidFill>
+                <a:latin typeface="Menlo"/>
+              </a:rPr>
+              <a:t>글자</a:t>
+            </a:r>
+            <a:r>
+              <a:rPr lang="en-US" altLang="ko-KR" dirty="0">
+                <a:solidFill>
+                  <a:schemeClr val="tx1"/>
+                </a:solidFill>
+                <a:latin typeface="Menlo"/>
+              </a:rPr>
+              <a:t>, </a:t>
+            </a:r>
+            <a:r>
+              <a:rPr lang="ko-KR" altLang="en-US" dirty="0">
+                <a:solidFill>
+                  <a:schemeClr val="tx1"/>
+                </a:solidFill>
+                <a:latin typeface="Menlo"/>
+              </a:rPr>
+              <a:t>하나 이상의 문자와 하나의 숫자</a:t>
+            </a:r>
+            <a:endParaRPr lang="ko-KR" altLang="en-US" dirty="0">
+              <a:solidFill>
+                <a:schemeClr val="tx1"/>
+              </a:solidFill>
+            </a:endParaRPr>
+          </a:p>
+        </p:txBody>
+      </p:sp>
+    </p:spTree>
+    <p:extLst>
+      <p:ext uri="{BB962C8B-B14F-4D97-AF65-F5344CB8AC3E}">
+        <p14:creationId xmlns:p14="http://schemas.microsoft.com/office/powerpoint/2010/main" val="1114898377"/>
+      </p:ext>
+    </p:extLst>
+  </p:cSld>
+  <p:clrMapOvr>
+    <a:masterClrMapping/>
+  </p:clrMapOvr>
+</p:sld>
+</file>
+
+<file path=ppt/slides/slide29.xml><?xml version="1.0" encoding="utf-8"?>
+<p:sld xmlns:a="http://schemas.openxmlformats.org/drawingml/2006/main" xmlns:r="http://schemas.openxmlformats.org/officeDocument/2006/relationships" xmlns:p="http://schemas.openxmlformats.org/presentationml/2006/main">
+  <p:cSld>
+    <p:spTree>
+      <p:nvGrpSpPr>
+        <p:cNvPr id="1" name=""/>
+        <p:cNvGrpSpPr/>
+        <p:nvPr/>
+      </p:nvGrpSpPr>
+      <p:grpSpPr>
+        <a:xfrm>
+          <a:off x="0" y="0"/>
+          <a:ext cx="0" cy="0"/>
+          <a:chOff x="0" y="0"/>
+          <a:chExt cx="0" cy="0"/>
+        </a:xfrm>
+      </p:grpSpPr>
+      <p:sp>
+        <p:nvSpPr>
+          <p:cNvPr id="4" name="직사각형 3"/>
+          <p:cNvSpPr/>
+          <p:nvPr/>
+        </p:nvSpPr>
+        <p:spPr>
+          <a:xfrm>
+            <a:off x="4663046" y="3097394"/>
+            <a:ext cx="2865905" cy="736238"/>
+          </a:xfrm>
+          <a:prstGeom prst="rect">
+            <a:avLst/>
+          </a:prstGeom>
+          <a:solidFill>
+            <a:srgbClr val="00B0F0">
+              <a:alpha val="34000"/>
+            </a:srgbClr>
+          </a:solidFill>
+          <a:ln w="38100">
+            <a:noFill/>
+          </a:ln>
+        </p:spPr>
+        <p:style>
+          <a:lnRef idx="2">
+            <a:schemeClr val="accent1">
+              <a:shade val="50000"/>
+            </a:schemeClr>
+          </a:lnRef>
+          <a:fillRef idx="1">
+            <a:schemeClr val="accent1"/>
+          </a:fillRef>
+          <a:effectRef idx="0">
+            <a:schemeClr val="accent1"/>
+          </a:effectRef>
+          <a:fontRef idx="minor">
+            <a:schemeClr val="lt1"/>
+          </a:fontRef>
+        </p:style>
+        <p:txBody>
+          <a:bodyPr rtlCol="0" anchor="ctr"/>
+          <a:lstStyle/>
+          <a:p>
+            <a:pPr algn="ctr"/>
+            <a:r>
+              <a:rPr lang="en-US" altLang="ko-KR" dirty="0">
+                <a:solidFill>
+                  <a:schemeClr val="tx1"/>
+                </a:solidFill>
+              </a:rPr>
+              <a:t>‘Symbol</a:t>
+            </a:r>
+            <a:endParaRPr lang="ko-KR" altLang="en-US" dirty="0">
+              <a:solidFill>
+                <a:schemeClr val="tx1"/>
+              </a:solidFill>
+            </a:endParaRPr>
+          </a:p>
+        </p:txBody>
+      </p:sp>
+      <p:sp>
+        <p:nvSpPr>
+          <p:cNvPr id="5" name="직사각형 4"/>
+          <p:cNvSpPr/>
+          <p:nvPr/>
+        </p:nvSpPr>
+        <p:spPr>
+          <a:xfrm>
+            <a:off x="4663046" y="5557961"/>
+            <a:ext cx="2865905" cy="736238"/>
+          </a:xfrm>
+          <a:prstGeom prst="rect">
+            <a:avLst/>
+          </a:prstGeom>
+          <a:solidFill>
+            <a:srgbClr val="00B0F0">
+              <a:alpha val="34000"/>
+            </a:srgbClr>
+          </a:solidFill>
+          <a:ln w="38100">
+            <a:noFill/>
+          </a:ln>
+        </p:spPr>
+        <p:style>
+          <a:lnRef idx="2">
+            <a:schemeClr val="accent1">
+              <a:shade val="50000"/>
+            </a:schemeClr>
+          </a:lnRef>
+          <a:fillRef idx="1">
+            <a:schemeClr val="accent1"/>
+          </a:fillRef>
+          <a:effectRef idx="0">
+            <a:schemeClr val="accent1"/>
+          </a:effectRef>
+          <a:fontRef idx="minor">
+            <a:schemeClr val="lt1"/>
+          </a:fontRef>
+        </p:style>
+        <p:txBody>
+          <a:bodyPr rtlCol="0" anchor="ctr"/>
+          <a:lstStyle/>
+          <a:p>
+            <a:pPr algn="ctr"/>
+            <a:r>
+              <a:rPr lang="ko-KR" altLang="en-US" i="1" dirty="0" err="1">
+                <a:solidFill>
+                  <a:schemeClr val="tx1"/>
+                </a:solidFill>
+              </a:rPr>
+              <a:t>고유형이라고도</a:t>
+            </a:r>
+            <a:r>
+              <a:rPr lang="ko-KR" altLang="en-US" i="1" dirty="0">
+                <a:solidFill>
+                  <a:schemeClr val="tx1"/>
+                </a:solidFill>
+              </a:rPr>
+              <a:t> 해</a:t>
+            </a:r>
           </a:p>
         </p:txBody>
       </p:sp>
@@ -4389,7 +8088,97 @@
 </p:sld>
 </file>
 
-<file path=ppt/slides/slide18.xml><?xml version="1.0" encoding="utf-8"?>
+<file path=ppt/slides/slide3.xml><?xml version="1.0" encoding="utf-8"?>
+<p:sld xmlns:a="http://schemas.openxmlformats.org/drawingml/2006/main" xmlns:r="http://schemas.openxmlformats.org/officeDocument/2006/relationships" xmlns:p="http://schemas.openxmlformats.org/presentationml/2006/main">
+  <p:cSld>
+    <p:spTree>
+      <p:nvGrpSpPr>
+        <p:cNvPr id="1" name=""/>
+        <p:cNvGrpSpPr/>
+        <p:nvPr/>
+      </p:nvGrpSpPr>
+      <p:grpSpPr>
+        <a:xfrm>
+          <a:off x="0" y="0"/>
+          <a:ext cx="0" cy="0"/>
+          <a:chOff x="0" y="0"/>
+          <a:chExt cx="0" cy="0"/>
+        </a:xfrm>
+      </p:grpSpPr>
+      <p:sp>
+        <p:nvSpPr>
+          <p:cNvPr id="2" name="직사각형 1"/>
+          <p:cNvSpPr/>
+          <p:nvPr/>
+        </p:nvSpPr>
+        <p:spPr>
+          <a:xfrm>
+            <a:off x="4663046" y="3097394"/>
+            <a:ext cx="2865905" cy="736238"/>
+          </a:xfrm>
+          <a:prstGeom prst="rect">
+            <a:avLst/>
+          </a:prstGeom>
+          <a:solidFill>
+            <a:srgbClr val="00B0F0">
+              <a:alpha val="34000"/>
+            </a:srgbClr>
+          </a:solidFill>
+          <a:ln w="38100">
+            <a:noFill/>
+          </a:ln>
+        </p:spPr>
+        <p:style>
+          <a:lnRef idx="2">
+            <a:schemeClr val="accent1">
+              <a:shade val="50000"/>
+            </a:schemeClr>
+          </a:lnRef>
+          <a:fillRef idx="1">
+            <a:schemeClr val="accent1"/>
+          </a:fillRef>
+          <a:effectRef idx="0">
+            <a:schemeClr val="accent1"/>
+          </a:effectRef>
+          <a:fontRef idx="minor">
+            <a:schemeClr val="lt1"/>
+          </a:fontRef>
+        </p:style>
+        <p:txBody>
+          <a:bodyPr rtlCol="0" anchor="ctr"/>
+          <a:lstStyle/>
+          <a:p>
+            <a:pPr algn="ctr"/>
+            <a:r>
+              <a:rPr lang="en-US" altLang="ko-KR" dirty="0">
+                <a:solidFill>
+                  <a:schemeClr val="tx1"/>
+                </a:solidFill>
+              </a:rPr>
+              <a:t>‘setinterval / setitmeout</a:t>
+            </a:r>
+            <a:endParaRPr lang="ko-KR" altLang="en-US" dirty="0">
+              <a:solidFill>
+                <a:schemeClr val="tx1"/>
+              </a:solidFill>
+            </a:endParaRPr>
+          </a:p>
+        </p:txBody>
+      </p:sp>
+    </p:spTree>
+    <p:extLst>
+      <p:ext uri="{BB962C8B-B14F-4D97-AF65-F5344CB8AC3E}">
+        <p14:creationId xmlns:p14="http://schemas.microsoft.com/office/powerpoint/2010/main" val="794113668"/>
+      </p:ext>
+    </p:extLst>
+  </p:cSld>
+  <p:clrMapOvr>
+    <a:masterClrMapping/>
+  </p:clrMapOvr>
+</p:sld>
+</file>
+
+<file path=ppt/slides/slide30.xml><?xml version="1.0" encoding="utf-8"?>
 <p:sld xmlns:a="http://schemas.openxmlformats.org/drawingml/2006/main" xmlns:r="http://schemas.openxmlformats.org/officeDocument/2006/relationships" xmlns:p="http://schemas.openxmlformats.org/presentationml/2006/main">
   <p:cSld>
     <p:spTree>
@@ -4419,193 +8208,6 @@
 </p:sld>
 </file>
 
-<file path=ppt/slides/slide2.xml><?xml version="1.0" encoding="utf-8"?>
-<p:sld xmlns:a="http://schemas.openxmlformats.org/drawingml/2006/main" xmlns:r="http://schemas.openxmlformats.org/officeDocument/2006/relationships" xmlns:p="http://schemas.openxmlformats.org/presentationml/2006/main">
-  <p:cSld>
-    <p:spTree>
-      <p:nvGrpSpPr>
-        <p:cNvPr id="1" name=""/>
-        <p:cNvGrpSpPr/>
-        <p:nvPr/>
-      </p:nvGrpSpPr>
-      <p:grpSpPr>
-        <a:xfrm>
-          <a:off x="0" y="0"/>
-          <a:ext cx="0" cy="0"/>
-          <a:chOff x="0" y="0"/>
-          <a:chExt cx="0" cy="0"/>
-        </a:xfrm>
-      </p:grpSpPr>
-      <p:sp>
-        <p:nvSpPr>
-          <p:cNvPr id="4" name="직사각형 3"/>
-          <p:cNvSpPr/>
-          <p:nvPr/>
-        </p:nvSpPr>
-        <p:spPr>
-          <a:xfrm>
-            <a:off x="4663046" y="3097394"/>
-            <a:ext cx="2865905" cy="736238"/>
-          </a:xfrm>
-          <a:prstGeom prst="rect">
-            <a:avLst/>
-          </a:prstGeom>
-          <a:solidFill>
-            <a:srgbClr val="00B0F0">
-              <a:alpha val="34000"/>
-            </a:srgbClr>
-          </a:solidFill>
-          <a:ln w="38100">
-            <a:noFill/>
-          </a:ln>
-        </p:spPr>
-        <p:style>
-          <a:lnRef idx="2">
-            <a:schemeClr val="accent1">
-              <a:shade val="50000"/>
-            </a:schemeClr>
-          </a:lnRef>
-          <a:fillRef idx="1">
-            <a:schemeClr val="accent1"/>
-          </a:fillRef>
-          <a:effectRef idx="0">
-            <a:schemeClr val="accent1"/>
-          </a:effectRef>
-          <a:fontRef idx="minor">
-            <a:schemeClr val="lt1"/>
-          </a:fontRef>
-        </p:style>
-        <p:txBody>
-          <a:bodyPr rtlCol="0" anchor="ctr"/>
-          <a:lstStyle/>
-          <a:p>
-            <a:pPr algn="ctr"/>
-            <a:r>
-              <a:rPr lang="en-US" altLang="ko-KR" dirty="0" smtClean="0">
-                <a:solidFill>
-                  <a:schemeClr val="tx1"/>
-                </a:solidFill>
-              </a:rPr>
-              <a:t>IndexedDB</a:t>
-            </a:r>
-            <a:endParaRPr lang="ko-KR" altLang="en-US" dirty="0">
-              <a:solidFill>
-                <a:schemeClr val="tx1"/>
-              </a:solidFill>
-            </a:endParaRPr>
-          </a:p>
-        </p:txBody>
-      </p:sp>
-    </p:spTree>
-    <p:extLst>
-      <p:ext uri="{BB962C8B-B14F-4D97-AF65-F5344CB8AC3E}">
-        <p14:creationId xmlns:p14="http://schemas.microsoft.com/office/powerpoint/2010/main" val="2839315648"/>
-      </p:ext>
-    </p:extLst>
-  </p:cSld>
-  <p:clrMapOvr>
-    <a:masterClrMapping/>
-  </p:clrMapOvr>
-  <p:timing>
-    <p:tnLst>
-      <p:par>
-        <p:cTn id="1" dur="indefinite" restart="never" nodeType="tmRoot"/>
-      </p:par>
-    </p:tnLst>
-  </p:timing>
-</p:sld>
-</file>
-
-<file path=ppt/slides/slide3.xml><?xml version="1.0" encoding="utf-8"?>
-<p:sld xmlns:a="http://schemas.openxmlformats.org/drawingml/2006/main" xmlns:r="http://schemas.openxmlformats.org/officeDocument/2006/relationships" xmlns:p="http://schemas.openxmlformats.org/presentationml/2006/main">
-  <p:cSld>
-    <p:spTree>
-      <p:nvGrpSpPr>
-        <p:cNvPr id="1" name=""/>
-        <p:cNvGrpSpPr/>
-        <p:nvPr/>
-      </p:nvGrpSpPr>
-      <p:grpSpPr>
-        <a:xfrm>
-          <a:off x="0" y="0"/>
-          <a:ext cx="0" cy="0"/>
-          <a:chOff x="0" y="0"/>
-          <a:chExt cx="0" cy="0"/>
-        </a:xfrm>
-      </p:grpSpPr>
-      <p:sp>
-        <p:nvSpPr>
-          <p:cNvPr id="2" name="직사각형 1"/>
-          <p:cNvSpPr/>
-          <p:nvPr/>
-        </p:nvSpPr>
-        <p:spPr>
-          <a:xfrm>
-            <a:off x="4663046" y="3097394"/>
-            <a:ext cx="2865905" cy="736238"/>
-          </a:xfrm>
-          <a:prstGeom prst="rect">
-            <a:avLst/>
-          </a:prstGeom>
-          <a:solidFill>
-            <a:srgbClr val="00B0F0">
-              <a:alpha val="34000"/>
-            </a:srgbClr>
-          </a:solidFill>
-          <a:ln w="38100">
-            <a:noFill/>
-          </a:ln>
-        </p:spPr>
-        <p:style>
-          <a:lnRef idx="2">
-            <a:schemeClr val="accent1">
-              <a:shade val="50000"/>
-            </a:schemeClr>
-          </a:lnRef>
-          <a:fillRef idx="1">
-            <a:schemeClr val="accent1"/>
-          </a:fillRef>
-          <a:effectRef idx="0">
-            <a:schemeClr val="accent1"/>
-          </a:effectRef>
-          <a:fontRef idx="minor">
-            <a:schemeClr val="lt1"/>
-          </a:fontRef>
-        </p:style>
-        <p:txBody>
-          <a:bodyPr rtlCol="0" anchor="ctr"/>
-          <a:lstStyle/>
-          <a:p>
-            <a:pPr algn="ctr"/>
-            <a:r>
-              <a:rPr lang="en-US" altLang="ko-KR" dirty="0" smtClean="0">
-                <a:solidFill>
-                  <a:schemeClr val="tx1"/>
-                </a:solidFill>
-              </a:rPr>
-              <a:t>‘setinterval / setitmeout</a:t>
-            </a:r>
-            <a:endParaRPr lang="ko-KR" altLang="en-US" dirty="0">
-              <a:solidFill>
-                <a:schemeClr val="tx1"/>
-              </a:solidFill>
-            </a:endParaRPr>
-          </a:p>
-        </p:txBody>
-      </p:sp>
-    </p:spTree>
-    <p:extLst>
-      <p:ext uri="{BB962C8B-B14F-4D97-AF65-F5344CB8AC3E}">
-        <p14:creationId xmlns:p14="http://schemas.microsoft.com/office/powerpoint/2010/main" val="794113668"/>
-      </p:ext>
-    </p:extLst>
-  </p:cSld>
-  <p:clrMapOvr>
-    <a:masterClrMapping/>
-  </p:clrMapOvr>
-</p:sld>
-</file>
-
 <file path=ppt/slides/slide4.xml><?xml version="1.0" encoding="utf-8"?>
 <p:sld xmlns:a="http://schemas.openxmlformats.org/drawingml/2006/main" xmlns:r="http://schemas.openxmlformats.org/officeDocument/2006/relationships" xmlns:p="http://schemas.openxmlformats.org/presentationml/2006/main">
   <p:cSld>
@@ -4668,7 +8270,7 @@
           <a:p>
             <a:pPr algn="ctr"/>
             <a:r>
-              <a:rPr lang="en-US" altLang="ko-KR" dirty="0" smtClean="0">
+              <a:rPr lang="en-US" altLang="ko-KR" dirty="0">
                 <a:solidFill>
                   <a:schemeClr val="tx1"/>
                 </a:solidFill>
@@ -4855,7 +8457,7 @@
           <a:p>
             <a:pPr algn="ctr"/>
             <a:r>
-              <a:rPr lang="en-US" altLang="ko-KR" dirty="0" smtClean="0">
+              <a:rPr lang="en-US" altLang="ko-KR" dirty="0">
                 <a:solidFill>
                   <a:schemeClr val="tx1"/>
                 </a:solidFill>
@@ -4999,7 +8601,13 @@
       </p:grpSpPr>
       <p:sp>
         <p:nvSpPr>
-          <p:cNvPr id="4" name="직사각형 3"/>
+          <p:cNvPr id="4" name="직사각형 3">
+            <a:extLst>
+              <a:ext uri="{FF2B5EF4-FFF2-40B4-BE49-F238E27FC236}">
+                <a16:creationId xmlns:a16="http://schemas.microsoft.com/office/drawing/2014/main" id="{BCB023EF-30A1-62D2-33E5-339F1FE0F711}"/>
+              </a:ext>
+            </a:extLst>
+          </p:cNvPr>
           <p:cNvSpPr/>
           <p:nvPr/>
         </p:nvSpPr>
@@ -5042,23 +8650,12 @@
           <a:p>
             <a:pPr algn="ctr"/>
             <a:r>
-              <a:rPr lang="en-US" altLang="ko-KR" dirty="0" smtClean="0">
-                <a:solidFill>
-                  <a:schemeClr val="tx1"/>
-                </a:solidFill>
-              </a:rPr>
-              <a:t>Screen / frame</a:t>
-            </a:r>
-          </a:p>
-          <a:p>
-            <a:pPr algn="ctr"/>
-            <a:r>
-              <a:rPr lang="ko-KR" altLang="en-US" dirty="0" smtClean="0">
-                <a:solidFill>
-                  <a:schemeClr val="tx1"/>
-                </a:solidFill>
-              </a:rPr>
-              <a:t>이 둘은 요새 잘 쓰는지 모르겠어</a:t>
+              <a:rPr lang="en-US" altLang="ko-KR" dirty="0">
+                <a:solidFill>
+                  <a:schemeClr val="tx1"/>
+                </a:solidFill>
+              </a:rPr>
+              <a:t>BOM2</a:t>
             </a:r>
             <a:endParaRPr lang="ko-KR" altLang="en-US" dirty="0">
               <a:solidFill>
@@ -5068,78 +8665,10 @@
           </a:p>
         </p:txBody>
       </p:sp>
-      <p:sp>
-        <p:nvSpPr>
-          <p:cNvPr id="6" name="직사각형 5"/>
-          <p:cNvSpPr/>
-          <p:nvPr/>
-        </p:nvSpPr>
-        <p:spPr>
-          <a:xfrm>
-            <a:off x="4663046" y="5350144"/>
-            <a:ext cx="2865905" cy="736238"/>
-          </a:xfrm>
-          <a:prstGeom prst="rect">
-            <a:avLst/>
-          </a:prstGeom>
-          <a:solidFill>
-            <a:srgbClr val="00B0F0">
-              <a:alpha val="34000"/>
-            </a:srgbClr>
-          </a:solidFill>
-          <a:ln w="38100">
-            <a:noFill/>
-          </a:ln>
-        </p:spPr>
-        <p:style>
-          <a:lnRef idx="2">
-            <a:schemeClr val="accent1">
-              <a:shade val="50000"/>
-            </a:schemeClr>
-          </a:lnRef>
-          <a:fillRef idx="1">
-            <a:schemeClr val="accent1"/>
-          </a:fillRef>
-          <a:effectRef idx="0">
-            <a:schemeClr val="accent1"/>
-          </a:effectRef>
-          <a:fontRef idx="minor">
-            <a:schemeClr val="lt1"/>
-          </a:fontRef>
-        </p:style>
-        <p:txBody>
-          <a:bodyPr rtlCol="0" anchor="ctr"/>
-          <a:lstStyle/>
-          <a:p>
-            <a:pPr algn="ctr"/>
-            <a:r>
-              <a:rPr lang="ko-KR" altLang="en-US" i="1" dirty="0" smtClean="0">
-                <a:solidFill>
-                  <a:schemeClr val="tx1"/>
-                </a:solidFill>
-              </a:rPr>
-              <a:t>요새 브라우저 크기랑 비교하지 누가 스크린 크기를 재냐</a:t>
-            </a:r>
-            <a:r>
-              <a:rPr lang="en-US" altLang="ko-KR" i="1" dirty="0" smtClean="0">
-                <a:solidFill>
-                  <a:schemeClr val="tx1"/>
-                </a:solidFill>
-              </a:rPr>
-              <a:t>?</a:t>
-            </a:r>
-            <a:endParaRPr lang="ko-KR" altLang="en-US" i="1" dirty="0">
-              <a:solidFill>
-                <a:schemeClr val="tx1"/>
-              </a:solidFill>
-            </a:endParaRPr>
-          </a:p>
-        </p:txBody>
-      </p:sp>
     </p:spTree>
     <p:extLst>
       <p:ext uri="{BB962C8B-B14F-4D97-AF65-F5344CB8AC3E}">
-        <p14:creationId xmlns:p14="http://schemas.microsoft.com/office/powerpoint/2010/main" val="162615189"/>
+        <p14:creationId xmlns:p14="http://schemas.microsoft.com/office/powerpoint/2010/main" val="761661368"/>
       </p:ext>
     </p:extLst>
   </p:cSld>
@@ -5211,14 +8740,88 @@
           <a:p>
             <a:pPr algn="ctr"/>
             <a:r>
-              <a:rPr lang="en-US" altLang="ko-KR" dirty="0" smtClean="0">
-                <a:solidFill>
-                  <a:schemeClr val="tx1"/>
-                </a:solidFill>
-              </a:rPr>
-              <a:t>‘screen</a:t>
-            </a:r>
-            <a:endParaRPr lang="ko-KR" altLang="en-US" dirty="0">
+              <a:rPr lang="en-US" altLang="ko-KR" dirty="0">
+                <a:solidFill>
+                  <a:schemeClr val="tx1"/>
+                </a:solidFill>
+              </a:rPr>
+              <a:t>Screen / frame</a:t>
+            </a:r>
+          </a:p>
+          <a:p>
+            <a:pPr algn="ctr"/>
+            <a:r>
+              <a:rPr lang="ko-KR" altLang="en-US" dirty="0">
+                <a:solidFill>
+                  <a:schemeClr val="tx1"/>
+                </a:solidFill>
+              </a:rPr>
+              <a:t>이 둘은 요새 잘 쓰는지 모르겠어</a:t>
+            </a:r>
+          </a:p>
+        </p:txBody>
+      </p:sp>
+      <p:sp>
+        <p:nvSpPr>
+          <p:cNvPr id="6" name="직사각형 5"/>
+          <p:cNvSpPr/>
+          <p:nvPr/>
+        </p:nvSpPr>
+        <p:spPr>
+          <a:xfrm>
+            <a:off x="4663046" y="5350144"/>
+            <a:ext cx="2865905" cy="736238"/>
+          </a:xfrm>
+          <a:prstGeom prst="rect">
+            <a:avLst/>
+          </a:prstGeom>
+          <a:solidFill>
+            <a:srgbClr val="00B0F0">
+              <a:alpha val="34000"/>
+            </a:srgbClr>
+          </a:solidFill>
+          <a:ln w="38100">
+            <a:noFill/>
+          </a:ln>
+        </p:spPr>
+        <p:style>
+          <a:lnRef idx="2">
+            <a:schemeClr val="accent1">
+              <a:shade val="50000"/>
+            </a:schemeClr>
+          </a:lnRef>
+          <a:fillRef idx="1">
+            <a:schemeClr val="accent1"/>
+          </a:fillRef>
+          <a:effectRef idx="0">
+            <a:schemeClr val="accent1"/>
+          </a:effectRef>
+          <a:fontRef idx="minor">
+            <a:schemeClr val="lt1"/>
+          </a:fontRef>
+        </p:style>
+        <p:txBody>
+          <a:bodyPr rtlCol="0" anchor="ctr"/>
+          <a:lstStyle/>
+          <a:p>
+            <a:pPr algn="ctr"/>
+            <a:r>
+              <a:rPr lang="ko-KR" altLang="en-US" i="1" dirty="0">
+                <a:solidFill>
+                  <a:schemeClr val="tx1"/>
+                </a:solidFill>
+              </a:rPr>
+              <a:t>요새 브라우저 크기랑 비교하지 누가 스크린 크기를 재냐</a:t>
+            </a:r>
+            <a:r>
+              <a:rPr lang="en-US" altLang="ko-KR" i="1" dirty="0">
+                <a:solidFill>
+                  <a:schemeClr val="tx1"/>
+                </a:solidFill>
+              </a:rPr>
+              <a:t>?</a:t>
+            </a:r>
+            <a:endParaRPr lang="ko-KR" altLang="en-US" i="1" dirty="0">
               <a:solidFill>
                 <a:schemeClr val="tx1"/>
               </a:solidFill>
@@ -5229,7 +8832,7 @@
     </p:spTree>
     <p:extLst>
       <p:ext uri="{BB962C8B-B14F-4D97-AF65-F5344CB8AC3E}">
-        <p14:creationId xmlns:p14="http://schemas.microsoft.com/office/powerpoint/2010/main" val="2289356534"/>
+        <p14:creationId xmlns:p14="http://schemas.microsoft.com/office/powerpoint/2010/main" val="162615189"/>
       </p:ext>
     </p:extLst>
   </p:cSld>
